--- a/presentations/Robot-Certificate-FIgures-v2.pptx
+++ b/presentations/Robot-Certificate-FIgures-v2.pptx
@@ -10,6 +10,14 @@
     <p:sldId id="258" r:id="rId4"/>
     <p:sldId id="259" r:id="rId5"/>
     <p:sldId id="260" r:id="rId6"/>
+    <p:sldId id="261" r:id="rId7"/>
+    <p:sldId id="262" r:id="rId8"/>
+    <p:sldId id="263" r:id="rId9"/>
+    <p:sldId id="264" r:id="rId10"/>
+    <p:sldId id="268" r:id="rId11"/>
+    <p:sldId id="265" r:id="rId12"/>
+    <p:sldId id="266" r:id="rId13"/>
+    <p:sldId id="267" r:id="rId14"/>
   </p:sldIdLst>
   <p:sldSz cx="9144000" cy="6858000" type="screen4x3"/>
   <p:notesSz cx="6858000" cy="9144000"/>
@@ -3562,6 +3570,3672 @@
 </p:sld>
 </file>
 
+<file path=ppt/slides/slide10.xml><?xml version="1.0" encoding="utf-8"?>
+<p:sld xmlns:a="http://schemas.openxmlformats.org/drawingml/2006/main" xmlns:r="http://schemas.openxmlformats.org/officeDocument/2006/relationships" xmlns:p="http://schemas.openxmlformats.org/presentationml/2006/main">
+  <p:cSld>
+    <p:spTree>
+      <p:nvGrpSpPr>
+        <p:cNvPr id="1" name=""/>
+        <p:cNvGrpSpPr/>
+        <p:nvPr/>
+      </p:nvGrpSpPr>
+      <p:grpSpPr>
+        <a:xfrm>
+          <a:off x="0" y="0"/>
+          <a:ext cx="0" cy="0"/>
+          <a:chOff x="0" y="0"/>
+          <a:chExt cx="0" cy="0"/>
+        </a:xfrm>
+      </p:grpSpPr>
+      <p:sp>
+        <p:nvSpPr>
+          <p:cNvPr id="2" name="Title 1">
+            <a:extLst>
+              <a:ext uri="{FF2B5EF4-FFF2-40B4-BE49-F238E27FC236}">
+                <a16:creationId xmlns:a16="http://schemas.microsoft.com/office/drawing/2014/main" id="{5D32C420-2515-78C0-7571-4CA6AE7CF9A3}"/>
+              </a:ext>
+            </a:extLst>
+          </p:cNvPr>
+          <p:cNvSpPr>
+            <a:spLocks noGrp="1"/>
+          </p:cNvSpPr>
+          <p:nvPr>
+            <p:ph type="title"/>
+          </p:nvPr>
+        </p:nvSpPr>
+        <p:spPr/>
+        <p:txBody>
+          <a:bodyPr>
+            <a:normAutofit/>
+          </a:bodyPr>
+          <a:lstStyle/>
+          <a:p>
+            <a:r>
+              <a:rPr lang="en-US" b="0" i="0" dirty="0">
+                <a:solidFill>
+                  <a:srgbClr val="0F1111"/>
+                </a:solidFill>
+                <a:effectLst/>
+                <a:latin typeface="Amazon Ember"/>
+              </a:rPr>
+              <a:t>Time-of-Flight Distance Sensor</a:t>
+            </a:r>
+            <a:endParaRPr lang="en-US" dirty="0"/>
+          </a:p>
+        </p:txBody>
+      </p:sp>
+      <p:sp>
+        <p:nvSpPr>
+          <p:cNvPr id="3" name="Content Placeholder 2">
+            <a:extLst>
+              <a:ext uri="{FF2B5EF4-FFF2-40B4-BE49-F238E27FC236}">
+                <a16:creationId xmlns:a16="http://schemas.microsoft.com/office/drawing/2014/main" id="{EF6C47C6-CEC4-4E76-290E-9A6897B9F8CA}"/>
+              </a:ext>
+            </a:extLst>
+          </p:cNvPr>
+          <p:cNvSpPr>
+            <a:spLocks noGrp="1"/>
+          </p:cNvSpPr>
+          <p:nvPr>
+            <p:ph idx="1"/>
+          </p:nvPr>
+        </p:nvSpPr>
+        <p:spPr>
+          <a:xfrm>
+            <a:off x="5245563" y="1509898"/>
+            <a:ext cx="3356941" cy="3484709"/>
+          </a:xfrm>
+        </p:spPr>
+        <p:txBody>
+          <a:bodyPr>
+            <a:normAutofit fontScale="92500" lnSpcReduction="10000"/>
+          </a:bodyPr>
+          <a:lstStyle/>
+          <a:p>
+            <a:r>
+              <a:rPr lang="en-US" sz="2000" b="0" i="0" dirty="0">
+                <a:solidFill>
+                  <a:srgbClr val="0F1111"/>
+                </a:solidFill>
+                <a:effectLst/>
+                <a:latin typeface="Amazon Ember"/>
+              </a:rPr>
+              <a:t>The VL53L0X is a low-cost ($3.00) time-of-flight sensor sends out a light pulse and measures the time it takes to bounce back</a:t>
+            </a:r>
+          </a:p>
+          <a:p>
+            <a:r>
+              <a:rPr lang="en-US" sz="2000" b="0" i="0" dirty="0">
+                <a:solidFill>
+                  <a:srgbClr val="0F1111"/>
+                </a:solidFill>
+                <a:effectLst/>
+                <a:latin typeface="Amazon Ember"/>
+              </a:rPr>
+              <a:t>The sensor uses a IIC interface to send distance data to the microcontroller</a:t>
+            </a:r>
+          </a:p>
+          <a:p>
+            <a:r>
+              <a:rPr lang="en-US" sz="2000" dirty="0">
+                <a:solidFill>
+                  <a:srgbClr val="0F1111"/>
+                </a:solidFill>
+                <a:latin typeface="Amazon Ember"/>
+              </a:rPr>
+              <a:t>Light travels about 1 foot every nanosecond so the stopwatch in the sensor must be accurate to the 1/100th of a nanosecond!</a:t>
+            </a:r>
+            <a:endParaRPr lang="en-US" sz="2000" b="0" i="0" dirty="0">
+              <a:solidFill>
+                <a:srgbClr val="0F1111"/>
+              </a:solidFill>
+              <a:effectLst/>
+              <a:latin typeface="Amazon Ember"/>
+            </a:endParaRPr>
+          </a:p>
+          <a:p>
+            <a:endParaRPr lang="en-US" sz="2000" dirty="0"/>
+          </a:p>
+        </p:txBody>
+      </p:sp>
+      <p:pic>
+        <p:nvPicPr>
+          <p:cNvPr id="3074" name="Picture 2" descr="VL53L0X Time of Flight Sensor (2m Precision Distance Measurements ) –  Future Electronics Egypt">
+            <a:extLst>
+              <a:ext uri="{FF2B5EF4-FFF2-40B4-BE49-F238E27FC236}">
+                <a16:creationId xmlns:a16="http://schemas.microsoft.com/office/drawing/2014/main" id="{EFE1E03B-DC19-4014-FCB4-7BE519FECCFC}"/>
+              </a:ext>
+            </a:extLst>
+          </p:cNvPr>
+          <p:cNvPicPr>
+            <a:picLocks noChangeAspect="1" noChangeArrowheads="1"/>
+          </p:cNvPicPr>
+          <p:nvPr/>
+        </p:nvPicPr>
+        <p:blipFill rotWithShape="1">
+          <a:blip r:embed="rId2">
+            <a:extLst>
+              <a:ext uri="{28A0092B-C50C-407E-A947-70E740481C1C}">
+                <a14:useLocalDpi xmlns:a14="http://schemas.microsoft.com/office/drawing/2010/main" val="0"/>
+              </a:ext>
+            </a:extLst>
+          </a:blip>
+          <a:srcRect l="12174" t="20145" r="11014" b="8551"/>
+          <a:stretch/>
+        </p:blipFill>
+        <p:spPr bwMode="auto">
+          <a:xfrm>
+            <a:off x="891081" y="1320492"/>
+            <a:ext cx="1643397" cy="1525568"/>
+          </a:xfrm>
+          <a:prstGeom prst="rect">
+            <a:avLst/>
+          </a:prstGeom>
+          <a:noFill/>
+          <a:extLst>
+            <a:ext uri="{909E8E84-426E-40DD-AFC4-6F175D3DCCD1}">
+              <a14:hiddenFill xmlns:a14="http://schemas.microsoft.com/office/drawing/2010/main">
+                <a:solidFill>
+                  <a:srgbClr val="FFFFFF"/>
+                </a:solidFill>
+              </a14:hiddenFill>
+            </a:ext>
+          </a:extLst>
+        </p:spPr>
+      </p:pic>
+      <p:pic>
+        <p:nvPicPr>
+          <p:cNvPr id="4" name="Picture 3">
+            <a:extLst>
+              <a:ext uri="{FF2B5EF4-FFF2-40B4-BE49-F238E27FC236}">
+                <a16:creationId xmlns:a16="http://schemas.microsoft.com/office/drawing/2014/main" id="{5203C277-FA10-161B-24E1-2889B4AB21DA}"/>
+              </a:ext>
+            </a:extLst>
+          </p:cNvPr>
+          <p:cNvPicPr>
+            <a:picLocks noChangeAspect="1"/>
+          </p:cNvPicPr>
+          <p:nvPr/>
+        </p:nvPicPr>
+        <p:blipFill>
+          <a:blip r:embed="rId3"/>
+          <a:stretch>
+            <a:fillRect/>
+          </a:stretch>
+        </p:blipFill>
+        <p:spPr>
+          <a:xfrm>
+            <a:off x="3364948" y="1123122"/>
+            <a:ext cx="880099" cy="1915215"/>
+          </a:xfrm>
+          <a:prstGeom prst="rect">
+            <a:avLst/>
+          </a:prstGeom>
+        </p:spPr>
+      </p:pic>
+      <p:sp>
+        <p:nvSpPr>
+          <p:cNvPr id="5" name="TextBox 4">
+            <a:extLst>
+              <a:ext uri="{FF2B5EF4-FFF2-40B4-BE49-F238E27FC236}">
+                <a16:creationId xmlns:a16="http://schemas.microsoft.com/office/drawing/2014/main" id="{21ABF3B8-F84D-3E06-E9AD-E8AE16CED0AD}"/>
+              </a:ext>
+            </a:extLst>
+          </p:cNvPr>
+          <p:cNvSpPr txBox="1"/>
+          <p:nvPr/>
+        </p:nvSpPr>
+        <p:spPr>
+          <a:xfrm>
+            <a:off x="1192696" y="5784574"/>
+            <a:ext cx="2017925" cy="369332"/>
+          </a:xfrm>
+          <a:prstGeom prst="rect">
+            <a:avLst/>
+          </a:prstGeom>
+          <a:noFill/>
+        </p:spPr>
+        <p:txBody>
+          <a:bodyPr wrap="none" rtlCol="0">
+            <a:spAutoFit/>
+          </a:bodyPr>
+          <a:lstStyle/>
+          <a:p>
+            <a:r>
+              <a:rPr lang="en-US" dirty="0"/>
+              <a:t>Distance = C * Time</a:t>
+            </a:r>
+          </a:p>
+        </p:txBody>
+      </p:sp>
+      <p:cxnSp>
+        <p:nvCxnSpPr>
+          <p:cNvPr id="7" name="Straight Connector 6">
+            <a:extLst>
+              <a:ext uri="{FF2B5EF4-FFF2-40B4-BE49-F238E27FC236}">
+                <a16:creationId xmlns:a16="http://schemas.microsoft.com/office/drawing/2014/main" id="{2FBEA534-1E09-698D-8BBA-23EEC231572B}"/>
+              </a:ext>
+            </a:extLst>
+          </p:cNvPr>
+          <p:cNvCxnSpPr>
+            <a:cxnSpLocks/>
+          </p:cNvCxnSpPr>
+          <p:nvPr/>
+        </p:nvCxnSpPr>
+        <p:spPr>
+          <a:xfrm>
+            <a:off x="2253467" y="6176963"/>
+            <a:ext cx="957154" cy="0"/>
+          </a:xfrm>
+          <a:prstGeom prst="line">
+            <a:avLst/>
+          </a:prstGeom>
+          <a:ln w="19050">
+            <a:solidFill>
+              <a:schemeClr val="tx1"/>
+            </a:solidFill>
+          </a:ln>
+        </p:spPr>
+        <p:style>
+          <a:lnRef idx="1">
+            <a:schemeClr val="accent1"/>
+          </a:lnRef>
+          <a:fillRef idx="0">
+            <a:schemeClr val="accent1"/>
+          </a:fillRef>
+          <a:effectRef idx="0">
+            <a:schemeClr val="accent1"/>
+          </a:effectRef>
+          <a:fontRef idx="minor">
+            <a:schemeClr val="tx1"/>
+          </a:fontRef>
+        </p:style>
+      </p:cxnSp>
+      <p:sp>
+        <p:nvSpPr>
+          <p:cNvPr id="9" name="TextBox 8">
+            <a:extLst>
+              <a:ext uri="{FF2B5EF4-FFF2-40B4-BE49-F238E27FC236}">
+                <a16:creationId xmlns:a16="http://schemas.microsoft.com/office/drawing/2014/main" id="{A115E396-7361-410A-B338-1C0942DD4766}"/>
+              </a:ext>
+            </a:extLst>
+          </p:cNvPr>
+          <p:cNvSpPr txBox="1"/>
+          <p:nvPr/>
+        </p:nvSpPr>
+        <p:spPr>
+          <a:xfrm>
+            <a:off x="2534478" y="6176963"/>
+            <a:ext cx="301686" cy="369332"/>
+          </a:xfrm>
+          <a:prstGeom prst="rect">
+            <a:avLst/>
+          </a:prstGeom>
+          <a:noFill/>
+        </p:spPr>
+        <p:txBody>
+          <a:bodyPr wrap="none" rtlCol="0">
+            <a:spAutoFit/>
+          </a:bodyPr>
+          <a:lstStyle/>
+          <a:p>
+            <a:r>
+              <a:rPr lang="en-US" dirty="0"/>
+              <a:t>2</a:t>
+            </a:r>
+          </a:p>
+        </p:txBody>
+      </p:sp>
+      <p:sp>
+        <p:nvSpPr>
+          <p:cNvPr id="10" name="TextBox 9">
+            <a:extLst>
+              <a:ext uri="{FF2B5EF4-FFF2-40B4-BE49-F238E27FC236}">
+                <a16:creationId xmlns:a16="http://schemas.microsoft.com/office/drawing/2014/main" id="{1C0C6628-132C-61A2-6574-852DD7F34330}"/>
+              </a:ext>
+            </a:extLst>
+          </p:cNvPr>
+          <p:cNvSpPr txBox="1"/>
+          <p:nvPr/>
+        </p:nvSpPr>
+        <p:spPr>
+          <a:xfrm>
+            <a:off x="4000054" y="5969240"/>
+            <a:ext cx="3256020" cy="369332"/>
+          </a:xfrm>
+          <a:prstGeom prst="rect">
+            <a:avLst/>
+          </a:prstGeom>
+          <a:noFill/>
+        </p:spPr>
+        <p:txBody>
+          <a:bodyPr wrap="none" rtlCol="0">
+            <a:spAutoFit/>
+          </a:bodyPr>
+          <a:lstStyle/>
+          <a:p>
+            <a:r>
+              <a:rPr lang="en-US" b="0" i="0" dirty="0">
+                <a:solidFill>
+                  <a:srgbClr val="202122"/>
+                </a:solidFill>
+                <a:effectLst/>
+                <a:latin typeface="Arial" panose="020B0604020202020204" pitchFamily="34" charset="0"/>
+              </a:rPr>
+              <a:t>C = 186,000 miles per second</a:t>
+            </a:r>
+            <a:endParaRPr lang="en-US" dirty="0"/>
+          </a:p>
+        </p:txBody>
+      </p:sp>
+      <p:sp>
+        <p:nvSpPr>
+          <p:cNvPr id="11" name="Rectangle 10">
+            <a:extLst>
+              <a:ext uri="{FF2B5EF4-FFF2-40B4-BE49-F238E27FC236}">
+                <a16:creationId xmlns:a16="http://schemas.microsoft.com/office/drawing/2014/main" id="{11A21AE6-42F0-99F9-6017-9019E8A8B88F}"/>
+              </a:ext>
+            </a:extLst>
+          </p:cNvPr>
+          <p:cNvSpPr/>
+          <p:nvPr/>
+        </p:nvSpPr>
+        <p:spPr>
+          <a:xfrm>
+            <a:off x="559437" y="3617890"/>
+            <a:ext cx="1002299" cy="1440079"/>
+          </a:xfrm>
+          <a:prstGeom prst="rect">
+            <a:avLst/>
+          </a:prstGeom>
+          <a:solidFill>
+            <a:schemeClr val="bg1">
+              <a:lumMod val="95000"/>
+            </a:schemeClr>
+          </a:solidFill>
+          <a:ln>
+            <a:solidFill>
+              <a:schemeClr val="tx1"/>
+            </a:solidFill>
+          </a:ln>
+        </p:spPr>
+        <p:style>
+          <a:lnRef idx="2">
+            <a:schemeClr val="accent1">
+              <a:shade val="50000"/>
+            </a:schemeClr>
+          </a:lnRef>
+          <a:fillRef idx="1">
+            <a:schemeClr val="accent1"/>
+          </a:fillRef>
+          <a:effectRef idx="0">
+            <a:schemeClr val="accent1"/>
+          </a:effectRef>
+          <a:fontRef idx="minor">
+            <a:schemeClr val="lt1"/>
+          </a:fontRef>
+        </p:style>
+        <p:txBody>
+          <a:bodyPr rtlCol="0" anchor="t" anchorCtr="0"/>
+          <a:lstStyle/>
+          <a:p>
+            <a:pPr algn="ctr"/>
+            <a:r>
+              <a:rPr lang="en-US" dirty="0">
+                <a:solidFill>
+                  <a:schemeClr val="tx1"/>
+                </a:solidFill>
+              </a:rPr>
+              <a:t>Sensor</a:t>
+            </a:r>
+          </a:p>
+        </p:txBody>
+      </p:sp>
+      <p:sp>
+        <p:nvSpPr>
+          <p:cNvPr id="12" name="Donut 11">
+            <a:extLst>
+              <a:ext uri="{FF2B5EF4-FFF2-40B4-BE49-F238E27FC236}">
+                <a16:creationId xmlns:a16="http://schemas.microsoft.com/office/drawing/2014/main" id="{6136420A-2BB5-8142-82C8-853FAEE30FED}"/>
+              </a:ext>
+            </a:extLst>
+          </p:cNvPr>
+          <p:cNvSpPr/>
+          <p:nvPr/>
+        </p:nvSpPr>
+        <p:spPr>
+          <a:xfrm>
+            <a:off x="3443660" y="3576969"/>
+            <a:ext cx="1142718" cy="1104865"/>
+          </a:xfrm>
+          <a:prstGeom prst="donut">
+            <a:avLst>
+              <a:gd name="adj" fmla="val 9324"/>
+            </a:avLst>
+          </a:prstGeom>
+          <a:solidFill>
+            <a:srgbClr val="FF0000"/>
+          </a:solidFill>
+          <a:ln>
+            <a:noFill/>
+          </a:ln>
+        </p:spPr>
+        <p:style>
+          <a:lnRef idx="2">
+            <a:schemeClr val="accent1">
+              <a:shade val="50000"/>
+            </a:schemeClr>
+          </a:lnRef>
+          <a:fillRef idx="1">
+            <a:schemeClr val="accent1"/>
+          </a:fillRef>
+          <a:effectRef idx="0">
+            <a:schemeClr val="accent1"/>
+          </a:effectRef>
+          <a:fontRef idx="minor">
+            <a:schemeClr val="lt1"/>
+          </a:fontRef>
+        </p:style>
+        <p:txBody>
+          <a:bodyPr rtlCol="0" anchor="ctr"/>
+          <a:lstStyle/>
+          <a:p>
+            <a:pPr algn="ctr"/>
+            <a:endParaRPr lang="en-US">
+              <a:solidFill>
+                <a:schemeClr val="tx1"/>
+              </a:solidFill>
+            </a:endParaRPr>
+          </a:p>
+        </p:txBody>
+      </p:sp>
+      <p:sp>
+        <p:nvSpPr>
+          <p:cNvPr id="13" name="Donut 12">
+            <a:extLst>
+              <a:ext uri="{FF2B5EF4-FFF2-40B4-BE49-F238E27FC236}">
+                <a16:creationId xmlns:a16="http://schemas.microsoft.com/office/drawing/2014/main" id="{344529CB-3251-C463-5B9D-ACF2BBC9C035}"/>
+              </a:ext>
+            </a:extLst>
+          </p:cNvPr>
+          <p:cNvSpPr/>
+          <p:nvPr/>
+        </p:nvSpPr>
+        <p:spPr>
+          <a:xfrm>
+            <a:off x="3660371" y="3783878"/>
+            <a:ext cx="720840" cy="704154"/>
+          </a:xfrm>
+          <a:prstGeom prst="donut">
+            <a:avLst>
+              <a:gd name="adj" fmla="val 14162"/>
+            </a:avLst>
+          </a:prstGeom>
+          <a:solidFill>
+            <a:srgbClr val="FF0000"/>
+          </a:solidFill>
+          <a:ln>
+            <a:noFill/>
+          </a:ln>
+        </p:spPr>
+        <p:style>
+          <a:lnRef idx="2">
+            <a:schemeClr val="accent1">
+              <a:shade val="50000"/>
+            </a:schemeClr>
+          </a:lnRef>
+          <a:fillRef idx="1">
+            <a:schemeClr val="accent1"/>
+          </a:fillRef>
+          <a:effectRef idx="0">
+            <a:schemeClr val="accent1"/>
+          </a:effectRef>
+          <a:fontRef idx="minor">
+            <a:schemeClr val="lt1"/>
+          </a:fontRef>
+        </p:style>
+        <p:txBody>
+          <a:bodyPr rtlCol="0" anchor="ctr"/>
+          <a:lstStyle/>
+          <a:p>
+            <a:pPr algn="ctr"/>
+            <a:endParaRPr lang="en-US">
+              <a:solidFill>
+                <a:schemeClr val="tx1"/>
+              </a:solidFill>
+            </a:endParaRPr>
+          </a:p>
+        </p:txBody>
+      </p:sp>
+      <p:sp>
+        <p:nvSpPr>
+          <p:cNvPr id="14" name="Oval 13">
+            <a:extLst>
+              <a:ext uri="{FF2B5EF4-FFF2-40B4-BE49-F238E27FC236}">
+                <a16:creationId xmlns:a16="http://schemas.microsoft.com/office/drawing/2014/main" id="{F36E574A-3738-6B8F-EF56-DAB335998284}"/>
+              </a:ext>
+            </a:extLst>
+          </p:cNvPr>
+          <p:cNvSpPr/>
+          <p:nvPr/>
+        </p:nvSpPr>
+        <p:spPr>
+          <a:xfrm>
+            <a:off x="3929919" y="4047639"/>
+            <a:ext cx="170199" cy="163524"/>
+          </a:xfrm>
+          <a:prstGeom prst="ellipse">
+            <a:avLst/>
+          </a:prstGeom>
+          <a:solidFill>
+            <a:srgbClr val="FF0000"/>
+          </a:solidFill>
+          <a:ln>
+            <a:noFill/>
+          </a:ln>
+        </p:spPr>
+        <p:style>
+          <a:lnRef idx="2">
+            <a:schemeClr val="accent1">
+              <a:shade val="50000"/>
+            </a:schemeClr>
+          </a:lnRef>
+          <a:fillRef idx="1">
+            <a:schemeClr val="accent1"/>
+          </a:fillRef>
+          <a:effectRef idx="0">
+            <a:schemeClr val="accent1"/>
+          </a:effectRef>
+          <a:fontRef idx="minor">
+            <a:schemeClr val="lt1"/>
+          </a:fontRef>
+        </p:style>
+        <p:txBody>
+          <a:bodyPr rtlCol="0" anchor="ctr"/>
+          <a:lstStyle/>
+          <a:p>
+            <a:pPr algn="ctr"/>
+            <a:endParaRPr lang="en-US"/>
+          </a:p>
+        </p:txBody>
+      </p:sp>
+      <p:sp>
+        <p:nvSpPr>
+          <p:cNvPr id="16" name="TextBox 15">
+            <a:extLst>
+              <a:ext uri="{FF2B5EF4-FFF2-40B4-BE49-F238E27FC236}">
+                <a16:creationId xmlns:a16="http://schemas.microsoft.com/office/drawing/2014/main" id="{7C29B40A-FE67-9D4F-5250-4FF5E6F5C96C}"/>
+              </a:ext>
+            </a:extLst>
+          </p:cNvPr>
+          <p:cNvSpPr txBox="1"/>
+          <p:nvPr/>
+        </p:nvSpPr>
+        <p:spPr>
+          <a:xfrm>
+            <a:off x="3617706" y="4772322"/>
+            <a:ext cx="764697" cy="369332"/>
+          </a:xfrm>
+          <a:prstGeom prst="rect">
+            <a:avLst/>
+          </a:prstGeom>
+          <a:noFill/>
+        </p:spPr>
+        <p:txBody>
+          <a:bodyPr wrap="none" rtlCol="0">
+            <a:spAutoFit/>
+          </a:bodyPr>
+          <a:lstStyle/>
+          <a:p>
+            <a:r>
+              <a:rPr lang="en-US" dirty="0"/>
+              <a:t>Target</a:t>
+            </a:r>
+          </a:p>
+        </p:txBody>
+      </p:sp>
+      <p:sp>
+        <p:nvSpPr>
+          <p:cNvPr id="18" name="Oval 17">
+            <a:extLst>
+              <a:ext uri="{FF2B5EF4-FFF2-40B4-BE49-F238E27FC236}">
+                <a16:creationId xmlns:a16="http://schemas.microsoft.com/office/drawing/2014/main" id="{798F8170-B598-9CAD-5CEC-48EF50CF3646}"/>
+              </a:ext>
+            </a:extLst>
+          </p:cNvPr>
+          <p:cNvSpPr/>
+          <p:nvPr/>
+        </p:nvSpPr>
+        <p:spPr>
+          <a:xfrm>
+            <a:off x="773966" y="4211163"/>
+            <a:ext cx="573242" cy="564131"/>
+          </a:xfrm>
+          <a:prstGeom prst="ellipse">
+            <a:avLst/>
+          </a:prstGeom>
+          <a:solidFill>
+            <a:schemeClr val="bg1"/>
+          </a:solidFill>
+          <a:ln>
+            <a:solidFill>
+              <a:schemeClr val="tx1"/>
+            </a:solidFill>
+          </a:ln>
+        </p:spPr>
+        <p:style>
+          <a:lnRef idx="2">
+            <a:schemeClr val="accent1">
+              <a:shade val="50000"/>
+            </a:schemeClr>
+          </a:lnRef>
+          <a:fillRef idx="1">
+            <a:schemeClr val="accent1"/>
+          </a:fillRef>
+          <a:effectRef idx="0">
+            <a:schemeClr val="accent1"/>
+          </a:effectRef>
+          <a:fontRef idx="minor">
+            <a:schemeClr val="lt1"/>
+          </a:fontRef>
+        </p:style>
+        <p:txBody>
+          <a:bodyPr rtlCol="0" anchor="ctr"/>
+          <a:lstStyle/>
+          <a:p>
+            <a:pPr algn="ctr"/>
+            <a:endParaRPr lang="en-US"/>
+          </a:p>
+        </p:txBody>
+      </p:sp>
+      <p:sp>
+        <p:nvSpPr>
+          <p:cNvPr id="19" name="Rectangle 18">
+            <a:extLst>
+              <a:ext uri="{FF2B5EF4-FFF2-40B4-BE49-F238E27FC236}">
+                <a16:creationId xmlns:a16="http://schemas.microsoft.com/office/drawing/2014/main" id="{45B294A2-A132-759A-159C-E0AEE7D2A1CD}"/>
+              </a:ext>
+            </a:extLst>
+          </p:cNvPr>
+          <p:cNvSpPr/>
+          <p:nvPr/>
+        </p:nvSpPr>
+        <p:spPr>
+          <a:xfrm rot="16200000">
+            <a:off x="1302918" y="3876709"/>
+            <a:ext cx="673100" cy="155464"/>
+          </a:xfrm>
+          <a:prstGeom prst="rect">
+            <a:avLst/>
+          </a:prstGeom>
+          <a:solidFill>
+            <a:schemeClr val="bg1"/>
+          </a:solidFill>
+          <a:ln>
+            <a:solidFill>
+              <a:schemeClr val="tx1"/>
+            </a:solidFill>
+          </a:ln>
+        </p:spPr>
+        <p:style>
+          <a:lnRef idx="2">
+            <a:schemeClr val="accent1">
+              <a:shade val="50000"/>
+            </a:schemeClr>
+          </a:lnRef>
+          <a:fillRef idx="1">
+            <a:schemeClr val="accent1"/>
+          </a:fillRef>
+          <a:effectRef idx="0">
+            <a:schemeClr val="accent1"/>
+          </a:effectRef>
+          <a:fontRef idx="minor">
+            <a:schemeClr val="lt1"/>
+          </a:fontRef>
+        </p:style>
+        <p:txBody>
+          <a:bodyPr rtlCol="0" anchor="ctr"/>
+          <a:lstStyle/>
+          <a:p>
+            <a:pPr algn="ctr"/>
+            <a:r>
+              <a:rPr lang="en-US" sz="1200" dirty="0">
+                <a:solidFill>
+                  <a:schemeClr val="tx1"/>
+                </a:solidFill>
+              </a:rPr>
+              <a:t>Emitter</a:t>
+            </a:r>
+          </a:p>
+        </p:txBody>
+      </p:sp>
+      <p:sp>
+        <p:nvSpPr>
+          <p:cNvPr id="20" name="Rectangle 19">
+            <a:extLst>
+              <a:ext uri="{FF2B5EF4-FFF2-40B4-BE49-F238E27FC236}">
+                <a16:creationId xmlns:a16="http://schemas.microsoft.com/office/drawing/2014/main" id="{923D1BCF-5C0B-9856-F79C-95EF471B7FD5}"/>
+              </a:ext>
+            </a:extLst>
+          </p:cNvPr>
+          <p:cNvSpPr/>
+          <p:nvPr/>
+        </p:nvSpPr>
+        <p:spPr>
+          <a:xfrm rot="16200000">
+            <a:off x="1255813" y="4596583"/>
+            <a:ext cx="767310" cy="155464"/>
+          </a:xfrm>
+          <a:prstGeom prst="rect">
+            <a:avLst/>
+          </a:prstGeom>
+          <a:solidFill>
+            <a:schemeClr val="bg1"/>
+          </a:solidFill>
+          <a:ln>
+            <a:solidFill>
+              <a:schemeClr val="tx1"/>
+            </a:solidFill>
+          </a:ln>
+        </p:spPr>
+        <p:style>
+          <a:lnRef idx="2">
+            <a:schemeClr val="accent1">
+              <a:shade val="50000"/>
+            </a:schemeClr>
+          </a:lnRef>
+          <a:fillRef idx="1">
+            <a:schemeClr val="accent1"/>
+          </a:fillRef>
+          <a:effectRef idx="0">
+            <a:schemeClr val="accent1"/>
+          </a:effectRef>
+          <a:fontRef idx="minor">
+            <a:schemeClr val="lt1"/>
+          </a:fontRef>
+        </p:style>
+        <p:txBody>
+          <a:bodyPr rtlCol="0" anchor="ctr"/>
+          <a:lstStyle/>
+          <a:p>
+            <a:pPr algn="ctr"/>
+            <a:r>
+              <a:rPr lang="en-US" sz="1200" dirty="0">
+                <a:solidFill>
+                  <a:schemeClr val="tx1"/>
+                </a:solidFill>
+              </a:rPr>
+              <a:t>Receiver</a:t>
+            </a:r>
+          </a:p>
+        </p:txBody>
+      </p:sp>
+      <p:cxnSp>
+        <p:nvCxnSpPr>
+          <p:cNvPr id="22" name="Straight Arrow Connector 21">
+            <a:extLst>
+              <a:ext uri="{FF2B5EF4-FFF2-40B4-BE49-F238E27FC236}">
+                <a16:creationId xmlns:a16="http://schemas.microsoft.com/office/drawing/2014/main" id="{A6485807-4D34-25A8-CDF3-0442B6DF75B0}"/>
+              </a:ext>
+            </a:extLst>
+          </p:cNvPr>
+          <p:cNvCxnSpPr>
+            <a:endCxn id="18" idx="7"/>
+          </p:cNvCxnSpPr>
+          <p:nvPr/>
+        </p:nvCxnSpPr>
+        <p:spPr>
+          <a:xfrm flipV="1">
+            <a:off x="1035050" y="4293778"/>
+            <a:ext cx="228209" cy="194254"/>
+          </a:xfrm>
+          <a:prstGeom prst="straightConnector1">
+            <a:avLst/>
+          </a:prstGeom>
+          <a:ln w="38100">
+            <a:solidFill>
+              <a:schemeClr val="tx1"/>
+            </a:solidFill>
+            <a:tailEnd type="triangle"/>
+          </a:ln>
+        </p:spPr>
+        <p:style>
+          <a:lnRef idx="1">
+            <a:schemeClr val="accent1"/>
+          </a:lnRef>
+          <a:fillRef idx="0">
+            <a:schemeClr val="accent1"/>
+          </a:fillRef>
+          <a:effectRef idx="0">
+            <a:schemeClr val="accent1"/>
+          </a:effectRef>
+          <a:fontRef idx="minor">
+            <a:schemeClr val="tx1"/>
+          </a:fontRef>
+        </p:style>
+      </p:cxnSp>
+      <p:sp>
+        <p:nvSpPr>
+          <p:cNvPr id="23" name="TextBox 22">
+            <a:extLst>
+              <a:ext uri="{FF2B5EF4-FFF2-40B4-BE49-F238E27FC236}">
+                <a16:creationId xmlns:a16="http://schemas.microsoft.com/office/drawing/2014/main" id="{84DF6317-51C3-DF1E-C29C-05AB2CD8D60D}"/>
+              </a:ext>
+            </a:extLst>
+          </p:cNvPr>
+          <p:cNvSpPr txBox="1"/>
+          <p:nvPr/>
+        </p:nvSpPr>
+        <p:spPr>
+          <a:xfrm>
+            <a:off x="652959" y="4717608"/>
+            <a:ext cx="842667" cy="276999"/>
+          </a:xfrm>
+          <a:prstGeom prst="rect">
+            <a:avLst/>
+          </a:prstGeom>
+          <a:noFill/>
+        </p:spPr>
+        <p:txBody>
+          <a:bodyPr wrap="none" rtlCol="0">
+            <a:spAutoFit/>
+          </a:bodyPr>
+          <a:lstStyle/>
+          <a:p>
+            <a:r>
+              <a:rPr lang="en-US" sz="1200" dirty="0"/>
+              <a:t>Stopwatch</a:t>
+            </a:r>
+          </a:p>
+        </p:txBody>
+      </p:sp>
+      <p:grpSp>
+        <p:nvGrpSpPr>
+          <p:cNvPr id="35" name="Group 34">
+            <a:extLst>
+              <a:ext uri="{FF2B5EF4-FFF2-40B4-BE49-F238E27FC236}">
+                <a16:creationId xmlns:a16="http://schemas.microsoft.com/office/drawing/2014/main" id="{EC07355F-379E-02B6-39B5-7D3935CE3DE0}"/>
+              </a:ext>
+            </a:extLst>
+          </p:cNvPr>
+          <p:cNvGrpSpPr/>
+          <p:nvPr/>
+        </p:nvGrpSpPr>
+        <p:grpSpPr>
+          <a:xfrm>
+            <a:off x="2268738" y="3799311"/>
+            <a:ext cx="873303" cy="194577"/>
+            <a:chOff x="2268738" y="3799311"/>
+            <a:chExt cx="873303" cy="194577"/>
+          </a:xfrm>
+        </p:grpSpPr>
+        <p:sp>
+          <p:nvSpPr>
+            <p:cNvPr id="24" name="Oval 23">
+              <a:extLst>
+                <a:ext uri="{FF2B5EF4-FFF2-40B4-BE49-F238E27FC236}">
+                  <a16:creationId xmlns:a16="http://schemas.microsoft.com/office/drawing/2014/main" id="{6E48B0D3-3398-C187-47A6-D4E1ED382E7B}"/>
+                </a:ext>
+              </a:extLst>
+            </p:cNvPr>
+            <p:cNvSpPr/>
+            <p:nvPr/>
+          </p:nvSpPr>
+          <p:spPr>
+            <a:xfrm>
+              <a:off x="2957713" y="3799311"/>
+              <a:ext cx="184328" cy="194577"/>
+            </a:xfrm>
+            <a:prstGeom prst="ellipse">
+              <a:avLst/>
+            </a:prstGeom>
+            <a:solidFill>
+              <a:srgbClr val="FFFF00"/>
+            </a:solidFill>
+            <a:ln>
+              <a:solidFill>
+                <a:schemeClr val="tx1"/>
+              </a:solidFill>
+            </a:ln>
+          </p:spPr>
+          <p:style>
+            <a:lnRef idx="2">
+              <a:schemeClr val="accent1">
+                <a:shade val="50000"/>
+              </a:schemeClr>
+            </a:lnRef>
+            <a:fillRef idx="1">
+              <a:schemeClr val="accent1"/>
+            </a:fillRef>
+            <a:effectRef idx="0">
+              <a:schemeClr val="accent1"/>
+            </a:effectRef>
+            <a:fontRef idx="minor">
+              <a:schemeClr val="lt1"/>
+            </a:fontRef>
+          </p:style>
+          <p:txBody>
+            <a:bodyPr rtlCol="0" anchor="ctr"/>
+            <a:lstStyle/>
+            <a:p>
+              <a:pPr algn="ctr"/>
+              <a:endParaRPr lang="en-US"/>
+            </a:p>
+          </p:txBody>
+        </p:sp>
+        <p:sp>
+          <p:nvSpPr>
+            <p:cNvPr id="27" name="Freeform 26">
+              <a:extLst>
+                <a:ext uri="{FF2B5EF4-FFF2-40B4-BE49-F238E27FC236}">
+                  <a16:creationId xmlns:a16="http://schemas.microsoft.com/office/drawing/2014/main" id="{CA5677B1-EADF-AE1D-6A1B-2773C0B5E21F}"/>
+                </a:ext>
+              </a:extLst>
+            </p:cNvPr>
+            <p:cNvSpPr/>
+            <p:nvPr/>
+          </p:nvSpPr>
+          <p:spPr>
+            <a:xfrm>
+              <a:off x="2268738" y="3828463"/>
+              <a:ext cx="688975" cy="165425"/>
+            </a:xfrm>
+            <a:custGeom>
+              <a:avLst/>
+              <a:gdLst>
+                <a:gd name="connsiteX0" fmla="*/ 0 w 698500"/>
+                <a:gd name="connsiteY0" fmla="*/ 82713 h 152603"/>
+                <a:gd name="connsiteX1" fmla="*/ 114300 w 698500"/>
+                <a:gd name="connsiteY1" fmla="*/ 12863 h 152603"/>
+                <a:gd name="connsiteX2" fmla="*/ 203200 w 698500"/>
+                <a:gd name="connsiteY2" fmla="*/ 92238 h 152603"/>
+                <a:gd name="connsiteX3" fmla="*/ 292100 w 698500"/>
+                <a:gd name="connsiteY3" fmla="*/ 136688 h 152603"/>
+                <a:gd name="connsiteX4" fmla="*/ 387350 w 698500"/>
+                <a:gd name="connsiteY4" fmla="*/ 63663 h 152603"/>
+                <a:gd name="connsiteX5" fmla="*/ 460375 w 698500"/>
+                <a:gd name="connsiteY5" fmla="*/ 163 h 152603"/>
+                <a:gd name="connsiteX6" fmla="*/ 555625 w 698500"/>
+                <a:gd name="connsiteY6" fmla="*/ 82713 h 152603"/>
+                <a:gd name="connsiteX7" fmla="*/ 603250 w 698500"/>
+                <a:gd name="connsiteY7" fmla="*/ 152563 h 152603"/>
+                <a:gd name="connsiteX8" fmla="*/ 698500 w 698500"/>
+                <a:gd name="connsiteY8" fmla="*/ 73188 h 152603"/>
+                <a:gd name="connsiteX0" fmla="*/ 0 w 698500"/>
+                <a:gd name="connsiteY0" fmla="*/ 82767 h 152659"/>
+                <a:gd name="connsiteX1" fmla="*/ 114300 w 698500"/>
+                <a:gd name="connsiteY1" fmla="*/ 12917 h 152659"/>
+                <a:gd name="connsiteX2" fmla="*/ 203200 w 698500"/>
+                <a:gd name="connsiteY2" fmla="*/ 92292 h 152659"/>
+                <a:gd name="connsiteX3" fmla="*/ 292100 w 698500"/>
+                <a:gd name="connsiteY3" fmla="*/ 136742 h 152659"/>
+                <a:gd name="connsiteX4" fmla="*/ 387350 w 698500"/>
+                <a:gd name="connsiteY4" fmla="*/ 63717 h 152659"/>
+                <a:gd name="connsiteX5" fmla="*/ 460375 w 698500"/>
+                <a:gd name="connsiteY5" fmla="*/ 217 h 152659"/>
+                <a:gd name="connsiteX6" fmla="*/ 539750 w 698500"/>
+                <a:gd name="connsiteY6" fmla="*/ 85942 h 152659"/>
+                <a:gd name="connsiteX7" fmla="*/ 603250 w 698500"/>
+                <a:gd name="connsiteY7" fmla="*/ 152617 h 152659"/>
+                <a:gd name="connsiteX8" fmla="*/ 698500 w 698500"/>
+                <a:gd name="connsiteY8" fmla="*/ 73242 h 152659"/>
+                <a:gd name="connsiteX0" fmla="*/ 0 w 698500"/>
+                <a:gd name="connsiteY0" fmla="*/ 82767 h 152659"/>
+                <a:gd name="connsiteX1" fmla="*/ 114300 w 698500"/>
+                <a:gd name="connsiteY1" fmla="*/ 12917 h 152659"/>
+                <a:gd name="connsiteX2" fmla="*/ 203200 w 698500"/>
+                <a:gd name="connsiteY2" fmla="*/ 92292 h 152659"/>
+                <a:gd name="connsiteX3" fmla="*/ 292100 w 698500"/>
+                <a:gd name="connsiteY3" fmla="*/ 136742 h 152659"/>
+                <a:gd name="connsiteX4" fmla="*/ 387350 w 698500"/>
+                <a:gd name="connsiteY4" fmla="*/ 63717 h 152659"/>
+                <a:gd name="connsiteX5" fmla="*/ 460375 w 698500"/>
+                <a:gd name="connsiteY5" fmla="*/ 217 h 152659"/>
+                <a:gd name="connsiteX6" fmla="*/ 539750 w 698500"/>
+                <a:gd name="connsiteY6" fmla="*/ 85942 h 152659"/>
+                <a:gd name="connsiteX7" fmla="*/ 612775 w 698500"/>
+                <a:gd name="connsiteY7" fmla="*/ 152617 h 152659"/>
+                <a:gd name="connsiteX8" fmla="*/ 698500 w 698500"/>
+                <a:gd name="connsiteY8" fmla="*/ 73242 h 152659"/>
+                <a:gd name="connsiteX0" fmla="*/ 0 w 688975"/>
+                <a:gd name="connsiteY0" fmla="*/ 98642 h 152659"/>
+                <a:gd name="connsiteX1" fmla="*/ 104775 w 688975"/>
+                <a:gd name="connsiteY1" fmla="*/ 12917 h 152659"/>
+                <a:gd name="connsiteX2" fmla="*/ 193675 w 688975"/>
+                <a:gd name="connsiteY2" fmla="*/ 92292 h 152659"/>
+                <a:gd name="connsiteX3" fmla="*/ 282575 w 688975"/>
+                <a:gd name="connsiteY3" fmla="*/ 136742 h 152659"/>
+                <a:gd name="connsiteX4" fmla="*/ 377825 w 688975"/>
+                <a:gd name="connsiteY4" fmla="*/ 63717 h 152659"/>
+                <a:gd name="connsiteX5" fmla="*/ 450850 w 688975"/>
+                <a:gd name="connsiteY5" fmla="*/ 217 h 152659"/>
+                <a:gd name="connsiteX6" fmla="*/ 530225 w 688975"/>
+                <a:gd name="connsiteY6" fmla="*/ 85942 h 152659"/>
+                <a:gd name="connsiteX7" fmla="*/ 603250 w 688975"/>
+                <a:gd name="connsiteY7" fmla="*/ 152617 h 152659"/>
+                <a:gd name="connsiteX8" fmla="*/ 688975 w 688975"/>
+                <a:gd name="connsiteY8" fmla="*/ 73242 h 152659"/>
+                <a:gd name="connsiteX0" fmla="*/ 0 w 688975"/>
+                <a:gd name="connsiteY0" fmla="*/ 98666 h 165644"/>
+                <a:gd name="connsiteX1" fmla="*/ 104775 w 688975"/>
+                <a:gd name="connsiteY1" fmla="*/ 12941 h 165644"/>
+                <a:gd name="connsiteX2" fmla="*/ 193675 w 688975"/>
+                <a:gd name="connsiteY2" fmla="*/ 92316 h 165644"/>
+                <a:gd name="connsiteX3" fmla="*/ 285750 w 688975"/>
+                <a:gd name="connsiteY3" fmla="*/ 165341 h 165644"/>
+                <a:gd name="connsiteX4" fmla="*/ 377825 w 688975"/>
+                <a:gd name="connsiteY4" fmla="*/ 63741 h 165644"/>
+                <a:gd name="connsiteX5" fmla="*/ 450850 w 688975"/>
+                <a:gd name="connsiteY5" fmla="*/ 241 h 165644"/>
+                <a:gd name="connsiteX6" fmla="*/ 530225 w 688975"/>
+                <a:gd name="connsiteY6" fmla="*/ 85966 h 165644"/>
+                <a:gd name="connsiteX7" fmla="*/ 603250 w 688975"/>
+                <a:gd name="connsiteY7" fmla="*/ 152641 h 165644"/>
+                <a:gd name="connsiteX8" fmla="*/ 688975 w 688975"/>
+                <a:gd name="connsiteY8" fmla="*/ 73266 h 165644"/>
+                <a:gd name="connsiteX0" fmla="*/ 0 w 688975"/>
+                <a:gd name="connsiteY0" fmla="*/ 98666 h 165653"/>
+                <a:gd name="connsiteX1" fmla="*/ 104775 w 688975"/>
+                <a:gd name="connsiteY1" fmla="*/ 3416 h 165653"/>
+                <a:gd name="connsiteX2" fmla="*/ 193675 w 688975"/>
+                <a:gd name="connsiteY2" fmla="*/ 92316 h 165653"/>
+                <a:gd name="connsiteX3" fmla="*/ 285750 w 688975"/>
+                <a:gd name="connsiteY3" fmla="*/ 165341 h 165653"/>
+                <a:gd name="connsiteX4" fmla="*/ 377825 w 688975"/>
+                <a:gd name="connsiteY4" fmla="*/ 63741 h 165653"/>
+                <a:gd name="connsiteX5" fmla="*/ 450850 w 688975"/>
+                <a:gd name="connsiteY5" fmla="*/ 241 h 165653"/>
+                <a:gd name="connsiteX6" fmla="*/ 530225 w 688975"/>
+                <a:gd name="connsiteY6" fmla="*/ 85966 h 165653"/>
+                <a:gd name="connsiteX7" fmla="*/ 603250 w 688975"/>
+                <a:gd name="connsiteY7" fmla="*/ 152641 h 165653"/>
+                <a:gd name="connsiteX8" fmla="*/ 688975 w 688975"/>
+                <a:gd name="connsiteY8" fmla="*/ 73266 h 165653"/>
+                <a:gd name="connsiteX0" fmla="*/ 0 w 688975"/>
+                <a:gd name="connsiteY0" fmla="*/ 98666 h 165653"/>
+                <a:gd name="connsiteX1" fmla="*/ 104775 w 688975"/>
+                <a:gd name="connsiteY1" fmla="*/ 3416 h 165653"/>
+                <a:gd name="connsiteX2" fmla="*/ 193675 w 688975"/>
+                <a:gd name="connsiteY2" fmla="*/ 92316 h 165653"/>
+                <a:gd name="connsiteX3" fmla="*/ 285750 w 688975"/>
+                <a:gd name="connsiteY3" fmla="*/ 165341 h 165653"/>
+                <a:gd name="connsiteX4" fmla="*/ 377825 w 688975"/>
+                <a:gd name="connsiteY4" fmla="*/ 63741 h 165653"/>
+                <a:gd name="connsiteX5" fmla="*/ 450850 w 688975"/>
+                <a:gd name="connsiteY5" fmla="*/ 241 h 165653"/>
+                <a:gd name="connsiteX6" fmla="*/ 530225 w 688975"/>
+                <a:gd name="connsiteY6" fmla="*/ 85966 h 165653"/>
+                <a:gd name="connsiteX7" fmla="*/ 603250 w 688975"/>
+                <a:gd name="connsiteY7" fmla="*/ 152641 h 165653"/>
+                <a:gd name="connsiteX8" fmla="*/ 688975 w 688975"/>
+                <a:gd name="connsiteY8" fmla="*/ 73266 h 165653"/>
+                <a:gd name="connsiteX0" fmla="*/ 0 w 688975"/>
+                <a:gd name="connsiteY0" fmla="*/ 98666 h 165379"/>
+                <a:gd name="connsiteX1" fmla="*/ 104775 w 688975"/>
+                <a:gd name="connsiteY1" fmla="*/ 3416 h 165379"/>
+                <a:gd name="connsiteX2" fmla="*/ 193675 w 688975"/>
+                <a:gd name="connsiteY2" fmla="*/ 92316 h 165379"/>
+                <a:gd name="connsiteX3" fmla="*/ 285750 w 688975"/>
+                <a:gd name="connsiteY3" fmla="*/ 165341 h 165379"/>
+                <a:gd name="connsiteX4" fmla="*/ 377825 w 688975"/>
+                <a:gd name="connsiteY4" fmla="*/ 63741 h 165379"/>
+                <a:gd name="connsiteX5" fmla="*/ 450850 w 688975"/>
+                <a:gd name="connsiteY5" fmla="*/ 241 h 165379"/>
+                <a:gd name="connsiteX6" fmla="*/ 530225 w 688975"/>
+                <a:gd name="connsiteY6" fmla="*/ 85966 h 165379"/>
+                <a:gd name="connsiteX7" fmla="*/ 603250 w 688975"/>
+                <a:gd name="connsiteY7" fmla="*/ 152641 h 165379"/>
+                <a:gd name="connsiteX8" fmla="*/ 688975 w 688975"/>
+                <a:gd name="connsiteY8" fmla="*/ 73266 h 165379"/>
+                <a:gd name="connsiteX0" fmla="*/ 0 w 688975"/>
+                <a:gd name="connsiteY0" fmla="*/ 98431 h 165144"/>
+                <a:gd name="connsiteX1" fmla="*/ 104775 w 688975"/>
+                <a:gd name="connsiteY1" fmla="*/ 3181 h 165144"/>
+                <a:gd name="connsiteX2" fmla="*/ 193675 w 688975"/>
+                <a:gd name="connsiteY2" fmla="*/ 92081 h 165144"/>
+                <a:gd name="connsiteX3" fmla="*/ 285750 w 688975"/>
+                <a:gd name="connsiteY3" fmla="*/ 165106 h 165144"/>
+                <a:gd name="connsiteX4" fmla="*/ 377825 w 688975"/>
+                <a:gd name="connsiteY4" fmla="*/ 63506 h 165144"/>
+                <a:gd name="connsiteX5" fmla="*/ 450850 w 688975"/>
+                <a:gd name="connsiteY5" fmla="*/ 6 h 165144"/>
+                <a:gd name="connsiteX6" fmla="*/ 530225 w 688975"/>
+                <a:gd name="connsiteY6" fmla="*/ 85731 h 165144"/>
+                <a:gd name="connsiteX7" fmla="*/ 603250 w 688975"/>
+                <a:gd name="connsiteY7" fmla="*/ 152406 h 165144"/>
+                <a:gd name="connsiteX8" fmla="*/ 688975 w 688975"/>
+                <a:gd name="connsiteY8" fmla="*/ 73031 h 165144"/>
+                <a:gd name="connsiteX0" fmla="*/ 0 w 688975"/>
+                <a:gd name="connsiteY0" fmla="*/ 98431 h 165144"/>
+                <a:gd name="connsiteX1" fmla="*/ 104775 w 688975"/>
+                <a:gd name="connsiteY1" fmla="*/ 3181 h 165144"/>
+                <a:gd name="connsiteX2" fmla="*/ 193675 w 688975"/>
+                <a:gd name="connsiteY2" fmla="*/ 92081 h 165144"/>
+                <a:gd name="connsiteX3" fmla="*/ 285750 w 688975"/>
+                <a:gd name="connsiteY3" fmla="*/ 165106 h 165144"/>
+                <a:gd name="connsiteX4" fmla="*/ 377825 w 688975"/>
+                <a:gd name="connsiteY4" fmla="*/ 63506 h 165144"/>
+                <a:gd name="connsiteX5" fmla="*/ 450850 w 688975"/>
+                <a:gd name="connsiteY5" fmla="*/ 6 h 165144"/>
+                <a:gd name="connsiteX6" fmla="*/ 530225 w 688975"/>
+                <a:gd name="connsiteY6" fmla="*/ 85731 h 165144"/>
+                <a:gd name="connsiteX7" fmla="*/ 603250 w 688975"/>
+                <a:gd name="connsiteY7" fmla="*/ 152406 h 165144"/>
+                <a:gd name="connsiteX8" fmla="*/ 688975 w 688975"/>
+                <a:gd name="connsiteY8" fmla="*/ 73031 h 165144"/>
+                <a:gd name="connsiteX0" fmla="*/ 0 w 688975"/>
+                <a:gd name="connsiteY0" fmla="*/ 98440 h 165182"/>
+                <a:gd name="connsiteX1" fmla="*/ 104775 w 688975"/>
+                <a:gd name="connsiteY1" fmla="*/ 3190 h 165182"/>
+                <a:gd name="connsiteX2" fmla="*/ 193675 w 688975"/>
+                <a:gd name="connsiteY2" fmla="*/ 92090 h 165182"/>
+                <a:gd name="connsiteX3" fmla="*/ 285750 w 688975"/>
+                <a:gd name="connsiteY3" fmla="*/ 165115 h 165182"/>
+                <a:gd name="connsiteX4" fmla="*/ 374650 w 688975"/>
+                <a:gd name="connsiteY4" fmla="*/ 79390 h 165182"/>
+                <a:gd name="connsiteX5" fmla="*/ 450850 w 688975"/>
+                <a:gd name="connsiteY5" fmla="*/ 15 h 165182"/>
+                <a:gd name="connsiteX6" fmla="*/ 530225 w 688975"/>
+                <a:gd name="connsiteY6" fmla="*/ 85740 h 165182"/>
+                <a:gd name="connsiteX7" fmla="*/ 603250 w 688975"/>
+                <a:gd name="connsiteY7" fmla="*/ 152415 h 165182"/>
+                <a:gd name="connsiteX8" fmla="*/ 688975 w 688975"/>
+                <a:gd name="connsiteY8" fmla="*/ 73040 h 165182"/>
+                <a:gd name="connsiteX0" fmla="*/ 0 w 688975"/>
+                <a:gd name="connsiteY0" fmla="*/ 98442 h 165184"/>
+                <a:gd name="connsiteX1" fmla="*/ 104775 w 688975"/>
+                <a:gd name="connsiteY1" fmla="*/ 3192 h 165184"/>
+                <a:gd name="connsiteX2" fmla="*/ 193675 w 688975"/>
+                <a:gd name="connsiteY2" fmla="*/ 92092 h 165184"/>
+                <a:gd name="connsiteX3" fmla="*/ 285750 w 688975"/>
+                <a:gd name="connsiteY3" fmla="*/ 165117 h 165184"/>
+                <a:gd name="connsiteX4" fmla="*/ 374650 w 688975"/>
+                <a:gd name="connsiteY4" fmla="*/ 79392 h 165184"/>
+                <a:gd name="connsiteX5" fmla="*/ 450850 w 688975"/>
+                <a:gd name="connsiteY5" fmla="*/ 17 h 165184"/>
+                <a:gd name="connsiteX6" fmla="*/ 530225 w 688975"/>
+                <a:gd name="connsiteY6" fmla="*/ 85742 h 165184"/>
+                <a:gd name="connsiteX7" fmla="*/ 603250 w 688975"/>
+                <a:gd name="connsiteY7" fmla="*/ 152417 h 165184"/>
+                <a:gd name="connsiteX8" fmla="*/ 688975 w 688975"/>
+                <a:gd name="connsiteY8" fmla="*/ 73042 h 165184"/>
+                <a:gd name="connsiteX0" fmla="*/ 0 w 688975"/>
+                <a:gd name="connsiteY0" fmla="*/ 98442 h 165184"/>
+                <a:gd name="connsiteX1" fmla="*/ 104775 w 688975"/>
+                <a:gd name="connsiteY1" fmla="*/ 3192 h 165184"/>
+                <a:gd name="connsiteX2" fmla="*/ 193675 w 688975"/>
+                <a:gd name="connsiteY2" fmla="*/ 92092 h 165184"/>
+                <a:gd name="connsiteX3" fmla="*/ 285750 w 688975"/>
+                <a:gd name="connsiteY3" fmla="*/ 165117 h 165184"/>
+                <a:gd name="connsiteX4" fmla="*/ 374650 w 688975"/>
+                <a:gd name="connsiteY4" fmla="*/ 79392 h 165184"/>
+                <a:gd name="connsiteX5" fmla="*/ 450850 w 688975"/>
+                <a:gd name="connsiteY5" fmla="*/ 17 h 165184"/>
+                <a:gd name="connsiteX6" fmla="*/ 530225 w 688975"/>
+                <a:gd name="connsiteY6" fmla="*/ 85742 h 165184"/>
+                <a:gd name="connsiteX7" fmla="*/ 603250 w 688975"/>
+                <a:gd name="connsiteY7" fmla="*/ 152417 h 165184"/>
+                <a:gd name="connsiteX8" fmla="*/ 688975 w 688975"/>
+                <a:gd name="connsiteY8" fmla="*/ 73042 h 165184"/>
+                <a:gd name="connsiteX0" fmla="*/ 0 w 688975"/>
+                <a:gd name="connsiteY0" fmla="*/ 98442 h 165189"/>
+                <a:gd name="connsiteX1" fmla="*/ 104775 w 688975"/>
+                <a:gd name="connsiteY1" fmla="*/ 3192 h 165189"/>
+                <a:gd name="connsiteX2" fmla="*/ 193675 w 688975"/>
+                <a:gd name="connsiteY2" fmla="*/ 92092 h 165189"/>
+                <a:gd name="connsiteX3" fmla="*/ 285750 w 688975"/>
+                <a:gd name="connsiteY3" fmla="*/ 165117 h 165189"/>
+                <a:gd name="connsiteX4" fmla="*/ 374650 w 688975"/>
+                <a:gd name="connsiteY4" fmla="*/ 79392 h 165189"/>
+                <a:gd name="connsiteX5" fmla="*/ 450850 w 688975"/>
+                <a:gd name="connsiteY5" fmla="*/ 17 h 165189"/>
+                <a:gd name="connsiteX6" fmla="*/ 530225 w 688975"/>
+                <a:gd name="connsiteY6" fmla="*/ 85742 h 165189"/>
+                <a:gd name="connsiteX7" fmla="*/ 603250 w 688975"/>
+                <a:gd name="connsiteY7" fmla="*/ 152417 h 165189"/>
+                <a:gd name="connsiteX8" fmla="*/ 688975 w 688975"/>
+                <a:gd name="connsiteY8" fmla="*/ 73042 h 165189"/>
+                <a:gd name="connsiteX0" fmla="*/ 0 w 688975"/>
+                <a:gd name="connsiteY0" fmla="*/ 98678 h 165425"/>
+                <a:gd name="connsiteX1" fmla="*/ 104775 w 688975"/>
+                <a:gd name="connsiteY1" fmla="*/ 3428 h 165425"/>
+                <a:gd name="connsiteX2" fmla="*/ 193675 w 688975"/>
+                <a:gd name="connsiteY2" fmla="*/ 92328 h 165425"/>
+                <a:gd name="connsiteX3" fmla="*/ 285750 w 688975"/>
+                <a:gd name="connsiteY3" fmla="*/ 165353 h 165425"/>
+                <a:gd name="connsiteX4" fmla="*/ 374650 w 688975"/>
+                <a:gd name="connsiteY4" fmla="*/ 79628 h 165425"/>
+                <a:gd name="connsiteX5" fmla="*/ 450850 w 688975"/>
+                <a:gd name="connsiteY5" fmla="*/ 253 h 165425"/>
+                <a:gd name="connsiteX6" fmla="*/ 530225 w 688975"/>
+                <a:gd name="connsiteY6" fmla="*/ 85978 h 165425"/>
+                <a:gd name="connsiteX7" fmla="*/ 603250 w 688975"/>
+                <a:gd name="connsiteY7" fmla="*/ 152653 h 165425"/>
+                <a:gd name="connsiteX8" fmla="*/ 688975 w 688975"/>
+                <a:gd name="connsiteY8" fmla="*/ 73278 h 165425"/>
+              </a:gdLst>
+              <a:ahLst/>
+              <a:cxnLst>
+                <a:cxn ang="0">
+                  <a:pos x="connsiteX0" y="connsiteY0"/>
+                </a:cxn>
+                <a:cxn ang="0">
+                  <a:pos x="connsiteX1" y="connsiteY1"/>
+                </a:cxn>
+                <a:cxn ang="0">
+                  <a:pos x="connsiteX2" y="connsiteY2"/>
+                </a:cxn>
+                <a:cxn ang="0">
+                  <a:pos x="connsiteX3" y="connsiteY3"/>
+                </a:cxn>
+                <a:cxn ang="0">
+                  <a:pos x="connsiteX4" y="connsiteY4"/>
+                </a:cxn>
+                <a:cxn ang="0">
+                  <a:pos x="connsiteX5" y="connsiteY5"/>
+                </a:cxn>
+                <a:cxn ang="0">
+                  <a:pos x="connsiteX6" y="connsiteY6"/>
+                </a:cxn>
+                <a:cxn ang="0">
+                  <a:pos x="connsiteX7" y="connsiteY7"/>
+                </a:cxn>
+                <a:cxn ang="0">
+                  <a:pos x="connsiteX8" y="connsiteY8"/>
+                </a:cxn>
+              </a:cxnLst>
+              <a:rect l="l" t="t" r="r" b="b"/>
+              <a:pathLst>
+                <a:path w="688975" h="165425">
+                  <a:moveTo>
+                    <a:pt x="0" y="98678"/>
+                  </a:moveTo>
+                  <a:cubicBezTo>
+                    <a:pt x="40216" y="62959"/>
+                    <a:pt x="34396" y="1311"/>
+                    <a:pt x="104775" y="3428"/>
+                  </a:cubicBezTo>
+                  <a:cubicBezTo>
+                    <a:pt x="175154" y="5545"/>
+                    <a:pt x="188913" y="62166"/>
+                    <a:pt x="193675" y="92328"/>
+                  </a:cubicBezTo>
+                  <a:cubicBezTo>
+                    <a:pt x="198437" y="122490"/>
+                    <a:pt x="255588" y="167470"/>
+                    <a:pt x="285750" y="165353"/>
+                  </a:cubicBezTo>
+                  <a:cubicBezTo>
+                    <a:pt x="315912" y="163236"/>
+                    <a:pt x="366183" y="113495"/>
+                    <a:pt x="374650" y="79628"/>
+                  </a:cubicBezTo>
+                  <a:cubicBezTo>
+                    <a:pt x="383117" y="45761"/>
+                    <a:pt x="402696" y="-3980"/>
+                    <a:pt x="450850" y="253"/>
+                  </a:cubicBezTo>
+                  <a:cubicBezTo>
+                    <a:pt x="499004" y="4486"/>
+                    <a:pt x="527050" y="60578"/>
+                    <a:pt x="530225" y="85978"/>
+                  </a:cubicBezTo>
+                  <a:cubicBezTo>
+                    <a:pt x="533400" y="111378"/>
+                    <a:pt x="579437" y="154241"/>
+                    <a:pt x="603250" y="152653"/>
+                  </a:cubicBezTo>
+                  <a:cubicBezTo>
+                    <a:pt x="649288" y="151065"/>
+                    <a:pt x="665163" y="82274"/>
+                    <a:pt x="688975" y="73278"/>
+                  </a:cubicBezTo>
+                </a:path>
+              </a:pathLst>
+            </a:custGeom>
+            <a:noFill/>
+          </p:spPr>
+          <p:style>
+            <a:lnRef idx="2">
+              <a:schemeClr val="accent1">
+                <a:shade val="50000"/>
+              </a:schemeClr>
+            </a:lnRef>
+            <a:fillRef idx="1">
+              <a:schemeClr val="accent1"/>
+            </a:fillRef>
+            <a:effectRef idx="0">
+              <a:schemeClr val="accent1"/>
+            </a:effectRef>
+            <a:fontRef idx="minor">
+              <a:schemeClr val="lt1"/>
+            </a:fontRef>
+          </p:style>
+          <p:txBody>
+            <a:bodyPr rtlCol="0" anchor="ctr"/>
+            <a:lstStyle/>
+            <a:p>
+              <a:pPr algn="ctr"/>
+              <a:endParaRPr lang="en-US"/>
+            </a:p>
+          </p:txBody>
+        </p:sp>
+      </p:grpSp>
+      <p:grpSp>
+        <p:nvGrpSpPr>
+          <p:cNvPr id="30" name="Group 29">
+            <a:extLst>
+              <a:ext uri="{FF2B5EF4-FFF2-40B4-BE49-F238E27FC236}">
+                <a16:creationId xmlns:a16="http://schemas.microsoft.com/office/drawing/2014/main" id="{AC97007F-DD64-47A0-6AC4-DB797865DA37}"/>
+              </a:ext>
+            </a:extLst>
+          </p:cNvPr>
+          <p:cNvGrpSpPr/>
+          <p:nvPr/>
+        </p:nvGrpSpPr>
+        <p:grpSpPr>
+          <a:xfrm rot="10800000">
+            <a:off x="2316290" y="4577026"/>
+            <a:ext cx="873303" cy="194577"/>
+            <a:chOff x="2147189" y="4336101"/>
+            <a:chExt cx="873303" cy="194577"/>
+          </a:xfrm>
+        </p:grpSpPr>
+        <p:sp>
+          <p:nvSpPr>
+            <p:cNvPr id="28" name="Oval 27">
+              <a:extLst>
+                <a:ext uri="{FF2B5EF4-FFF2-40B4-BE49-F238E27FC236}">
+                  <a16:creationId xmlns:a16="http://schemas.microsoft.com/office/drawing/2014/main" id="{1253349F-715B-24FB-EF83-E2324A2BE00F}"/>
+                </a:ext>
+              </a:extLst>
+            </p:cNvPr>
+            <p:cNvSpPr/>
+            <p:nvPr/>
+          </p:nvSpPr>
+          <p:spPr>
+            <a:xfrm>
+              <a:off x="2836164" y="4336101"/>
+              <a:ext cx="184328" cy="194577"/>
+            </a:xfrm>
+            <a:prstGeom prst="ellipse">
+              <a:avLst/>
+            </a:prstGeom>
+            <a:solidFill>
+              <a:srgbClr val="FFFF00"/>
+            </a:solidFill>
+            <a:ln>
+              <a:solidFill>
+                <a:schemeClr val="tx1"/>
+              </a:solidFill>
+            </a:ln>
+          </p:spPr>
+          <p:style>
+            <a:lnRef idx="2">
+              <a:schemeClr val="accent1">
+                <a:shade val="50000"/>
+              </a:schemeClr>
+            </a:lnRef>
+            <a:fillRef idx="1">
+              <a:schemeClr val="accent1"/>
+            </a:fillRef>
+            <a:effectRef idx="0">
+              <a:schemeClr val="accent1"/>
+            </a:effectRef>
+            <a:fontRef idx="minor">
+              <a:schemeClr val="lt1"/>
+            </a:fontRef>
+          </p:style>
+          <p:txBody>
+            <a:bodyPr rtlCol="0" anchor="ctr"/>
+            <a:lstStyle/>
+            <a:p>
+              <a:pPr algn="ctr"/>
+              <a:endParaRPr lang="en-US"/>
+            </a:p>
+          </p:txBody>
+        </p:sp>
+        <p:sp>
+          <p:nvSpPr>
+            <p:cNvPr id="29" name="Freeform 28">
+              <a:extLst>
+                <a:ext uri="{FF2B5EF4-FFF2-40B4-BE49-F238E27FC236}">
+                  <a16:creationId xmlns:a16="http://schemas.microsoft.com/office/drawing/2014/main" id="{9C216ACF-1E6C-4DD5-A61A-29A46BFE3ACC}"/>
+                </a:ext>
+              </a:extLst>
+            </p:cNvPr>
+            <p:cNvSpPr/>
+            <p:nvPr/>
+          </p:nvSpPr>
+          <p:spPr>
+            <a:xfrm>
+              <a:off x="2147189" y="4350367"/>
+              <a:ext cx="688975" cy="165425"/>
+            </a:xfrm>
+            <a:custGeom>
+              <a:avLst/>
+              <a:gdLst>
+                <a:gd name="connsiteX0" fmla="*/ 0 w 698500"/>
+                <a:gd name="connsiteY0" fmla="*/ 82713 h 152603"/>
+                <a:gd name="connsiteX1" fmla="*/ 114300 w 698500"/>
+                <a:gd name="connsiteY1" fmla="*/ 12863 h 152603"/>
+                <a:gd name="connsiteX2" fmla="*/ 203200 w 698500"/>
+                <a:gd name="connsiteY2" fmla="*/ 92238 h 152603"/>
+                <a:gd name="connsiteX3" fmla="*/ 292100 w 698500"/>
+                <a:gd name="connsiteY3" fmla="*/ 136688 h 152603"/>
+                <a:gd name="connsiteX4" fmla="*/ 387350 w 698500"/>
+                <a:gd name="connsiteY4" fmla="*/ 63663 h 152603"/>
+                <a:gd name="connsiteX5" fmla="*/ 460375 w 698500"/>
+                <a:gd name="connsiteY5" fmla="*/ 163 h 152603"/>
+                <a:gd name="connsiteX6" fmla="*/ 555625 w 698500"/>
+                <a:gd name="connsiteY6" fmla="*/ 82713 h 152603"/>
+                <a:gd name="connsiteX7" fmla="*/ 603250 w 698500"/>
+                <a:gd name="connsiteY7" fmla="*/ 152563 h 152603"/>
+                <a:gd name="connsiteX8" fmla="*/ 698500 w 698500"/>
+                <a:gd name="connsiteY8" fmla="*/ 73188 h 152603"/>
+                <a:gd name="connsiteX0" fmla="*/ 0 w 698500"/>
+                <a:gd name="connsiteY0" fmla="*/ 82767 h 152659"/>
+                <a:gd name="connsiteX1" fmla="*/ 114300 w 698500"/>
+                <a:gd name="connsiteY1" fmla="*/ 12917 h 152659"/>
+                <a:gd name="connsiteX2" fmla="*/ 203200 w 698500"/>
+                <a:gd name="connsiteY2" fmla="*/ 92292 h 152659"/>
+                <a:gd name="connsiteX3" fmla="*/ 292100 w 698500"/>
+                <a:gd name="connsiteY3" fmla="*/ 136742 h 152659"/>
+                <a:gd name="connsiteX4" fmla="*/ 387350 w 698500"/>
+                <a:gd name="connsiteY4" fmla="*/ 63717 h 152659"/>
+                <a:gd name="connsiteX5" fmla="*/ 460375 w 698500"/>
+                <a:gd name="connsiteY5" fmla="*/ 217 h 152659"/>
+                <a:gd name="connsiteX6" fmla="*/ 539750 w 698500"/>
+                <a:gd name="connsiteY6" fmla="*/ 85942 h 152659"/>
+                <a:gd name="connsiteX7" fmla="*/ 603250 w 698500"/>
+                <a:gd name="connsiteY7" fmla="*/ 152617 h 152659"/>
+                <a:gd name="connsiteX8" fmla="*/ 698500 w 698500"/>
+                <a:gd name="connsiteY8" fmla="*/ 73242 h 152659"/>
+                <a:gd name="connsiteX0" fmla="*/ 0 w 698500"/>
+                <a:gd name="connsiteY0" fmla="*/ 82767 h 152659"/>
+                <a:gd name="connsiteX1" fmla="*/ 114300 w 698500"/>
+                <a:gd name="connsiteY1" fmla="*/ 12917 h 152659"/>
+                <a:gd name="connsiteX2" fmla="*/ 203200 w 698500"/>
+                <a:gd name="connsiteY2" fmla="*/ 92292 h 152659"/>
+                <a:gd name="connsiteX3" fmla="*/ 292100 w 698500"/>
+                <a:gd name="connsiteY3" fmla="*/ 136742 h 152659"/>
+                <a:gd name="connsiteX4" fmla="*/ 387350 w 698500"/>
+                <a:gd name="connsiteY4" fmla="*/ 63717 h 152659"/>
+                <a:gd name="connsiteX5" fmla="*/ 460375 w 698500"/>
+                <a:gd name="connsiteY5" fmla="*/ 217 h 152659"/>
+                <a:gd name="connsiteX6" fmla="*/ 539750 w 698500"/>
+                <a:gd name="connsiteY6" fmla="*/ 85942 h 152659"/>
+                <a:gd name="connsiteX7" fmla="*/ 612775 w 698500"/>
+                <a:gd name="connsiteY7" fmla="*/ 152617 h 152659"/>
+                <a:gd name="connsiteX8" fmla="*/ 698500 w 698500"/>
+                <a:gd name="connsiteY8" fmla="*/ 73242 h 152659"/>
+                <a:gd name="connsiteX0" fmla="*/ 0 w 688975"/>
+                <a:gd name="connsiteY0" fmla="*/ 98642 h 152659"/>
+                <a:gd name="connsiteX1" fmla="*/ 104775 w 688975"/>
+                <a:gd name="connsiteY1" fmla="*/ 12917 h 152659"/>
+                <a:gd name="connsiteX2" fmla="*/ 193675 w 688975"/>
+                <a:gd name="connsiteY2" fmla="*/ 92292 h 152659"/>
+                <a:gd name="connsiteX3" fmla="*/ 282575 w 688975"/>
+                <a:gd name="connsiteY3" fmla="*/ 136742 h 152659"/>
+                <a:gd name="connsiteX4" fmla="*/ 377825 w 688975"/>
+                <a:gd name="connsiteY4" fmla="*/ 63717 h 152659"/>
+                <a:gd name="connsiteX5" fmla="*/ 450850 w 688975"/>
+                <a:gd name="connsiteY5" fmla="*/ 217 h 152659"/>
+                <a:gd name="connsiteX6" fmla="*/ 530225 w 688975"/>
+                <a:gd name="connsiteY6" fmla="*/ 85942 h 152659"/>
+                <a:gd name="connsiteX7" fmla="*/ 603250 w 688975"/>
+                <a:gd name="connsiteY7" fmla="*/ 152617 h 152659"/>
+                <a:gd name="connsiteX8" fmla="*/ 688975 w 688975"/>
+                <a:gd name="connsiteY8" fmla="*/ 73242 h 152659"/>
+                <a:gd name="connsiteX0" fmla="*/ 0 w 688975"/>
+                <a:gd name="connsiteY0" fmla="*/ 98666 h 165644"/>
+                <a:gd name="connsiteX1" fmla="*/ 104775 w 688975"/>
+                <a:gd name="connsiteY1" fmla="*/ 12941 h 165644"/>
+                <a:gd name="connsiteX2" fmla="*/ 193675 w 688975"/>
+                <a:gd name="connsiteY2" fmla="*/ 92316 h 165644"/>
+                <a:gd name="connsiteX3" fmla="*/ 285750 w 688975"/>
+                <a:gd name="connsiteY3" fmla="*/ 165341 h 165644"/>
+                <a:gd name="connsiteX4" fmla="*/ 377825 w 688975"/>
+                <a:gd name="connsiteY4" fmla="*/ 63741 h 165644"/>
+                <a:gd name="connsiteX5" fmla="*/ 450850 w 688975"/>
+                <a:gd name="connsiteY5" fmla="*/ 241 h 165644"/>
+                <a:gd name="connsiteX6" fmla="*/ 530225 w 688975"/>
+                <a:gd name="connsiteY6" fmla="*/ 85966 h 165644"/>
+                <a:gd name="connsiteX7" fmla="*/ 603250 w 688975"/>
+                <a:gd name="connsiteY7" fmla="*/ 152641 h 165644"/>
+                <a:gd name="connsiteX8" fmla="*/ 688975 w 688975"/>
+                <a:gd name="connsiteY8" fmla="*/ 73266 h 165644"/>
+                <a:gd name="connsiteX0" fmla="*/ 0 w 688975"/>
+                <a:gd name="connsiteY0" fmla="*/ 98666 h 165653"/>
+                <a:gd name="connsiteX1" fmla="*/ 104775 w 688975"/>
+                <a:gd name="connsiteY1" fmla="*/ 3416 h 165653"/>
+                <a:gd name="connsiteX2" fmla="*/ 193675 w 688975"/>
+                <a:gd name="connsiteY2" fmla="*/ 92316 h 165653"/>
+                <a:gd name="connsiteX3" fmla="*/ 285750 w 688975"/>
+                <a:gd name="connsiteY3" fmla="*/ 165341 h 165653"/>
+                <a:gd name="connsiteX4" fmla="*/ 377825 w 688975"/>
+                <a:gd name="connsiteY4" fmla="*/ 63741 h 165653"/>
+                <a:gd name="connsiteX5" fmla="*/ 450850 w 688975"/>
+                <a:gd name="connsiteY5" fmla="*/ 241 h 165653"/>
+                <a:gd name="connsiteX6" fmla="*/ 530225 w 688975"/>
+                <a:gd name="connsiteY6" fmla="*/ 85966 h 165653"/>
+                <a:gd name="connsiteX7" fmla="*/ 603250 w 688975"/>
+                <a:gd name="connsiteY7" fmla="*/ 152641 h 165653"/>
+                <a:gd name="connsiteX8" fmla="*/ 688975 w 688975"/>
+                <a:gd name="connsiteY8" fmla="*/ 73266 h 165653"/>
+                <a:gd name="connsiteX0" fmla="*/ 0 w 688975"/>
+                <a:gd name="connsiteY0" fmla="*/ 98666 h 165653"/>
+                <a:gd name="connsiteX1" fmla="*/ 104775 w 688975"/>
+                <a:gd name="connsiteY1" fmla="*/ 3416 h 165653"/>
+                <a:gd name="connsiteX2" fmla="*/ 193675 w 688975"/>
+                <a:gd name="connsiteY2" fmla="*/ 92316 h 165653"/>
+                <a:gd name="connsiteX3" fmla="*/ 285750 w 688975"/>
+                <a:gd name="connsiteY3" fmla="*/ 165341 h 165653"/>
+                <a:gd name="connsiteX4" fmla="*/ 377825 w 688975"/>
+                <a:gd name="connsiteY4" fmla="*/ 63741 h 165653"/>
+                <a:gd name="connsiteX5" fmla="*/ 450850 w 688975"/>
+                <a:gd name="connsiteY5" fmla="*/ 241 h 165653"/>
+                <a:gd name="connsiteX6" fmla="*/ 530225 w 688975"/>
+                <a:gd name="connsiteY6" fmla="*/ 85966 h 165653"/>
+                <a:gd name="connsiteX7" fmla="*/ 603250 w 688975"/>
+                <a:gd name="connsiteY7" fmla="*/ 152641 h 165653"/>
+                <a:gd name="connsiteX8" fmla="*/ 688975 w 688975"/>
+                <a:gd name="connsiteY8" fmla="*/ 73266 h 165653"/>
+                <a:gd name="connsiteX0" fmla="*/ 0 w 688975"/>
+                <a:gd name="connsiteY0" fmla="*/ 98666 h 165379"/>
+                <a:gd name="connsiteX1" fmla="*/ 104775 w 688975"/>
+                <a:gd name="connsiteY1" fmla="*/ 3416 h 165379"/>
+                <a:gd name="connsiteX2" fmla="*/ 193675 w 688975"/>
+                <a:gd name="connsiteY2" fmla="*/ 92316 h 165379"/>
+                <a:gd name="connsiteX3" fmla="*/ 285750 w 688975"/>
+                <a:gd name="connsiteY3" fmla="*/ 165341 h 165379"/>
+                <a:gd name="connsiteX4" fmla="*/ 377825 w 688975"/>
+                <a:gd name="connsiteY4" fmla="*/ 63741 h 165379"/>
+                <a:gd name="connsiteX5" fmla="*/ 450850 w 688975"/>
+                <a:gd name="connsiteY5" fmla="*/ 241 h 165379"/>
+                <a:gd name="connsiteX6" fmla="*/ 530225 w 688975"/>
+                <a:gd name="connsiteY6" fmla="*/ 85966 h 165379"/>
+                <a:gd name="connsiteX7" fmla="*/ 603250 w 688975"/>
+                <a:gd name="connsiteY7" fmla="*/ 152641 h 165379"/>
+                <a:gd name="connsiteX8" fmla="*/ 688975 w 688975"/>
+                <a:gd name="connsiteY8" fmla="*/ 73266 h 165379"/>
+                <a:gd name="connsiteX0" fmla="*/ 0 w 688975"/>
+                <a:gd name="connsiteY0" fmla="*/ 98431 h 165144"/>
+                <a:gd name="connsiteX1" fmla="*/ 104775 w 688975"/>
+                <a:gd name="connsiteY1" fmla="*/ 3181 h 165144"/>
+                <a:gd name="connsiteX2" fmla="*/ 193675 w 688975"/>
+                <a:gd name="connsiteY2" fmla="*/ 92081 h 165144"/>
+                <a:gd name="connsiteX3" fmla="*/ 285750 w 688975"/>
+                <a:gd name="connsiteY3" fmla="*/ 165106 h 165144"/>
+                <a:gd name="connsiteX4" fmla="*/ 377825 w 688975"/>
+                <a:gd name="connsiteY4" fmla="*/ 63506 h 165144"/>
+                <a:gd name="connsiteX5" fmla="*/ 450850 w 688975"/>
+                <a:gd name="connsiteY5" fmla="*/ 6 h 165144"/>
+                <a:gd name="connsiteX6" fmla="*/ 530225 w 688975"/>
+                <a:gd name="connsiteY6" fmla="*/ 85731 h 165144"/>
+                <a:gd name="connsiteX7" fmla="*/ 603250 w 688975"/>
+                <a:gd name="connsiteY7" fmla="*/ 152406 h 165144"/>
+                <a:gd name="connsiteX8" fmla="*/ 688975 w 688975"/>
+                <a:gd name="connsiteY8" fmla="*/ 73031 h 165144"/>
+                <a:gd name="connsiteX0" fmla="*/ 0 w 688975"/>
+                <a:gd name="connsiteY0" fmla="*/ 98431 h 165144"/>
+                <a:gd name="connsiteX1" fmla="*/ 104775 w 688975"/>
+                <a:gd name="connsiteY1" fmla="*/ 3181 h 165144"/>
+                <a:gd name="connsiteX2" fmla="*/ 193675 w 688975"/>
+                <a:gd name="connsiteY2" fmla="*/ 92081 h 165144"/>
+                <a:gd name="connsiteX3" fmla="*/ 285750 w 688975"/>
+                <a:gd name="connsiteY3" fmla="*/ 165106 h 165144"/>
+                <a:gd name="connsiteX4" fmla="*/ 377825 w 688975"/>
+                <a:gd name="connsiteY4" fmla="*/ 63506 h 165144"/>
+                <a:gd name="connsiteX5" fmla="*/ 450850 w 688975"/>
+                <a:gd name="connsiteY5" fmla="*/ 6 h 165144"/>
+                <a:gd name="connsiteX6" fmla="*/ 530225 w 688975"/>
+                <a:gd name="connsiteY6" fmla="*/ 85731 h 165144"/>
+                <a:gd name="connsiteX7" fmla="*/ 603250 w 688975"/>
+                <a:gd name="connsiteY7" fmla="*/ 152406 h 165144"/>
+                <a:gd name="connsiteX8" fmla="*/ 688975 w 688975"/>
+                <a:gd name="connsiteY8" fmla="*/ 73031 h 165144"/>
+                <a:gd name="connsiteX0" fmla="*/ 0 w 688975"/>
+                <a:gd name="connsiteY0" fmla="*/ 98440 h 165182"/>
+                <a:gd name="connsiteX1" fmla="*/ 104775 w 688975"/>
+                <a:gd name="connsiteY1" fmla="*/ 3190 h 165182"/>
+                <a:gd name="connsiteX2" fmla="*/ 193675 w 688975"/>
+                <a:gd name="connsiteY2" fmla="*/ 92090 h 165182"/>
+                <a:gd name="connsiteX3" fmla="*/ 285750 w 688975"/>
+                <a:gd name="connsiteY3" fmla="*/ 165115 h 165182"/>
+                <a:gd name="connsiteX4" fmla="*/ 374650 w 688975"/>
+                <a:gd name="connsiteY4" fmla="*/ 79390 h 165182"/>
+                <a:gd name="connsiteX5" fmla="*/ 450850 w 688975"/>
+                <a:gd name="connsiteY5" fmla="*/ 15 h 165182"/>
+                <a:gd name="connsiteX6" fmla="*/ 530225 w 688975"/>
+                <a:gd name="connsiteY6" fmla="*/ 85740 h 165182"/>
+                <a:gd name="connsiteX7" fmla="*/ 603250 w 688975"/>
+                <a:gd name="connsiteY7" fmla="*/ 152415 h 165182"/>
+                <a:gd name="connsiteX8" fmla="*/ 688975 w 688975"/>
+                <a:gd name="connsiteY8" fmla="*/ 73040 h 165182"/>
+                <a:gd name="connsiteX0" fmla="*/ 0 w 688975"/>
+                <a:gd name="connsiteY0" fmla="*/ 98442 h 165184"/>
+                <a:gd name="connsiteX1" fmla="*/ 104775 w 688975"/>
+                <a:gd name="connsiteY1" fmla="*/ 3192 h 165184"/>
+                <a:gd name="connsiteX2" fmla="*/ 193675 w 688975"/>
+                <a:gd name="connsiteY2" fmla="*/ 92092 h 165184"/>
+                <a:gd name="connsiteX3" fmla="*/ 285750 w 688975"/>
+                <a:gd name="connsiteY3" fmla="*/ 165117 h 165184"/>
+                <a:gd name="connsiteX4" fmla="*/ 374650 w 688975"/>
+                <a:gd name="connsiteY4" fmla="*/ 79392 h 165184"/>
+                <a:gd name="connsiteX5" fmla="*/ 450850 w 688975"/>
+                <a:gd name="connsiteY5" fmla="*/ 17 h 165184"/>
+                <a:gd name="connsiteX6" fmla="*/ 530225 w 688975"/>
+                <a:gd name="connsiteY6" fmla="*/ 85742 h 165184"/>
+                <a:gd name="connsiteX7" fmla="*/ 603250 w 688975"/>
+                <a:gd name="connsiteY7" fmla="*/ 152417 h 165184"/>
+                <a:gd name="connsiteX8" fmla="*/ 688975 w 688975"/>
+                <a:gd name="connsiteY8" fmla="*/ 73042 h 165184"/>
+                <a:gd name="connsiteX0" fmla="*/ 0 w 688975"/>
+                <a:gd name="connsiteY0" fmla="*/ 98442 h 165184"/>
+                <a:gd name="connsiteX1" fmla="*/ 104775 w 688975"/>
+                <a:gd name="connsiteY1" fmla="*/ 3192 h 165184"/>
+                <a:gd name="connsiteX2" fmla="*/ 193675 w 688975"/>
+                <a:gd name="connsiteY2" fmla="*/ 92092 h 165184"/>
+                <a:gd name="connsiteX3" fmla="*/ 285750 w 688975"/>
+                <a:gd name="connsiteY3" fmla="*/ 165117 h 165184"/>
+                <a:gd name="connsiteX4" fmla="*/ 374650 w 688975"/>
+                <a:gd name="connsiteY4" fmla="*/ 79392 h 165184"/>
+                <a:gd name="connsiteX5" fmla="*/ 450850 w 688975"/>
+                <a:gd name="connsiteY5" fmla="*/ 17 h 165184"/>
+                <a:gd name="connsiteX6" fmla="*/ 530225 w 688975"/>
+                <a:gd name="connsiteY6" fmla="*/ 85742 h 165184"/>
+                <a:gd name="connsiteX7" fmla="*/ 603250 w 688975"/>
+                <a:gd name="connsiteY7" fmla="*/ 152417 h 165184"/>
+                <a:gd name="connsiteX8" fmla="*/ 688975 w 688975"/>
+                <a:gd name="connsiteY8" fmla="*/ 73042 h 165184"/>
+                <a:gd name="connsiteX0" fmla="*/ 0 w 688975"/>
+                <a:gd name="connsiteY0" fmla="*/ 98442 h 165189"/>
+                <a:gd name="connsiteX1" fmla="*/ 104775 w 688975"/>
+                <a:gd name="connsiteY1" fmla="*/ 3192 h 165189"/>
+                <a:gd name="connsiteX2" fmla="*/ 193675 w 688975"/>
+                <a:gd name="connsiteY2" fmla="*/ 92092 h 165189"/>
+                <a:gd name="connsiteX3" fmla="*/ 285750 w 688975"/>
+                <a:gd name="connsiteY3" fmla="*/ 165117 h 165189"/>
+                <a:gd name="connsiteX4" fmla="*/ 374650 w 688975"/>
+                <a:gd name="connsiteY4" fmla="*/ 79392 h 165189"/>
+                <a:gd name="connsiteX5" fmla="*/ 450850 w 688975"/>
+                <a:gd name="connsiteY5" fmla="*/ 17 h 165189"/>
+                <a:gd name="connsiteX6" fmla="*/ 530225 w 688975"/>
+                <a:gd name="connsiteY6" fmla="*/ 85742 h 165189"/>
+                <a:gd name="connsiteX7" fmla="*/ 603250 w 688975"/>
+                <a:gd name="connsiteY7" fmla="*/ 152417 h 165189"/>
+                <a:gd name="connsiteX8" fmla="*/ 688975 w 688975"/>
+                <a:gd name="connsiteY8" fmla="*/ 73042 h 165189"/>
+                <a:gd name="connsiteX0" fmla="*/ 0 w 688975"/>
+                <a:gd name="connsiteY0" fmla="*/ 98678 h 165425"/>
+                <a:gd name="connsiteX1" fmla="*/ 104775 w 688975"/>
+                <a:gd name="connsiteY1" fmla="*/ 3428 h 165425"/>
+                <a:gd name="connsiteX2" fmla="*/ 193675 w 688975"/>
+                <a:gd name="connsiteY2" fmla="*/ 92328 h 165425"/>
+                <a:gd name="connsiteX3" fmla="*/ 285750 w 688975"/>
+                <a:gd name="connsiteY3" fmla="*/ 165353 h 165425"/>
+                <a:gd name="connsiteX4" fmla="*/ 374650 w 688975"/>
+                <a:gd name="connsiteY4" fmla="*/ 79628 h 165425"/>
+                <a:gd name="connsiteX5" fmla="*/ 450850 w 688975"/>
+                <a:gd name="connsiteY5" fmla="*/ 253 h 165425"/>
+                <a:gd name="connsiteX6" fmla="*/ 530225 w 688975"/>
+                <a:gd name="connsiteY6" fmla="*/ 85978 h 165425"/>
+                <a:gd name="connsiteX7" fmla="*/ 603250 w 688975"/>
+                <a:gd name="connsiteY7" fmla="*/ 152653 h 165425"/>
+                <a:gd name="connsiteX8" fmla="*/ 688975 w 688975"/>
+                <a:gd name="connsiteY8" fmla="*/ 73278 h 165425"/>
+              </a:gdLst>
+              <a:ahLst/>
+              <a:cxnLst>
+                <a:cxn ang="0">
+                  <a:pos x="connsiteX0" y="connsiteY0"/>
+                </a:cxn>
+                <a:cxn ang="0">
+                  <a:pos x="connsiteX1" y="connsiteY1"/>
+                </a:cxn>
+                <a:cxn ang="0">
+                  <a:pos x="connsiteX2" y="connsiteY2"/>
+                </a:cxn>
+                <a:cxn ang="0">
+                  <a:pos x="connsiteX3" y="connsiteY3"/>
+                </a:cxn>
+                <a:cxn ang="0">
+                  <a:pos x="connsiteX4" y="connsiteY4"/>
+                </a:cxn>
+                <a:cxn ang="0">
+                  <a:pos x="connsiteX5" y="connsiteY5"/>
+                </a:cxn>
+                <a:cxn ang="0">
+                  <a:pos x="connsiteX6" y="connsiteY6"/>
+                </a:cxn>
+                <a:cxn ang="0">
+                  <a:pos x="connsiteX7" y="connsiteY7"/>
+                </a:cxn>
+                <a:cxn ang="0">
+                  <a:pos x="connsiteX8" y="connsiteY8"/>
+                </a:cxn>
+              </a:cxnLst>
+              <a:rect l="l" t="t" r="r" b="b"/>
+              <a:pathLst>
+                <a:path w="688975" h="165425">
+                  <a:moveTo>
+                    <a:pt x="0" y="98678"/>
+                  </a:moveTo>
+                  <a:cubicBezTo>
+                    <a:pt x="40216" y="62959"/>
+                    <a:pt x="34396" y="1311"/>
+                    <a:pt x="104775" y="3428"/>
+                  </a:cubicBezTo>
+                  <a:cubicBezTo>
+                    <a:pt x="175154" y="5545"/>
+                    <a:pt x="188913" y="62166"/>
+                    <a:pt x="193675" y="92328"/>
+                  </a:cubicBezTo>
+                  <a:cubicBezTo>
+                    <a:pt x="198437" y="122490"/>
+                    <a:pt x="255588" y="167470"/>
+                    <a:pt x="285750" y="165353"/>
+                  </a:cubicBezTo>
+                  <a:cubicBezTo>
+                    <a:pt x="315912" y="163236"/>
+                    <a:pt x="366183" y="113495"/>
+                    <a:pt x="374650" y="79628"/>
+                  </a:cubicBezTo>
+                  <a:cubicBezTo>
+                    <a:pt x="383117" y="45761"/>
+                    <a:pt x="402696" y="-3980"/>
+                    <a:pt x="450850" y="253"/>
+                  </a:cubicBezTo>
+                  <a:cubicBezTo>
+                    <a:pt x="499004" y="4486"/>
+                    <a:pt x="527050" y="60578"/>
+                    <a:pt x="530225" y="85978"/>
+                  </a:cubicBezTo>
+                  <a:cubicBezTo>
+                    <a:pt x="533400" y="111378"/>
+                    <a:pt x="579437" y="154241"/>
+                    <a:pt x="603250" y="152653"/>
+                  </a:cubicBezTo>
+                  <a:cubicBezTo>
+                    <a:pt x="649288" y="151065"/>
+                    <a:pt x="665163" y="82274"/>
+                    <a:pt x="688975" y="73278"/>
+                  </a:cubicBezTo>
+                </a:path>
+              </a:pathLst>
+            </a:custGeom>
+            <a:noFill/>
+          </p:spPr>
+          <p:style>
+            <a:lnRef idx="2">
+              <a:schemeClr val="accent1">
+                <a:shade val="50000"/>
+              </a:schemeClr>
+            </a:lnRef>
+            <a:fillRef idx="1">
+              <a:schemeClr val="accent1"/>
+            </a:fillRef>
+            <a:effectRef idx="0">
+              <a:schemeClr val="accent1"/>
+            </a:effectRef>
+            <a:fontRef idx="minor">
+              <a:schemeClr val="lt1"/>
+            </a:fontRef>
+          </p:style>
+          <p:txBody>
+            <a:bodyPr rtlCol="0" anchor="ctr"/>
+            <a:lstStyle/>
+            <a:p>
+              <a:pPr algn="ctr"/>
+              <a:endParaRPr lang="en-US"/>
+            </a:p>
+          </p:txBody>
+        </p:sp>
+      </p:grpSp>
+      <p:cxnSp>
+        <p:nvCxnSpPr>
+          <p:cNvPr id="31" name="Straight Arrow Connector 30">
+            <a:extLst>
+              <a:ext uri="{FF2B5EF4-FFF2-40B4-BE49-F238E27FC236}">
+                <a16:creationId xmlns:a16="http://schemas.microsoft.com/office/drawing/2014/main" id="{80A76152-78D3-2D2F-EC41-D3DFC9171055}"/>
+              </a:ext>
+            </a:extLst>
+          </p:cNvPr>
+          <p:cNvCxnSpPr>
+            <a:cxnSpLocks/>
+          </p:cNvCxnSpPr>
+          <p:nvPr/>
+        </p:nvCxnSpPr>
+        <p:spPr>
+          <a:xfrm>
+            <a:off x="1724220" y="3952635"/>
+            <a:ext cx="264094" cy="0"/>
+          </a:xfrm>
+          <a:prstGeom prst="straightConnector1">
+            <a:avLst/>
+          </a:prstGeom>
+          <a:ln w="38100">
+            <a:solidFill>
+              <a:schemeClr val="tx1"/>
+            </a:solidFill>
+            <a:tailEnd type="triangle"/>
+          </a:ln>
+        </p:spPr>
+        <p:style>
+          <a:lnRef idx="1">
+            <a:schemeClr val="accent1"/>
+          </a:lnRef>
+          <a:fillRef idx="0">
+            <a:schemeClr val="accent1"/>
+          </a:fillRef>
+          <a:effectRef idx="0">
+            <a:schemeClr val="accent1"/>
+          </a:effectRef>
+          <a:fontRef idx="minor">
+            <a:schemeClr val="tx1"/>
+          </a:fontRef>
+        </p:style>
+      </p:cxnSp>
+      <p:cxnSp>
+        <p:nvCxnSpPr>
+          <p:cNvPr id="33" name="Straight Arrow Connector 32">
+            <a:extLst>
+              <a:ext uri="{FF2B5EF4-FFF2-40B4-BE49-F238E27FC236}">
+                <a16:creationId xmlns:a16="http://schemas.microsoft.com/office/drawing/2014/main" id="{8B786A41-D52B-43B1-D652-6AF543FD3B3E}"/>
+              </a:ext>
+            </a:extLst>
+          </p:cNvPr>
+          <p:cNvCxnSpPr>
+            <a:cxnSpLocks/>
+          </p:cNvCxnSpPr>
+          <p:nvPr/>
+        </p:nvCxnSpPr>
+        <p:spPr>
+          <a:xfrm flipH="1">
+            <a:off x="1712779" y="4674315"/>
+            <a:ext cx="349445" cy="0"/>
+          </a:xfrm>
+          <a:prstGeom prst="straightConnector1">
+            <a:avLst/>
+          </a:prstGeom>
+          <a:ln w="38100">
+            <a:solidFill>
+              <a:schemeClr val="tx1"/>
+            </a:solidFill>
+            <a:tailEnd type="triangle"/>
+          </a:ln>
+        </p:spPr>
+        <p:style>
+          <a:lnRef idx="1">
+            <a:schemeClr val="accent1"/>
+          </a:lnRef>
+          <a:fillRef idx="0">
+            <a:schemeClr val="accent1"/>
+          </a:fillRef>
+          <a:effectRef idx="0">
+            <a:schemeClr val="accent1"/>
+          </a:effectRef>
+          <a:fontRef idx="minor">
+            <a:schemeClr val="tx1"/>
+          </a:fontRef>
+        </p:style>
+      </p:cxnSp>
+    </p:spTree>
+    <p:extLst>
+      <p:ext uri="{BB962C8B-B14F-4D97-AF65-F5344CB8AC3E}">
+        <p14:creationId xmlns:p14="http://schemas.microsoft.com/office/powerpoint/2010/main" val="4083563685"/>
+      </p:ext>
+    </p:extLst>
+  </p:cSld>
+  <p:clrMapOvr>
+    <a:masterClrMapping/>
+  </p:clrMapOvr>
+</p:sld>
+</file>
+
+<file path=ppt/slides/slide11.xml><?xml version="1.0" encoding="utf-8"?>
+<p:sld xmlns:a="http://schemas.openxmlformats.org/drawingml/2006/main" xmlns:r="http://schemas.openxmlformats.org/officeDocument/2006/relationships" xmlns:p="http://schemas.openxmlformats.org/presentationml/2006/main">
+  <p:cSld>
+    <p:spTree>
+      <p:nvGrpSpPr>
+        <p:cNvPr id="1" name=""/>
+        <p:cNvGrpSpPr/>
+        <p:nvPr/>
+      </p:nvGrpSpPr>
+      <p:grpSpPr>
+        <a:xfrm>
+          <a:off x="0" y="0"/>
+          <a:ext cx="0" cy="0"/>
+          <a:chOff x="0" y="0"/>
+          <a:chExt cx="0" cy="0"/>
+        </a:xfrm>
+      </p:grpSpPr>
+      <p:sp>
+        <p:nvSpPr>
+          <p:cNvPr id="2" name="Title 1">
+            <a:extLst>
+              <a:ext uri="{FF2B5EF4-FFF2-40B4-BE49-F238E27FC236}">
+                <a16:creationId xmlns:a16="http://schemas.microsoft.com/office/drawing/2014/main" id="{9A4158C0-F295-68B2-9972-D519E11ACF7E}"/>
+              </a:ext>
+            </a:extLst>
+          </p:cNvPr>
+          <p:cNvSpPr>
+            <a:spLocks noGrp="1"/>
+          </p:cNvSpPr>
+          <p:nvPr>
+            <p:ph type="title"/>
+          </p:nvPr>
+        </p:nvSpPr>
+        <p:spPr/>
+        <p:txBody>
+          <a:bodyPr/>
+          <a:lstStyle/>
+          <a:p>
+            <a:r>
+              <a:rPr lang="en-US" dirty="0"/>
+              <a:t>Light Sensor Circuit</a:t>
+            </a:r>
+          </a:p>
+        </p:txBody>
+      </p:sp>
+      <p:pic>
+        <p:nvPicPr>
+          <p:cNvPr id="4" name="Picture 3">
+            <a:extLst>
+              <a:ext uri="{FF2B5EF4-FFF2-40B4-BE49-F238E27FC236}">
+                <a16:creationId xmlns:a16="http://schemas.microsoft.com/office/drawing/2014/main" id="{8AF51DFF-DC58-605E-D50A-07BDCFCDA865}"/>
+              </a:ext>
+            </a:extLst>
+          </p:cNvPr>
+          <p:cNvPicPr>
+            <a:picLocks noChangeAspect="1"/>
+          </p:cNvPicPr>
+          <p:nvPr/>
+        </p:nvPicPr>
+        <p:blipFill>
+          <a:blip r:embed="rId2"/>
+          <a:stretch>
+            <a:fillRect/>
+          </a:stretch>
+        </p:blipFill>
+        <p:spPr>
+          <a:xfrm>
+            <a:off x="1821347" y="1779146"/>
+            <a:ext cx="1442375" cy="3617760"/>
+          </a:xfrm>
+          <a:prstGeom prst="rect">
+            <a:avLst/>
+          </a:prstGeom>
+        </p:spPr>
+      </p:pic>
+      <p:cxnSp>
+        <p:nvCxnSpPr>
+          <p:cNvPr id="5" name="Straight Connector 4">
+            <a:extLst>
+              <a:ext uri="{FF2B5EF4-FFF2-40B4-BE49-F238E27FC236}">
+                <a16:creationId xmlns:a16="http://schemas.microsoft.com/office/drawing/2014/main" id="{7CB846BA-B6BD-A8F2-8A68-B9EF2C68794B}"/>
+              </a:ext>
+            </a:extLst>
+          </p:cNvPr>
+          <p:cNvCxnSpPr>
+            <a:cxnSpLocks/>
+          </p:cNvCxnSpPr>
+          <p:nvPr/>
+        </p:nvCxnSpPr>
+        <p:spPr>
+          <a:xfrm flipV="1">
+            <a:off x="3249765" y="3211902"/>
+            <a:ext cx="1594815" cy="19056"/>
+          </a:xfrm>
+          <a:prstGeom prst="line">
+            <a:avLst/>
+          </a:prstGeom>
+          <a:ln w="63500" cap="sq">
+            <a:solidFill>
+              <a:schemeClr val="tx1"/>
+            </a:solidFill>
+          </a:ln>
+        </p:spPr>
+        <p:style>
+          <a:lnRef idx="1">
+            <a:schemeClr val="accent1"/>
+          </a:lnRef>
+          <a:fillRef idx="0">
+            <a:schemeClr val="accent1"/>
+          </a:fillRef>
+          <a:effectRef idx="0">
+            <a:schemeClr val="accent1"/>
+          </a:effectRef>
+          <a:fontRef idx="minor">
+            <a:schemeClr val="tx1"/>
+          </a:fontRef>
+        </p:style>
+      </p:cxnSp>
+      <p:cxnSp>
+        <p:nvCxnSpPr>
+          <p:cNvPr id="6" name="Straight Connector 5">
+            <a:extLst>
+              <a:ext uri="{FF2B5EF4-FFF2-40B4-BE49-F238E27FC236}">
+                <a16:creationId xmlns:a16="http://schemas.microsoft.com/office/drawing/2014/main" id="{D73E1D37-B189-BC5A-66B4-F463EA9377F3}"/>
+              </a:ext>
+            </a:extLst>
+          </p:cNvPr>
+          <p:cNvCxnSpPr>
+            <a:cxnSpLocks/>
+          </p:cNvCxnSpPr>
+          <p:nvPr/>
+        </p:nvCxnSpPr>
+        <p:spPr>
+          <a:xfrm flipV="1">
+            <a:off x="3078273" y="2854834"/>
+            <a:ext cx="2573655" cy="25462"/>
+          </a:xfrm>
+          <a:prstGeom prst="line">
+            <a:avLst/>
+          </a:prstGeom>
+          <a:ln w="63500" cap="sq">
+            <a:solidFill>
+              <a:srgbClr val="FF0000"/>
+            </a:solidFill>
+          </a:ln>
+        </p:spPr>
+        <p:style>
+          <a:lnRef idx="1">
+            <a:schemeClr val="accent1"/>
+          </a:lnRef>
+          <a:fillRef idx="0">
+            <a:schemeClr val="accent1"/>
+          </a:fillRef>
+          <a:effectRef idx="0">
+            <a:schemeClr val="accent1"/>
+          </a:effectRef>
+          <a:fontRef idx="minor">
+            <a:schemeClr val="tx1"/>
+          </a:fontRef>
+        </p:style>
+      </p:cxnSp>
+      <p:cxnSp>
+        <p:nvCxnSpPr>
+          <p:cNvPr id="7" name="Straight Connector 6">
+            <a:extLst>
+              <a:ext uri="{FF2B5EF4-FFF2-40B4-BE49-F238E27FC236}">
+                <a16:creationId xmlns:a16="http://schemas.microsoft.com/office/drawing/2014/main" id="{9EDDF63B-AF4D-E296-4E81-9F50897D3AB5}"/>
+              </a:ext>
+            </a:extLst>
+          </p:cNvPr>
+          <p:cNvCxnSpPr>
+            <a:cxnSpLocks/>
+          </p:cNvCxnSpPr>
+          <p:nvPr/>
+        </p:nvCxnSpPr>
+        <p:spPr>
+          <a:xfrm>
+            <a:off x="3109772" y="3588026"/>
+            <a:ext cx="937400" cy="0"/>
+          </a:xfrm>
+          <a:prstGeom prst="line">
+            <a:avLst/>
+          </a:prstGeom>
+          <a:ln w="63500" cap="sq">
+            <a:solidFill>
+              <a:srgbClr val="0432FF"/>
+            </a:solidFill>
+          </a:ln>
+        </p:spPr>
+        <p:style>
+          <a:lnRef idx="1">
+            <a:schemeClr val="accent1"/>
+          </a:lnRef>
+          <a:fillRef idx="0">
+            <a:schemeClr val="accent1"/>
+          </a:fillRef>
+          <a:effectRef idx="0">
+            <a:schemeClr val="accent1"/>
+          </a:effectRef>
+          <a:fontRef idx="minor">
+            <a:schemeClr val="tx1"/>
+          </a:fontRef>
+        </p:style>
+      </p:cxnSp>
+      <p:sp>
+        <p:nvSpPr>
+          <p:cNvPr id="8" name="Rectangle 7">
+            <a:extLst>
+              <a:ext uri="{FF2B5EF4-FFF2-40B4-BE49-F238E27FC236}">
+                <a16:creationId xmlns:a16="http://schemas.microsoft.com/office/drawing/2014/main" id="{507F6EF9-54F0-2D82-099F-F4CD950772D9}"/>
+              </a:ext>
+            </a:extLst>
+          </p:cNvPr>
+          <p:cNvSpPr/>
+          <p:nvPr/>
+        </p:nvSpPr>
+        <p:spPr>
+          <a:xfrm>
+            <a:off x="3078273" y="4901048"/>
+            <a:ext cx="185449" cy="111125"/>
+          </a:xfrm>
+          <a:prstGeom prst="rect">
+            <a:avLst/>
+          </a:prstGeom>
+          <a:solidFill>
+            <a:schemeClr val="tx1"/>
+          </a:solidFill>
+          <a:ln>
+            <a:noFill/>
+          </a:ln>
+        </p:spPr>
+        <p:style>
+          <a:lnRef idx="2">
+            <a:schemeClr val="accent1">
+              <a:shade val="50000"/>
+            </a:schemeClr>
+          </a:lnRef>
+          <a:fillRef idx="1">
+            <a:schemeClr val="accent1"/>
+          </a:fillRef>
+          <a:effectRef idx="0">
+            <a:schemeClr val="accent1"/>
+          </a:effectRef>
+          <a:fontRef idx="minor">
+            <a:schemeClr val="lt1"/>
+          </a:fontRef>
+        </p:style>
+        <p:txBody>
+          <a:bodyPr rtlCol="0" anchor="ctr"/>
+          <a:lstStyle/>
+          <a:p>
+            <a:pPr algn="ctr"/>
+            <a:endParaRPr lang="en-US"/>
+          </a:p>
+        </p:txBody>
+      </p:sp>
+      <p:sp>
+        <p:nvSpPr>
+          <p:cNvPr id="9" name="Rectangle 8">
+            <a:extLst>
+              <a:ext uri="{FF2B5EF4-FFF2-40B4-BE49-F238E27FC236}">
+                <a16:creationId xmlns:a16="http://schemas.microsoft.com/office/drawing/2014/main" id="{DD098D0A-F2BA-9DB4-E6B1-BE6426444D5D}"/>
+              </a:ext>
+            </a:extLst>
+          </p:cNvPr>
+          <p:cNvSpPr/>
+          <p:nvPr/>
+        </p:nvSpPr>
+        <p:spPr>
+          <a:xfrm>
+            <a:off x="3064317" y="4050236"/>
+            <a:ext cx="185449" cy="111125"/>
+          </a:xfrm>
+          <a:prstGeom prst="rect">
+            <a:avLst/>
+          </a:prstGeom>
+          <a:solidFill>
+            <a:schemeClr val="tx1"/>
+          </a:solidFill>
+          <a:ln>
+            <a:noFill/>
+          </a:ln>
+        </p:spPr>
+        <p:style>
+          <a:lnRef idx="2">
+            <a:schemeClr val="accent1">
+              <a:shade val="50000"/>
+            </a:schemeClr>
+          </a:lnRef>
+          <a:fillRef idx="1">
+            <a:schemeClr val="accent1"/>
+          </a:fillRef>
+          <a:effectRef idx="0">
+            <a:schemeClr val="accent1"/>
+          </a:effectRef>
+          <a:fontRef idx="minor">
+            <a:schemeClr val="lt1"/>
+          </a:fontRef>
+        </p:style>
+        <p:txBody>
+          <a:bodyPr rtlCol="0" anchor="ctr"/>
+          <a:lstStyle/>
+          <a:p>
+            <a:pPr algn="ctr"/>
+            <a:endParaRPr lang="en-US"/>
+          </a:p>
+        </p:txBody>
+      </p:sp>
+      <p:sp>
+        <p:nvSpPr>
+          <p:cNvPr id="10" name="Rectangle 9">
+            <a:extLst>
+              <a:ext uri="{FF2B5EF4-FFF2-40B4-BE49-F238E27FC236}">
+                <a16:creationId xmlns:a16="http://schemas.microsoft.com/office/drawing/2014/main" id="{D8D3FE76-6951-CE8D-4517-7B1E6665F0AF}"/>
+              </a:ext>
+            </a:extLst>
+          </p:cNvPr>
+          <p:cNvSpPr/>
+          <p:nvPr/>
+        </p:nvSpPr>
+        <p:spPr>
+          <a:xfrm>
+            <a:off x="3064316" y="3178062"/>
+            <a:ext cx="185449" cy="111125"/>
+          </a:xfrm>
+          <a:prstGeom prst="rect">
+            <a:avLst/>
+          </a:prstGeom>
+          <a:solidFill>
+            <a:schemeClr val="tx1"/>
+          </a:solidFill>
+          <a:ln>
+            <a:noFill/>
+          </a:ln>
+        </p:spPr>
+        <p:style>
+          <a:lnRef idx="2">
+            <a:schemeClr val="accent1">
+              <a:shade val="50000"/>
+            </a:schemeClr>
+          </a:lnRef>
+          <a:fillRef idx="1">
+            <a:schemeClr val="accent1"/>
+          </a:fillRef>
+          <a:effectRef idx="0">
+            <a:schemeClr val="accent1"/>
+          </a:effectRef>
+          <a:fontRef idx="minor">
+            <a:schemeClr val="lt1"/>
+          </a:fontRef>
+        </p:style>
+        <p:txBody>
+          <a:bodyPr rtlCol="0" anchor="ctr"/>
+          <a:lstStyle/>
+          <a:p>
+            <a:pPr algn="ctr"/>
+            <a:endParaRPr lang="en-US"/>
+          </a:p>
+        </p:txBody>
+      </p:sp>
+      <p:sp>
+        <p:nvSpPr>
+          <p:cNvPr id="11" name="TextBox 10">
+            <a:extLst>
+              <a:ext uri="{FF2B5EF4-FFF2-40B4-BE49-F238E27FC236}">
+                <a16:creationId xmlns:a16="http://schemas.microsoft.com/office/drawing/2014/main" id="{7725C6AB-EABD-0207-1D91-CA8EC9F9BCEE}"/>
+              </a:ext>
+            </a:extLst>
+          </p:cNvPr>
+          <p:cNvSpPr txBox="1"/>
+          <p:nvPr/>
+        </p:nvSpPr>
+        <p:spPr>
+          <a:xfrm>
+            <a:off x="3334967" y="2501741"/>
+            <a:ext cx="2192139" cy="369332"/>
+          </a:xfrm>
+          <a:prstGeom prst="rect">
+            <a:avLst/>
+          </a:prstGeom>
+          <a:noFill/>
+        </p:spPr>
+        <p:txBody>
+          <a:bodyPr wrap="none" rtlCol="0">
+            <a:spAutoFit/>
+          </a:bodyPr>
+          <a:lstStyle/>
+          <a:p>
+            <a:r>
+              <a:rPr lang="en-US" b="1" dirty="0">
+                <a:solidFill>
+                  <a:srgbClr val="FF0000"/>
+                </a:solidFill>
+              </a:rPr>
+              <a:t>ADC_VREF - 3.3 Volts</a:t>
+            </a:r>
+          </a:p>
+        </p:txBody>
+      </p:sp>
+      <p:sp>
+        <p:nvSpPr>
+          <p:cNvPr id="12" name="Rectangle 11">
+            <a:extLst>
+              <a:ext uri="{FF2B5EF4-FFF2-40B4-BE49-F238E27FC236}">
+                <a16:creationId xmlns:a16="http://schemas.microsoft.com/office/drawing/2014/main" id="{930D64A9-8F1D-1300-196C-0B04163C66F4}"/>
+              </a:ext>
+            </a:extLst>
+          </p:cNvPr>
+          <p:cNvSpPr/>
+          <p:nvPr/>
+        </p:nvSpPr>
+        <p:spPr>
+          <a:xfrm>
+            <a:off x="4204127" y="3818352"/>
+            <a:ext cx="226910" cy="287446"/>
+          </a:xfrm>
+          <a:prstGeom prst="rect">
+            <a:avLst/>
+          </a:prstGeom>
+          <a:solidFill>
+            <a:schemeClr val="bg1"/>
+          </a:solidFill>
+          <a:ln>
+            <a:noFill/>
+          </a:ln>
+        </p:spPr>
+        <p:style>
+          <a:lnRef idx="2">
+            <a:schemeClr val="accent1">
+              <a:shade val="50000"/>
+            </a:schemeClr>
+          </a:lnRef>
+          <a:fillRef idx="1">
+            <a:schemeClr val="accent1"/>
+          </a:fillRef>
+          <a:effectRef idx="0">
+            <a:schemeClr val="accent1"/>
+          </a:effectRef>
+          <a:fontRef idx="minor">
+            <a:schemeClr val="lt1"/>
+          </a:fontRef>
+        </p:style>
+        <p:txBody>
+          <a:bodyPr rtlCol="0" anchor="ctr"/>
+          <a:lstStyle/>
+          <a:p>
+            <a:pPr algn="ctr"/>
+            <a:endParaRPr lang="en-US"/>
+          </a:p>
+        </p:txBody>
+      </p:sp>
+      <p:cxnSp>
+        <p:nvCxnSpPr>
+          <p:cNvPr id="13" name="Straight Connector 12">
+            <a:extLst>
+              <a:ext uri="{FF2B5EF4-FFF2-40B4-BE49-F238E27FC236}">
+                <a16:creationId xmlns:a16="http://schemas.microsoft.com/office/drawing/2014/main" id="{0A7A08C0-B8E6-5DD8-0E5C-3138B71DF050}"/>
+              </a:ext>
+            </a:extLst>
+          </p:cNvPr>
+          <p:cNvCxnSpPr>
+            <a:cxnSpLocks/>
+          </p:cNvCxnSpPr>
+          <p:nvPr/>
+        </p:nvCxnSpPr>
+        <p:spPr>
+          <a:xfrm flipV="1">
+            <a:off x="4844580" y="3210800"/>
+            <a:ext cx="0" cy="1555163"/>
+          </a:xfrm>
+          <a:prstGeom prst="line">
+            <a:avLst/>
+          </a:prstGeom>
+          <a:ln w="63500" cap="sq">
+            <a:solidFill>
+              <a:schemeClr val="tx1"/>
+            </a:solidFill>
+          </a:ln>
+        </p:spPr>
+        <p:style>
+          <a:lnRef idx="1">
+            <a:schemeClr val="accent1"/>
+          </a:lnRef>
+          <a:fillRef idx="0">
+            <a:schemeClr val="accent1"/>
+          </a:fillRef>
+          <a:effectRef idx="0">
+            <a:schemeClr val="accent1"/>
+          </a:effectRef>
+          <a:fontRef idx="minor">
+            <a:schemeClr val="tx1"/>
+          </a:fontRef>
+        </p:style>
+      </p:cxnSp>
+      <p:cxnSp>
+        <p:nvCxnSpPr>
+          <p:cNvPr id="14" name="Straight Connector 13">
+            <a:extLst>
+              <a:ext uri="{FF2B5EF4-FFF2-40B4-BE49-F238E27FC236}">
+                <a16:creationId xmlns:a16="http://schemas.microsoft.com/office/drawing/2014/main" id="{E9BAF149-5CCC-9B68-009D-C9582613047A}"/>
+              </a:ext>
+            </a:extLst>
+          </p:cNvPr>
+          <p:cNvCxnSpPr>
+            <a:cxnSpLocks/>
+          </p:cNvCxnSpPr>
+          <p:nvPr/>
+        </p:nvCxnSpPr>
+        <p:spPr>
+          <a:xfrm>
+            <a:off x="4844580" y="4765963"/>
+            <a:ext cx="856582" cy="0"/>
+          </a:xfrm>
+          <a:prstGeom prst="line">
+            <a:avLst/>
+          </a:prstGeom>
+          <a:ln w="63500" cap="sq">
+            <a:solidFill>
+              <a:schemeClr val="tx1"/>
+            </a:solidFill>
+          </a:ln>
+        </p:spPr>
+        <p:style>
+          <a:lnRef idx="1">
+            <a:schemeClr val="accent1"/>
+          </a:lnRef>
+          <a:fillRef idx="0">
+            <a:schemeClr val="accent1"/>
+          </a:fillRef>
+          <a:effectRef idx="0">
+            <a:schemeClr val="accent1"/>
+          </a:effectRef>
+          <a:fontRef idx="minor">
+            <a:schemeClr val="tx1"/>
+          </a:fontRef>
+        </p:style>
+      </p:cxnSp>
+      <p:pic>
+        <p:nvPicPr>
+          <p:cNvPr id="15" name="Picture 14">
+            <a:extLst>
+              <a:ext uri="{FF2B5EF4-FFF2-40B4-BE49-F238E27FC236}">
+                <a16:creationId xmlns:a16="http://schemas.microsoft.com/office/drawing/2014/main" id="{E657BDF2-88EA-0451-6A1E-14E6DEFCDCB6}"/>
+              </a:ext>
+            </a:extLst>
+          </p:cNvPr>
+          <p:cNvPicPr>
+            <a:picLocks noChangeAspect="1"/>
+          </p:cNvPicPr>
+          <p:nvPr/>
+        </p:nvPicPr>
+        <p:blipFill>
+          <a:blip r:embed="rId3"/>
+          <a:stretch>
+            <a:fillRect/>
+          </a:stretch>
+        </p:blipFill>
+        <p:spPr>
+          <a:xfrm rot="2758370">
+            <a:off x="5307718" y="3003853"/>
+            <a:ext cx="673100" cy="609600"/>
+          </a:xfrm>
+          <a:prstGeom prst="rect">
+            <a:avLst/>
+          </a:prstGeom>
+        </p:spPr>
+      </p:pic>
+      <p:pic>
+        <p:nvPicPr>
+          <p:cNvPr id="16" name="Picture 2">
+            <a:extLst>
+              <a:ext uri="{FF2B5EF4-FFF2-40B4-BE49-F238E27FC236}">
+                <a16:creationId xmlns:a16="http://schemas.microsoft.com/office/drawing/2014/main" id="{20CFBD2A-E099-79C8-D9ED-793E1FD05E92}"/>
+              </a:ext>
+            </a:extLst>
+          </p:cNvPr>
+          <p:cNvPicPr>
+            <a:picLocks noChangeAspect="1" noChangeArrowheads="1"/>
+          </p:cNvPicPr>
+          <p:nvPr/>
+        </p:nvPicPr>
+        <p:blipFill>
+          <a:blip r:embed="rId4">
+            <a:extLst>
+              <a:ext uri="{28A0092B-C50C-407E-A947-70E740481C1C}">
+                <a14:useLocalDpi xmlns:a14="http://schemas.microsoft.com/office/drawing/2010/main" val="0"/>
+              </a:ext>
+            </a:extLst>
+          </a:blip>
+          <a:srcRect/>
+          <a:stretch>
+            <a:fillRect/>
+          </a:stretch>
+        </p:blipFill>
+        <p:spPr bwMode="auto">
+          <a:xfrm rot="5400000">
+            <a:off x="5329954" y="3914932"/>
+            <a:ext cx="742416" cy="636357"/>
+          </a:xfrm>
+          <a:prstGeom prst="rect">
+            <a:avLst/>
+          </a:prstGeom>
+          <a:noFill/>
+          <a:extLst>
+            <a:ext uri="{909E8E84-426E-40DD-AFC4-6F175D3DCCD1}">
+              <a14:hiddenFill xmlns:a14="http://schemas.microsoft.com/office/drawing/2010/main">
+                <a:solidFill>
+                  <a:srgbClr val="FFFFFF"/>
+                </a:solidFill>
+              </a14:hiddenFill>
+            </a:ext>
+          </a:extLst>
+        </p:spPr>
+      </p:pic>
+      <p:cxnSp>
+        <p:nvCxnSpPr>
+          <p:cNvPr id="17" name="Straight Connector 16">
+            <a:extLst>
+              <a:ext uri="{FF2B5EF4-FFF2-40B4-BE49-F238E27FC236}">
+                <a16:creationId xmlns:a16="http://schemas.microsoft.com/office/drawing/2014/main" id="{7E089BEE-0D33-FBBF-F17A-5DD6A9726B95}"/>
+              </a:ext>
+            </a:extLst>
+          </p:cNvPr>
+          <p:cNvCxnSpPr>
+            <a:cxnSpLocks/>
+          </p:cNvCxnSpPr>
+          <p:nvPr/>
+        </p:nvCxnSpPr>
+        <p:spPr>
+          <a:xfrm flipH="1" flipV="1">
+            <a:off x="5701162" y="3784357"/>
+            <a:ext cx="2" cy="252878"/>
+          </a:xfrm>
+          <a:prstGeom prst="line">
+            <a:avLst/>
+          </a:prstGeom>
+          <a:ln w="63500">
+            <a:solidFill>
+              <a:schemeClr val="tx1"/>
+            </a:solidFill>
+          </a:ln>
+        </p:spPr>
+        <p:style>
+          <a:lnRef idx="1">
+            <a:schemeClr val="accent1"/>
+          </a:lnRef>
+          <a:fillRef idx="0">
+            <a:schemeClr val="accent1"/>
+          </a:fillRef>
+          <a:effectRef idx="0">
+            <a:schemeClr val="accent1"/>
+          </a:effectRef>
+          <a:fontRef idx="minor">
+            <a:schemeClr val="tx1"/>
+          </a:fontRef>
+        </p:style>
+      </p:cxnSp>
+      <p:cxnSp>
+        <p:nvCxnSpPr>
+          <p:cNvPr id="18" name="Straight Connector 17">
+            <a:extLst>
+              <a:ext uri="{FF2B5EF4-FFF2-40B4-BE49-F238E27FC236}">
+                <a16:creationId xmlns:a16="http://schemas.microsoft.com/office/drawing/2014/main" id="{F9FA6708-A401-2295-C5D9-713B2E4F2F0E}"/>
+              </a:ext>
+            </a:extLst>
+          </p:cNvPr>
+          <p:cNvCxnSpPr>
+            <a:cxnSpLocks/>
+          </p:cNvCxnSpPr>
+          <p:nvPr/>
+        </p:nvCxnSpPr>
+        <p:spPr>
+          <a:xfrm>
+            <a:off x="4063410" y="3813043"/>
+            <a:ext cx="1637752" cy="0"/>
+          </a:xfrm>
+          <a:prstGeom prst="line">
+            <a:avLst/>
+          </a:prstGeom>
+          <a:ln w="63500" cap="sq">
+            <a:solidFill>
+              <a:srgbClr val="0432FF"/>
+            </a:solidFill>
+          </a:ln>
+        </p:spPr>
+        <p:style>
+          <a:lnRef idx="1">
+            <a:schemeClr val="accent1"/>
+          </a:lnRef>
+          <a:fillRef idx="0">
+            <a:schemeClr val="accent1"/>
+          </a:fillRef>
+          <a:effectRef idx="0">
+            <a:schemeClr val="accent1"/>
+          </a:effectRef>
+          <a:fontRef idx="minor">
+            <a:schemeClr val="tx1"/>
+          </a:fontRef>
+        </p:style>
+      </p:cxnSp>
+      <p:cxnSp>
+        <p:nvCxnSpPr>
+          <p:cNvPr id="19" name="Straight Connector 18">
+            <a:extLst>
+              <a:ext uri="{FF2B5EF4-FFF2-40B4-BE49-F238E27FC236}">
+                <a16:creationId xmlns:a16="http://schemas.microsoft.com/office/drawing/2014/main" id="{B33F456E-B4FB-619C-390B-F2100FF92EA5}"/>
+              </a:ext>
+            </a:extLst>
+          </p:cNvPr>
+          <p:cNvCxnSpPr>
+            <a:cxnSpLocks/>
+          </p:cNvCxnSpPr>
+          <p:nvPr/>
+        </p:nvCxnSpPr>
+        <p:spPr>
+          <a:xfrm flipV="1">
+            <a:off x="4047172" y="3588027"/>
+            <a:ext cx="0" cy="225016"/>
+          </a:xfrm>
+          <a:prstGeom prst="line">
+            <a:avLst/>
+          </a:prstGeom>
+          <a:ln w="63500" cap="sq">
+            <a:solidFill>
+              <a:srgbClr val="0432FF"/>
+            </a:solidFill>
+          </a:ln>
+        </p:spPr>
+        <p:style>
+          <a:lnRef idx="1">
+            <a:schemeClr val="accent1"/>
+          </a:lnRef>
+          <a:fillRef idx="0">
+            <a:schemeClr val="accent1"/>
+          </a:fillRef>
+          <a:effectRef idx="0">
+            <a:schemeClr val="accent1"/>
+          </a:effectRef>
+          <a:fontRef idx="minor">
+            <a:schemeClr val="tx1"/>
+          </a:fontRef>
+        </p:style>
+      </p:cxnSp>
+      <p:cxnSp>
+        <p:nvCxnSpPr>
+          <p:cNvPr id="20" name="Straight Connector 19">
+            <a:extLst>
+              <a:ext uri="{FF2B5EF4-FFF2-40B4-BE49-F238E27FC236}">
+                <a16:creationId xmlns:a16="http://schemas.microsoft.com/office/drawing/2014/main" id="{855C4F9B-2BD8-45B9-70C3-35C7432B7149}"/>
+              </a:ext>
+            </a:extLst>
+          </p:cNvPr>
+          <p:cNvCxnSpPr>
+            <a:cxnSpLocks/>
+          </p:cNvCxnSpPr>
+          <p:nvPr/>
+        </p:nvCxnSpPr>
+        <p:spPr>
+          <a:xfrm flipV="1">
+            <a:off x="5701163" y="4540346"/>
+            <a:ext cx="0" cy="225617"/>
+          </a:xfrm>
+          <a:prstGeom prst="line">
+            <a:avLst/>
+          </a:prstGeom>
+          <a:ln w="63500" cap="sq">
+            <a:solidFill>
+              <a:schemeClr val="tx1"/>
+            </a:solidFill>
+          </a:ln>
+        </p:spPr>
+        <p:style>
+          <a:lnRef idx="1">
+            <a:schemeClr val="accent1"/>
+          </a:lnRef>
+          <a:fillRef idx="0">
+            <a:schemeClr val="accent1"/>
+          </a:fillRef>
+          <a:effectRef idx="0">
+            <a:schemeClr val="accent1"/>
+          </a:effectRef>
+          <a:fontRef idx="minor">
+            <a:schemeClr val="tx1"/>
+          </a:fontRef>
+        </p:style>
+      </p:cxnSp>
+      <p:sp>
+        <p:nvSpPr>
+          <p:cNvPr id="21" name="TextBox 20">
+            <a:extLst>
+              <a:ext uri="{FF2B5EF4-FFF2-40B4-BE49-F238E27FC236}">
+                <a16:creationId xmlns:a16="http://schemas.microsoft.com/office/drawing/2014/main" id="{86529585-5272-6BDD-A85C-B51996BBBF27}"/>
+              </a:ext>
+            </a:extLst>
+          </p:cNvPr>
+          <p:cNvSpPr txBox="1"/>
+          <p:nvPr/>
+        </p:nvSpPr>
+        <p:spPr>
+          <a:xfrm>
+            <a:off x="6015722" y="4097031"/>
+            <a:ext cx="1442574" cy="369332"/>
+          </a:xfrm>
+          <a:prstGeom prst="rect">
+            <a:avLst/>
+          </a:prstGeom>
+          <a:noFill/>
+        </p:spPr>
+        <p:txBody>
+          <a:bodyPr wrap="none" rtlCol="0">
+            <a:spAutoFit/>
+          </a:bodyPr>
+          <a:lstStyle/>
+          <a:p>
+            <a:r>
+              <a:rPr lang="en-US" dirty="0"/>
+              <a:t>Photoresistor</a:t>
+            </a:r>
+          </a:p>
+        </p:txBody>
+      </p:sp>
+      <p:sp>
+        <p:nvSpPr>
+          <p:cNvPr id="22" name="TextBox 21">
+            <a:extLst>
+              <a:ext uri="{FF2B5EF4-FFF2-40B4-BE49-F238E27FC236}">
+                <a16:creationId xmlns:a16="http://schemas.microsoft.com/office/drawing/2014/main" id="{7BE5EEDA-64B9-9E5D-9AE2-5676453CFBC9}"/>
+              </a:ext>
+            </a:extLst>
+          </p:cNvPr>
+          <p:cNvSpPr txBox="1"/>
+          <p:nvPr/>
+        </p:nvSpPr>
+        <p:spPr>
+          <a:xfrm>
+            <a:off x="5776560" y="3104521"/>
+            <a:ext cx="1334789" cy="369332"/>
+          </a:xfrm>
+          <a:prstGeom prst="rect">
+            <a:avLst/>
+          </a:prstGeom>
+          <a:noFill/>
+        </p:spPr>
+        <p:txBody>
+          <a:bodyPr wrap="none" rtlCol="0">
+            <a:spAutoFit/>
+          </a:bodyPr>
+          <a:lstStyle/>
+          <a:p>
+            <a:r>
+              <a:rPr lang="en-US" dirty="0"/>
+              <a:t>10K Resistor</a:t>
+            </a:r>
+          </a:p>
+        </p:txBody>
+      </p:sp>
+      <p:sp>
+        <p:nvSpPr>
+          <p:cNvPr id="23" name="TextBox 22">
+            <a:extLst>
+              <a:ext uri="{FF2B5EF4-FFF2-40B4-BE49-F238E27FC236}">
+                <a16:creationId xmlns:a16="http://schemas.microsoft.com/office/drawing/2014/main" id="{F0FD6299-BB2A-86C9-F7B0-157AF35BDC1B}"/>
+              </a:ext>
+            </a:extLst>
+          </p:cNvPr>
+          <p:cNvSpPr txBox="1"/>
+          <p:nvPr/>
+        </p:nvSpPr>
+        <p:spPr>
+          <a:xfrm>
+            <a:off x="3308542" y="2898923"/>
+            <a:ext cx="766941" cy="369332"/>
+          </a:xfrm>
+          <a:prstGeom prst="rect">
+            <a:avLst/>
+          </a:prstGeom>
+          <a:noFill/>
+        </p:spPr>
+        <p:txBody>
+          <a:bodyPr wrap="none" rtlCol="0">
+            <a:spAutoFit/>
+          </a:bodyPr>
+          <a:lstStyle/>
+          <a:p>
+            <a:r>
+              <a:rPr lang="en-US" b="1" dirty="0"/>
+              <a:t>AGND</a:t>
+            </a:r>
+          </a:p>
+        </p:txBody>
+      </p:sp>
+      <p:sp>
+        <p:nvSpPr>
+          <p:cNvPr id="24" name="TextBox 23">
+            <a:extLst>
+              <a:ext uri="{FF2B5EF4-FFF2-40B4-BE49-F238E27FC236}">
+                <a16:creationId xmlns:a16="http://schemas.microsoft.com/office/drawing/2014/main" id="{54062F01-4190-28B0-307A-E447C79B747E}"/>
+              </a:ext>
+            </a:extLst>
+          </p:cNvPr>
+          <p:cNvSpPr txBox="1"/>
+          <p:nvPr/>
+        </p:nvSpPr>
+        <p:spPr>
+          <a:xfrm>
+            <a:off x="3303464" y="3258921"/>
+            <a:ext cx="689612" cy="369332"/>
+          </a:xfrm>
+          <a:prstGeom prst="rect">
+            <a:avLst/>
+          </a:prstGeom>
+          <a:noFill/>
+        </p:spPr>
+        <p:txBody>
+          <a:bodyPr wrap="none" rtlCol="0">
+            <a:spAutoFit/>
+          </a:bodyPr>
+          <a:lstStyle/>
+          <a:p>
+            <a:r>
+              <a:rPr lang="en-US" b="1" dirty="0">
+                <a:solidFill>
+                  <a:srgbClr val="0432FF"/>
+                </a:solidFill>
+              </a:rPr>
+              <a:t>GP26</a:t>
+            </a:r>
+          </a:p>
+        </p:txBody>
+      </p:sp>
+    </p:spTree>
+    <p:extLst>
+      <p:ext uri="{BB962C8B-B14F-4D97-AF65-F5344CB8AC3E}">
+        <p14:creationId xmlns:p14="http://schemas.microsoft.com/office/powerpoint/2010/main" val="3934955621"/>
+      </p:ext>
+    </p:extLst>
+  </p:cSld>
+  <p:clrMapOvr>
+    <a:masterClrMapping/>
+  </p:clrMapOvr>
+</p:sld>
+</file>
+
+<file path=ppt/slides/slide12.xml><?xml version="1.0" encoding="utf-8"?>
+<p:sld xmlns:a="http://schemas.openxmlformats.org/drawingml/2006/main" xmlns:r="http://schemas.openxmlformats.org/officeDocument/2006/relationships" xmlns:p="http://schemas.openxmlformats.org/presentationml/2006/main">
+  <p:cSld>
+    <p:spTree>
+      <p:nvGrpSpPr>
+        <p:cNvPr id="1" name=""/>
+        <p:cNvGrpSpPr/>
+        <p:nvPr/>
+      </p:nvGrpSpPr>
+      <p:grpSpPr>
+        <a:xfrm>
+          <a:off x="0" y="0"/>
+          <a:ext cx="0" cy="0"/>
+          <a:chOff x="0" y="0"/>
+          <a:chExt cx="0" cy="0"/>
+        </a:xfrm>
+      </p:grpSpPr>
+      <p:sp>
+        <p:nvSpPr>
+          <p:cNvPr id="2" name="Title 1">
+            <a:extLst>
+              <a:ext uri="{FF2B5EF4-FFF2-40B4-BE49-F238E27FC236}">
+                <a16:creationId xmlns:a16="http://schemas.microsoft.com/office/drawing/2014/main" id="{1F4D542E-9A60-6727-E2B2-414FF07C0ECD}"/>
+              </a:ext>
+            </a:extLst>
+          </p:cNvPr>
+          <p:cNvSpPr>
+            <a:spLocks noGrp="1"/>
+          </p:cNvSpPr>
+          <p:nvPr>
+            <p:ph type="title"/>
+          </p:nvPr>
+        </p:nvSpPr>
+        <p:spPr>
+          <a:xfrm>
+            <a:off x="323021" y="18255"/>
+            <a:ext cx="8497957" cy="806693"/>
+          </a:xfrm>
+        </p:spPr>
+        <p:txBody>
+          <a:bodyPr/>
+          <a:lstStyle/>
+          <a:p>
+            <a:r>
+              <a:rPr lang="en-US" dirty="0"/>
+              <a:t>MicroPython</a:t>
+            </a:r>
+          </a:p>
+        </p:txBody>
+      </p:sp>
+      <p:sp>
+        <p:nvSpPr>
+          <p:cNvPr id="3" name="Content Placeholder 2">
+            <a:extLst>
+              <a:ext uri="{FF2B5EF4-FFF2-40B4-BE49-F238E27FC236}">
+                <a16:creationId xmlns:a16="http://schemas.microsoft.com/office/drawing/2014/main" id="{42014EA4-E134-ED05-E696-CD2FB88335EC}"/>
+              </a:ext>
+            </a:extLst>
+          </p:cNvPr>
+          <p:cNvSpPr>
+            <a:spLocks noGrp="1"/>
+          </p:cNvSpPr>
+          <p:nvPr>
+            <p:ph idx="1"/>
+          </p:nvPr>
+        </p:nvSpPr>
+        <p:spPr>
+          <a:xfrm>
+            <a:off x="213691" y="4212291"/>
+            <a:ext cx="6490252" cy="1420204"/>
+          </a:xfrm>
+        </p:spPr>
+        <p:txBody>
+          <a:bodyPr>
+            <a:normAutofit fontScale="85000" lnSpcReduction="10000"/>
+          </a:bodyPr>
+          <a:lstStyle/>
+          <a:p>
+            <a:r>
+              <a:rPr lang="en-US" sz="1800" dirty="0"/>
+              <a:t>Many robot teaching labs are moving away from C/Arduino to MicroPython</a:t>
+            </a:r>
+          </a:p>
+          <a:p>
+            <a:r>
+              <a:rPr lang="en-US" sz="1800" dirty="0"/>
+              <a:t>Python is the most popular language in schools and the preferred language for most robotics projects</a:t>
+            </a:r>
+          </a:p>
+          <a:p>
+            <a:r>
+              <a:rPr lang="en-US" sz="1800" dirty="0"/>
+              <a:t>MicroPython has thousands of drivers and sample code for many devices</a:t>
+            </a:r>
+          </a:p>
+        </p:txBody>
+      </p:sp>
+      <p:sp>
+        <p:nvSpPr>
+          <p:cNvPr id="8" name="TextBox 7">
+            <a:extLst>
+              <a:ext uri="{FF2B5EF4-FFF2-40B4-BE49-F238E27FC236}">
+                <a16:creationId xmlns:a16="http://schemas.microsoft.com/office/drawing/2014/main" id="{B78E4F81-9EA6-FB62-39DE-124748A2165B}"/>
+              </a:ext>
+            </a:extLst>
+          </p:cNvPr>
+          <p:cNvSpPr txBox="1"/>
+          <p:nvPr/>
+        </p:nvSpPr>
+        <p:spPr>
+          <a:xfrm>
+            <a:off x="552864" y="6094348"/>
+            <a:ext cx="4326441" cy="369332"/>
+          </a:xfrm>
+          <a:prstGeom prst="rect">
+            <a:avLst/>
+          </a:prstGeom>
+          <a:noFill/>
+        </p:spPr>
+        <p:txBody>
+          <a:bodyPr wrap="none" rtlCol="0">
+            <a:spAutoFit/>
+          </a:bodyPr>
+          <a:lstStyle/>
+          <a:p>
+            <a:r>
+              <a:rPr lang="en-US" dirty="0"/>
+              <a:t>https://</a:t>
+            </a:r>
+            <a:r>
+              <a:rPr lang="en-US" dirty="0" err="1"/>
+              <a:t>www.coderdojotc.org</a:t>
+            </a:r>
+            <a:r>
+              <a:rPr lang="en-US" dirty="0"/>
+              <a:t>/micropython/</a:t>
+            </a:r>
+          </a:p>
+        </p:txBody>
+      </p:sp>
+      <p:pic>
+        <p:nvPicPr>
+          <p:cNvPr id="1030" name="Picture 6" descr="Micropython logo">
+            <a:extLst>
+              <a:ext uri="{FF2B5EF4-FFF2-40B4-BE49-F238E27FC236}">
+                <a16:creationId xmlns:a16="http://schemas.microsoft.com/office/drawing/2014/main" id="{9940AAE3-B424-232D-18EB-15C5D7223271}"/>
+              </a:ext>
+            </a:extLst>
+          </p:cNvPr>
+          <p:cNvPicPr>
+            <a:picLocks noChangeAspect="1" noChangeArrowheads="1"/>
+          </p:cNvPicPr>
+          <p:nvPr/>
+        </p:nvPicPr>
+        <p:blipFill>
+          <a:blip r:embed="rId2">
+            <a:extLst>
+              <a:ext uri="{28A0092B-C50C-407E-A947-70E740481C1C}">
+                <a14:useLocalDpi xmlns:a14="http://schemas.microsoft.com/office/drawing/2010/main" val="0"/>
+              </a:ext>
+            </a:extLst>
+          </a:blip>
+          <a:srcRect/>
+          <a:stretch>
+            <a:fillRect/>
+          </a:stretch>
+        </p:blipFill>
+        <p:spPr bwMode="auto">
+          <a:xfrm>
+            <a:off x="552864" y="940171"/>
+            <a:ext cx="8038271" cy="2975277"/>
+          </a:xfrm>
+          <a:prstGeom prst="rect">
+            <a:avLst/>
+          </a:prstGeom>
+          <a:noFill/>
+          <a:extLst>
+            <a:ext uri="{909E8E84-426E-40DD-AFC4-6F175D3DCCD1}">
+              <a14:hiddenFill xmlns:a14="http://schemas.microsoft.com/office/drawing/2010/main">
+                <a:solidFill>
+                  <a:srgbClr val="FFFFFF"/>
+                </a:solidFill>
+              </a14:hiddenFill>
+            </a:ext>
+          </a:extLst>
+        </p:spPr>
+      </p:pic>
+      <p:pic>
+        <p:nvPicPr>
+          <p:cNvPr id="9" name="Picture 8">
+            <a:extLst>
+              <a:ext uri="{FF2B5EF4-FFF2-40B4-BE49-F238E27FC236}">
+                <a16:creationId xmlns:a16="http://schemas.microsoft.com/office/drawing/2014/main" id="{6EB172F6-80A3-64B0-B09E-DFE3BE7251FD}"/>
+              </a:ext>
+            </a:extLst>
+          </p:cNvPr>
+          <p:cNvPicPr>
+            <a:picLocks noChangeAspect="1"/>
+          </p:cNvPicPr>
+          <p:nvPr/>
+        </p:nvPicPr>
+        <p:blipFill>
+          <a:blip r:embed="rId3"/>
+          <a:stretch>
+            <a:fillRect/>
+          </a:stretch>
+        </p:blipFill>
+        <p:spPr>
+          <a:xfrm>
+            <a:off x="6897758" y="4922393"/>
+            <a:ext cx="1838738" cy="1792769"/>
+          </a:xfrm>
+          <a:prstGeom prst="rect">
+            <a:avLst/>
+          </a:prstGeom>
+        </p:spPr>
+      </p:pic>
+    </p:spTree>
+    <p:extLst>
+      <p:ext uri="{BB962C8B-B14F-4D97-AF65-F5344CB8AC3E}">
+        <p14:creationId xmlns:p14="http://schemas.microsoft.com/office/powerpoint/2010/main" val="1863099226"/>
+      </p:ext>
+    </p:extLst>
+  </p:cSld>
+  <p:clrMapOvr>
+    <a:masterClrMapping/>
+  </p:clrMapOvr>
+</p:sld>
+</file>
+
+<file path=ppt/slides/slide13.xml><?xml version="1.0" encoding="utf-8"?>
+<p:sld xmlns:a="http://schemas.openxmlformats.org/drawingml/2006/main" xmlns:r="http://schemas.openxmlformats.org/officeDocument/2006/relationships" xmlns:p="http://schemas.openxmlformats.org/presentationml/2006/main">
+  <p:cSld>
+    <p:spTree>
+      <p:nvGrpSpPr>
+        <p:cNvPr id="1" name=""/>
+        <p:cNvGrpSpPr/>
+        <p:nvPr/>
+      </p:nvGrpSpPr>
+      <p:grpSpPr>
+        <a:xfrm>
+          <a:off x="0" y="0"/>
+          <a:ext cx="0" cy="0"/>
+          <a:chOff x="0" y="0"/>
+          <a:chExt cx="0" cy="0"/>
+        </a:xfrm>
+      </p:grpSpPr>
+      <p:pic>
+        <p:nvPicPr>
+          <p:cNvPr id="4" name="Picture 2">
+            <a:extLst>
+              <a:ext uri="{FF2B5EF4-FFF2-40B4-BE49-F238E27FC236}">
+                <a16:creationId xmlns:a16="http://schemas.microsoft.com/office/drawing/2014/main" id="{F86A84D0-F49A-4A1E-1A3F-67464BAC504A}"/>
+              </a:ext>
+            </a:extLst>
+          </p:cNvPr>
+          <p:cNvPicPr>
+            <a:picLocks noChangeAspect="1" noChangeArrowheads="1"/>
+          </p:cNvPicPr>
+          <p:nvPr/>
+        </p:nvPicPr>
+        <p:blipFill>
+          <a:blip r:embed="rId2">
+            <a:extLst>
+              <a:ext uri="{28A0092B-C50C-407E-A947-70E740481C1C}">
+                <a14:useLocalDpi xmlns:a14="http://schemas.microsoft.com/office/drawing/2010/main" val="0"/>
+              </a:ext>
+            </a:extLst>
+          </a:blip>
+          <a:srcRect/>
+          <a:stretch>
+            <a:fillRect/>
+          </a:stretch>
+        </p:blipFill>
+        <p:spPr bwMode="auto">
+          <a:xfrm>
+            <a:off x="2648967" y="346661"/>
+            <a:ext cx="3221083" cy="2378646"/>
+          </a:xfrm>
+          <a:prstGeom prst="rect">
+            <a:avLst/>
+          </a:prstGeom>
+          <a:noFill/>
+          <a:extLst>
+            <a:ext uri="{909E8E84-426E-40DD-AFC4-6F175D3DCCD1}">
+              <a14:hiddenFill xmlns:a14="http://schemas.microsoft.com/office/drawing/2010/main">
+                <a:solidFill>
+                  <a:srgbClr val="FFFFFF"/>
+                </a:solidFill>
+              </a14:hiddenFill>
+            </a:ext>
+          </a:extLst>
+        </p:spPr>
+      </p:pic>
+      <p:sp>
+        <p:nvSpPr>
+          <p:cNvPr id="5" name="TextBox 4">
+            <a:extLst>
+              <a:ext uri="{FF2B5EF4-FFF2-40B4-BE49-F238E27FC236}">
+                <a16:creationId xmlns:a16="http://schemas.microsoft.com/office/drawing/2014/main" id="{C4ED3190-DD46-5CD0-0755-11B48E9D58FE}"/>
+              </a:ext>
+            </a:extLst>
+          </p:cNvPr>
+          <p:cNvSpPr txBox="1"/>
+          <p:nvPr/>
+        </p:nvSpPr>
+        <p:spPr>
+          <a:xfrm>
+            <a:off x="2441714" y="2714784"/>
+            <a:ext cx="3162300" cy="369332"/>
+          </a:xfrm>
+          <a:prstGeom prst="rect">
+            <a:avLst/>
+          </a:prstGeom>
+          <a:noFill/>
+        </p:spPr>
+        <p:txBody>
+          <a:bodyPr wrap="square">
+            <a:spAutoFit/>
+          </a:bodyPr>
+          <a:lstStyle/>
+          <a:p>
+            <a:pPr algn="ctr"/>
+            <a:r>
+              <a:rPr lang="en-US" dirty="0"/>
+              <a:t>https://</a:t>
+            </a:r>
+            <a:r>
+              <a:rPr lang="en-US" dirty="0" err="1"/>
+              <a:t>www.codesavvy.org</a:t>
+            </a:r>
+            <a:r>
+              <a:rPr lang="en-US" dirty="0"/>
+              <a:t>/</a:t>
+            </a:r>
+          </a:p>
+        </p:txBody>
+      </p:sp>
+      <p:pic>
+        <p:nvPicPr>
+          <p:cNvPr id="6" name="Picture 5">
+            <a:extLst>
+              <a:ext uri="{FF2B5EF4-FFF2-40B4-BE49-F238E27FC236}">
+                <a16:creationId xmlns:a16="http://schemas.microsoft.com/office/drawing/2014/main" id="{B0B5B889-8242-4DCC-56AA-A60247BF8913}"/>
+              </a:ext>
+            </a:extLst>
+          </p:cNvPr>
+          <p:cNvPicPr>
+            <a:picLocks noChangeAspect="1"/>
+          </p:cNvPicPr>
+          <p:nvPr/>
+        </p:nvPicPr>
+        <p:blipFill>
+          <a:blip r:embed="rId3"/>
+          <a:stretch>
+            <a:fillRect/>
+          </a:stretch>
+        </p:blipFill>
+        <p:spPr>
+          <a:xfrm>
+            <a:off x="6077303" y="1104087"/>
+            <a:ext cx="1659890" cy="1593934"/>
+          </a:xfrm>
+          <a:prstGeom prst="rect">
+            <a:avLst/>
+          </a:prstGeom>
+        </p:spPr>
+      </p:pic>
+      <p:pic>
+        <p:nvPicPr>
+          <p:cNvPr id="7" name="Picture 6" descr="A picture containing text, microphone&#10;&#10;Description automatically generated">
+            <a:extLst>
+              <a:ext uri="{FF2B5EF4-FFF2-40B4-BE49-F238E27FC236}">
+                <a16:creationId xmlns:a16="http://schemas.microsoft.com/office/drawing/2014/main" id="{23D63226-A0E9-EDEC-4BAE-7DF6754341A9}"/>
+              </a:ext>
+            </a:extLst>
+          </p:cNvPr>
+          <p:cNvPicPr>
+            <a:picLocks noChangeAspect="1"/>
+          </p:cNvPicPr>
+          <p:nvPr/>
+        </p:nvPicPr>
+        <p:blipFill rotWithShape="1">
+          <a:blip r:embed="rId4"/>
+          <a:srcRect t="3428" b="8173"/>
+          <a:stretch/>
+        </p:blipFill>
+        <p:spPr>
+          <a:xfrm>
+            <a:off x="6243762" y="4464817"/>
+            <a:ext cx="1851654" cy="1624444"/>
+          </a:xfrm>
+          <a:prstGeom prst="rect">
+            <a:avLst/>
+          </a:prstGeom>
+        </p:spPr>
+      </p:pic>
+      <p:pic>
+        <p:nvPicPr>
+          <p:cNvPr id="8" name="Picture 7" descr="Text&#10;&#10;Description automatically generated with medium confidence">
+            <a:extLst>
+              <a:ext uri="{FF2B5EF4-FFF2-40B4-BE49-F238E27FC236}">
+                <a16:creationId xmlns:a16="http://schemas.microsoft.com/office/drawing/2014/main" id="{61241F98-119E-C4B1-E25D-FCC4FCB3E033}"/>
+              </a:ext>
+            </a:extLst>
+          </p:cNvPr>
+          <p:cNvPicPr>
+            <a:picLocks noChangeAspect="1"/>
+          </p:cNvPicPr>
+          <p:nvPr/>
+        </p:nvPicPr>
+        <p:blipFill rotWithShape="1">
+          <a:blip r:embed="rId5"/>
+          <a:srcRect b="20120"/>
+          <a:stretch/>
+        </p:blipFill>
+        <p:spPr>
+          <a:xfrm>
+            <a:off x="1329936" y="4277631"/>
+            <a:ext cx="2006300" cy="1896431"/>
+          </a:xfrm>
+          <a:prstGeom prst="rect">
+            <a:avLst/>
+          </a:prstGeom>
+        </p:spPr>
+      </p:pic>
+      <p:grpSp>
+        <p:nvGrpSpPr>
+          <p:cNvPr id="9" name="Group 8">
+            <a:extLst>
+              <a:ext uri="{FF2B5EF4-FFF2-40B4-BE49-F238E27FC236}">
+                <a16:creationId xmlns:a16="http://schemas.microsoft.com/office/drawing/2014/main" id="{55F76119-566D-F84A-414B-378C1DF4B7D9}"/>
+              </a:ext>
+            </a:extLst>
+          </p:cNvPr>
+          <p:cNvGrpSpPr/>
+          <p:nvPr/>
+        </p:nvGrpSpPr>
+        <p:grpSpPr>
+          <a:xfrm>
+            <a:off x="3692151" y="4522659"/>
+            <a:ext cx="2231571" cy="1508760"/>
+            <a:chOff x="1502229" y="6065519"/>
+            <a:chExt cx="3115491" cy="1630681"/>
+          </a:xfrm>
+        </p:grpSpPr>
+        <p:sp>
+          <p:nvSpPr>
+            <p:cNvPr id="10" name="Rectangle 9">
+              <a:extLst>
+                <a:ext uri="{FF2B5EF4-FFF2-40B4-BE49-F238E27FC236}">
+                  <a16:creationId xmlns:a16="http://schemas.microsoft.com/office/drawing/2014/main" id="{6C3B8095-40AE-B57C-107F-1DF153AB0039}"/>
+                </a:ext>
+              </a:extLst>
+            </p:cNvPr>
+            <p:cNvSpPr/>
+            <p:nvPr/>
+          </p:nvSpPr>
+          <p:spPr>
+            <a:xfrm>
+              <a:off x="1502229" y="6065519"/>
+              <a:ext cx="3115491" cy="1630681"/>
+            </a:xfrm>
+            <a:prstGeom prst="rect">
+              <a:avLst/>
+            </a:prstGeom>
+            <a:solidFill>
+              <a:schemeClr val="bg1">
+                <a:lumMod val="75000"/>
+              </a:schemeClr>
+            </a:solidFill>
+          </p:spPr>
+          <p:style>
+            <a:lnRef idx="2">
+              <a:schemeClr val="accent1">
+                <a:shade val="50000"/>
+              </a:schemeClr>
+            </a:lnRef>
+            <a:fillRef idx="1">
+              <a:schemeClr val="accent1"/>
+            </a:fillRef>
+            <a:effectRef idx="0">
+              <a:schemeClr val="accent1"/>
+            </a:effectRef>
+            <a:fontRef idx="minor">
+              <a:schemeClr val="lt1"/>
+            </a:fontRef>
+          </p:style>
+          <p:txBody>
+            <a:bodyPr rtlCol="0" anchor="ctr"/>
+            <a:lstStyle/>
+            <a:p>
+              <a:pPr algn="ctr"/>
+              <a:endParaRPr lang="en-US"/>
+            </a:p>
+          </p:txBody>
+        </p:sp>
+        <p:pic>
+          <p:nvPicPr>
+            <p:cNvPr id="11" name="Picture 4" descr="technovation minnesota logo">
+              <a:extLst>
+                <a:ext uri="{FF2B5EF4-FFF2-40B4-BE49-F238E27FC236}">
+                  <a16:creationId xmlns:a16="http://schemas.microsoft.com/office/drawing/2014/main" id="{CF787488-6FD1-FB21-4CFF-BE0C23CD1352}"/>
+                </a:ext>
+              </a:extLst>
+            </p:cNvPr>
+            <p:cNvPicPr>
+              <a:picLocks noChangeAspect="1" noChangeArrowheads="1"/>
+            </p:cNvPicPr>
+            <p:nvPr/>
+          </p:nvPicPr>
+          <p:blipFill>
+            <a:blip r:embed="rId6">
+              <a:extLst>
+                <a:ext uri="{28A0092B-C50C-407E-A947-70E740481C1C}">
+                  <a14:useLocalDpi xmlns:a14="http://schemas.microsoft.com/office/drawing/2010/main" val="0"/>
+                </a:ext>
+              </a:extLst>
+            </a:blip>
+            <a:srcRect/>
+            <a:stretch>
+              <a:fillRect/>
+            </a:stretch>
+          </p:blipFill>
+          <p:spPr bwMode="auto">
+            <a:xfrm>
+              <a:off x="1708877" y="6297868"/>
+              <a:ext cx="2710723" cy="1171183"/>
+            </a:xfrm>
+            <a:prstGeom prst="rect">
+              <a:avLst/>
+            </a:prstGeom>
+            <a:noFill/>
+            <a:extLst>
+              <a:ext uri="{909E8E84-426E-40DD-AFC4-6F175D3DCCD1}">
+                <a14:hiddenFill xmlns:a14="http://schemas.microsoft.com/office/drawing/2010/main">
+                  <a:solidFill>
+                    <a:srgbClr val="FFFFFF"/>
+                  </a:solidFill>
+                </a14:hiddenFill>
+              </a:ext>
+            </a:extLst>
+          </p:spPr>
+        </p:pic>
+      </p:grpSp>
+      <p:sp>
+        <p:nvSpPr>
+          <p:cNvPr id="15" name="Subtitle 2">
+            <a:extLst>
+              <a:ext uri="{FF2B5EF4-FFF2-40B4-BE49-F238E27FC236}">
+                <a16:creationId xmlns:a16="http://schemas.microsoft.com/office/drawing/2014/main" id="{FE62CCF7-5718-B056-EF7F-8E660B732247}"/>
+              </a:ext>
+            </a:extLst>
+          </p:cNvPr>
+          <p:cNvSpPr txBox="1">
+            <a:spLocks/>
+          </p:cNvSpPr>
+          <p:nvPr/>
+        </p:nvSpPr>
+        <p:spPr>
+          <a:xfrm>
+            <a:off x="5029200" y="6896252"/>
+            <a:ext cx="1844040" cy="1180948"/>
+          </a:xfrm>
+          <a:prstGeom prst="rect">
+            <a:avLst/>
+          </a:prstGeom>
+        </p:spPr>
+        <p:txBody>
+          <a:bodyPr vert="horz" lIns="91440" tIns="45720" rIns="91440" bIns="45720" rtlCol="0">
+            <a:noAutofit/>
+          </a:bodyPr>
+          <a:lstStyle>
+            <a:lvl1pPr marL="0" indent="0" algn="ctr" defTabSz="777240" rtl="0" eaLnBrk="1" latinLnBrk="0" hangingPunct="1">
+              <a:lnSpc>
+                <a:spcPct val="90000"/>
+              </a:lnSpc>
+              <a:spcBef>
+                <a:spcPts val="850"/>
+              </a:spcBef>
+              <a:buFont typeface="Arial" panose="020B0604020202020204" pitchFamily="34" charset="0"/>
+              <a:buNone/>
+              <a:defRPr sz="2040" kern="1200">
+                <a:solidFill>
+                  <a:schemeClr val="tx1"/>
+                </a:solidFill>
+                <a:latin typeface="+mn-lt"/>
+                <a:ea typeface="+mn-ea"/>
+                <a:cs typeface="+mn-cs"/>
+              </a:defRPr>
+            </a:lvl1pPr>
+            <a:lvl2pPr marL="388620" indent="0" algn="ctr" defTabSz="777240" rtl="0" eaLnBrk="1" latinLnBrk="0" hangingPunct="1">
+              <a:lnSpc>
+                <a:spcPct val="90000"/>
+              </a:lnSpc>
+              <a:spcBef>
+                <a:spcPts val="425"/>
+              </a:spcBef>
+              <a:buFont typeface="Arial" panose="020B0604020202020204" pitchFamily="34" charset="0"/>
+              <a:buNone/>
+              <a:defRPr sz="1700" kern="1200">
+                <a:solidFill>
+                  <a:schemeClr val="tx1"/>
+                </a:solidFill>
+                <a:latin typeface="+mn-lt"/>
+                <a:ea typeface="+mn-ea"/>
+                <a:cs typeface="+mn-cs"/>
+              </a:defRPr>
+            </a:lvl2pPr>
+            <a:lvl3pPr marL="777240" indent="0" algn="ctr" defTabSz="777240" rtl="0" eaLnBrk="1" latinLnBrk="0" hangingPunct="1">
+              <a:lnSpc>
+                <a:spcPct val="90000"/>
+              </a:lnSpc>
+              <a:spcBef>
+                <a:spcPts val="425"/>
+              </a:spcBef>
+              <a:buFont typeface="Arial" panose="020B0604020202020204" pitchFamily="34" charset="0"/>
+              <a:buNone/>
+              <a:defRPr sz="1530" kern="1200">
+                <a:solidFill>
+                  <a:schemeClr val="tx1"/>
+                </a:solidFill>
+                <a:latin typeface="+mn-lt"/>
+                <a:ea typeface="+mn-ea"/>
+                <a:cs typeface="+mn-cs"/>
+              </a:defRPr>
+            </a:lvl3pPr>
+            <a:lvl4pPr marL="1165860" indent="0" algn="ctr" defTabSz="777240" rtl="0" eaLnBrk="1" latinLnBrk="0" hangingPunct="1">
+              <a:lnSpc>
+                <a:spcPct val="90000"/>
+              </a:lnSpc>
+              <a:spcBef>
+                <a:spcPts val="425"/>
+              </a:spcBef>
+              <a:buFont typeface="Arial" panose="020B0604020202020204" pitchFamily="34" charset="0"/>
+              <a:buNone/>
+              <a:defRPr sz="1360" kern="1200">
+                <a:solidFill>
+                  <a:schemeClr val="tx1"/>
+                </a:solidFill>
+                <a:latin typeface="+mn-lt"/>
+                <a:ea typeface="+mn-ea"/>
+                <a:cs typeface="+mn-cs"/>
+              </a:defRPr>
+            </a:lvl4pPr>
+            <a:lvl5pPr marL="1554480" indent="0" algn="ctr" defTabSz="777240" rtl="0" eaLnBrk="1" latinLnBrk="0" hangingPunct="1">
+              <a:lnSpc>
+                <a:spcPct val="90000"/>
+              </a:lnSpc>
+              <a:spcBef>
+                <a:spcPts val="425"/>
+              </a:spcBef>
+              <a:buFont typeface="Arial" panose="020B0604020202020204" pitchFamily="34" charset="0"/>
+              <a:buNone/>
+              <a:defRPr sz="1360" kern="1200">
+                <a:solidFill>
+                  <a:schemeClr val="tx1"/>
+                </a:solidFill>
+                <a:latin typeface="+mn-lt"/>
+                <a:ea typeface="+mn-ea"/>
+                <a:cs typeface="+mn-cs"/>
+              </a:defRPr>
+            </a:lvl5pPr>
+            <a:lvl6pPr marL="1943100" indent="0" algn="ctr" defTabSz="777240" rtl="0" eaLnBrk="1" latinLnBrk="0" hangingPunct="1">
+              <a:lnSpc>
+                <a:spcPct val="90000"/>
+              </a:lnSpc>
+              <a:spcBef>
+                <a:spcPts val="425"/>
+              </a:spcBef>
+              <a:buFont typeface="Arial" panose="020B0604020202020204" pitchFamily="34" charset="0"/>
+              <a:buNone/>
+              <a:defRPr sz="1360" kern="1200">
+                <a:solidFill>
+                  <a:schemeClr val="tx1"/>
+                </a:solidFill>
+                <a:latin typeface="+mn-lt"/>
+                <a:ea typeface="+mn-ea"/>
+                <a:cs typeface="+mn-cs"/>
+              </a:defRPr>
+            </a:lvl6pPr>
+            <a:lvl7pPr marL="2331720" indent="0" algn="ctr" defTabSz="777240" rtl="0" eaLnBrk="1" latinLnBrk="0" hangingPunct="1">
+              <a:lnSpc>
+                <a:spcPct val="90000"/>
+              </a:lnSpc>
+              <a:spcBef>
+                <a:spcPts val="425"/>
+              </a:spcBef>
+              <a:buFont typeface="Arial" panose="020B0604020202020204" pitchFamily="34" charset="0"/>
+              <a:buNone/>
+              <a:defRPr sz="1360" kern="1200">
+                <a:solidFill>
+                  <a:schemeClr val="tx1"/>
+                </a:solidFill>
+                <a:latin typeface="+mn-lt"/>
+                <a:ea typeface="+mn-ea"/>
+                <a:cs typeface="+mn-cs"/>
+              </a:defRPr>
+            </a:lvl7pPr>
+            <a:lvl8pPr marL="2720340" indent="0" algn="ctr" defTabSz="777240" rtl="0" eaLnBrk="1" latinLnBrk="0" hangingPunct="1">
+              <a:lnSpc>
+                <a:spcPct val="90000"/>
+              </a:lnSpc>
+              <a:spcBef>
+                <a:spcPts val="425"/>
+              </a:spcBef>
+              <a:buFont typeface="Arial" panose="020B0604020202020204" pitchFamily="34" charset="0"/>
+              <a:buNone/>
+              <a:defRPr sz="1360" kern="1200">
+                <a:solidFill>
+                  <a:schemeClr val="tx1"/>
+                </a:solidFill>
+                <a:latin typeface="+mn-lt"/>
+                <a:ea typeface="+mn-ea"/>
+                <a:cs typeface="+mn-cs"/>
+              </a:defRPr>
+            </a:lvl8pPr>
+            <a:lvl9pPr marL="3108960" indent="0" algn="ctr" defTabSz="777240" rtl="0" eaLnBrk="1" latinLnBrk="0" hangingPunct="1">
+              <a:lnSpc>
+                <a:spcPct val="90000"/>
+              </a:lnSpc>
+              <a:spcBef>
+                <a:spcPts val="425"/>
+              </a:spcBef>
+              <a:buFont typeface="Arial" panose="020B0604020202020204" pitchFamily="34" charset="0"/>
+              <a:buNone/>
+              <a:defRPr sz="1360" kern="1200">
+                <a:solidFill>
+                  <a:schemeClr val="tx1"/>
+                </a:solidFill>
+                <a:latin typeface="+mn-lt"/>
+                <a:ea typeface="+mn-ea"/>
+                <a:cs typeface="+mn-cs"/>
+              </a:defRPr>
+            </a:lvl9pPr>
+          </a:lstStyle>
+          <a:p>
+            <a:r>
+              <a:rPr lang="en-US" sz="3600" b="1" dirty="0"/>
+              <a:t>Coding</a:t>
+            </a:r>
+            <a:br>
+              <a:rPr lang="en-US" sz="3600" b="1" dirty="0"/>
+            </a:br>
+            <a:r>
+              <a:rPr lang="en-US" sz="3600" b="1" dirty="0"/>
+              <a:t>Clubs</a:t>
+            </a:r>
+          </a:p>
+        </p:txBody>
+      </p:sp>
+      <p:sp>
+        <p:nvSpPr>
+          <p:cNvPr id="16" name="TextBox 15">
+            <a:extLst>
+              <a:ext uri="{FF2B5EF4-FFF2-40B4-BE49-F238E27FC236}">
+                <a16:creationId xmlns:a16="http://schemas.microsoft.com/office/drawing/2014/main" id="{D37A52B2-42FB-FC85-77E9-38005E86263E}"/>
+              </a:ext>
+            </a:extLst>
+          </p:cNvPr>
+          <p:cNvSpPr txBox="1"/>
+          <p:nvPr/>
+        </p:nvSpPr>
+        <p:spPr>
+          <a:xfrm>
+            <a:off x="1083528" y="3505012"/>
+            <a:ext cx="7300268" cy="369332"/>
+          </a:xfrm>
+          <a:prstGeom prst="rect">
+            <a:avLst/>
+          </a:prstGeom>
+          <a:noFill/>
+        </p:spPr>
+        <p:txBody>
+          <a:bodyPr wrap="none" rtlCol="0">
+            <a:spAutoFit/>
+          </a:bodyPr>
+          <a:lstStyle/>
+          <a:p>
+            <a:r>
+              <a:rPr lang="en-US" dirty="0"/>
+              <a:t>Code Savvy Explorer Clubs (Coder Dojo Twin Cities and Rebecca Coder Dojo)</a:t>
+            </a:r>
+          </a:p>
+        </p:txBody>
+      </p:sp>
+    </p:spTree>
+    <p:extLst>
+      <p:ext uri="{BB962C8B-B14F-4D97-AF65-F5344CB8AC3E}">
+        <p14:creationId xmlns:p14="http://schemas.microsoft.com/office/powerpoint/2010/main" val="2299507739"/>
+      </p:ext>
+    </p:extLst>
+  </p:cSld>
+  <p:clrMapOvr>
+    <a:masterClrMapping/>
+  </p:clrMapOvr>
+</p:sld>
+</file>
+
 <file path=ppt/slides/slide2.xml><?xml version="1.0" encoding="utf-8"?>
 <p:sld xmlns:a="http://schemas.openxmlformats.org/drawingml/2006/main" xmlns:r="http://schemas.openxmlformats.org/officeDocument/2006/relationships" xmlns:p="http://schemas.openxmlformats.org/presentationml/2006/main">
   <p:cSld>
@@ -5774,7 +9448,7 @@
         <p:spPr>
           <a:xfrm>
             <a:off x="1933721" y="5316773"/>
-            <a:ext cx="1431802" cy="646331"/>
+            <a:ext cx="1431802" cy="923330"/>
           </a:xfrm>
           <a:prstGeom prst="rect">
             <a:avLst/>
@@ -5798,6 +9472,13 @@
             <a:r>
               <a:rPr lang="en-US" b="1" dirty="0"/>
               <a:t>PWM Signals</a:t>
+            </a:r>
+          </a:p>
+          <a:p>
+            <a:pPr algn="ctr"/>
+            <a:r>
+              <a:rPr lang="en-US" b="1" dirty="0"/>
+              <a:t>1 milliamp</a:t>
             </a:r>
           </a:p>
         </p:txBody>
@@ -6214,8 +9895,8 @@
         </p:nvSpPr>
         <p:spPr>
           <a:xfrm>
-            <a:off x="6485657" y="4917640"/>
-            <a:ext cx="794256" cy="646331"/>
+            <a:off x="6124984" y="4917640"/>
+            <a:ext cx="1515608" cy="923330"/>
           </a:xfrm>
           <a:prstGeom prst="rect">
             <a:avLst/>
@@ -6239,6 +9920,13 @@
             <a:r>
               <a:rPr lang="en-US" b="1" dirty="0"/>
               <a:t>Power</a:t>
+            </a:r>
+          </a:p>
+          <a:p>
+            <a:pPr algn="ctr"/>
+            <a:r>
+              <a:rPr lang="en-US" b="1" dirty="0"/>
+              <a:t>100 milliamps</a:t>
             </a:r>
           </a:p>
         </p:txBody>
@@ -6315,7 +10003,7 @@
         </p:nvSpPr>
         <p:spPr>
           <a:xfrm>
-            <a:off x="3292534" y="1960911"/>
+            <a:off x="3401864" y="2108048"/>
             <a:ext cx="1666839" cy="2641904"/>
           </a:xfrm>
           <a:prstGeom prst="rect">
@@ -6371,7 +10059,7 @@
         </p:nvGrpSpPr>
         <p:grpSpPr>
           <a:xfrm>
-            <a:off x="4959373" y="2203783"/>
+            <a:off x="5068703" y="2350920"/>
             <a:ext cx="780575" cy="128795"/>
             <a:chOff x="2228310" y="3878470"/>
             <a:chExt cx="780575" cy="128795"/>
@@ -6769,7 +10457,7 @@
         </p:nvSpPr>
         <p:spPr>
           <a:xfrm>
-            <a:off x="5271602" y="1590881"/>
+            <a:off x="5476232" y="1672975"/>
             <a:ext cx="1629933" cy="369332"/>
           </a:xfrm>
           <a:prstGeom prst="rect">
@@ -6804,7 +10492,7 @@
         </p:nvGrpSpPr>
         <p:grpSpPr>
           <a:xfrm>
-            <a:off x="4959373" y="2571859"/>
+            <a:off x="5068703" y="2718996"/>
             <a:ext cx="780575" cy="128795"/>
             <a:chOff x="2228310" y="3878470"/>
             <a:chExt cx="780575" cy="128795"/>
@@ -7202,7 +10890,7 @@
         </p:nvGrpSpPr>
         <p:grpSpPr>
           <a:xfrm>
-            <a:off x="4976615" y="2938139"/>
+            <a:off x="5085945" y="3085276"/>
             <a:ext cx="780575" cy="128795"/>
             <a:chOff x="2228310" y="3878470"/>
             <a:chExt cx="780575" cy="128795"/>
@@ -7600,7 +11288,7 @@
         </p:nvSpPr>
         <p:spPr>
           <a:xfrm>
-            <a:off x="3589775" y="2948175"/>
+            <a:off x="3699105" y="3095312"/>
             <a:ext cx="1017142" cy="550065"/>
           </a:xfrm>
           <a:prstGeom prst="rect">
@@ -7658,7 +11346,7 @@
         </p:nvSpPr>
         <p:spPr>
           <a:xfrm>
-            <a:off x="3570787" y="3775495"/>
+            <a:off x="3680117" y="3922632"/>
             <a:ext cx="1017142" cy="550065"/>
           </a:xfrm>
           <a:prstGeom prst="rect">
@@ -7727,8 +11415,8 @@
         </p:nvSpPr>
         <p:spPr>
           <a:xfrm>
-            <a:off x="1777548" y="1526833"/>
-            <a:ext cx="787395" cy="369332"/>
+            <a:off x="1486339" y="1625512"/>
+            <a:ext cx="1699889" cy="369332"/>
           </a:xfrm>
           <a:prstGeom prst="rect">
             <a:avLst/>
@@ -7743,7 +11431,7 @@
           <a:p>
             <a:r>
               <a:rPr lang="en-US" b="1" dirty="0"/>
-              <a:t>Inputs</a:t>
+              <a:t>Inputs (sensors)</a:t>
             </a:r>
           </a:p>
         </p:txBody>
@@ -7762,7 +11450,7 @@
         </p:nvGrpSpPr>
         <p:grpSpPr>
           <a:xfrm>
-            <a:off x="2511959" y="2139385"/>
+            <a:off x="2621289" y="2286522"/>
             <a:ext cx="780575" cy="128795"/>
             <a:chOff x="2228310" y="3878470"/>
             <a:chExt cx="780575" cy="128795"/>
@@ -8160,7 +11848,7 @@
         </p:nvGrpSpPr>
         <p:grpSpPr>
           <a:xfrm>
-            <a:off x="2495188" y="2509606"/>
+            <a:off x="2604518" y="2656743"/>
             <a:ext cx="780575" cy="128795"/>
             <a:chOff x="2228310" y="3878470"/>
             <a:chExt cx="780575" cy="128795"/>
@@ -8558,7 +12246,7 @@
         </p:nvGrpSpPr>
         <p:grpSpPr>
           <a:xfrm>
-            <a:off x="2494717" y="2881081"/>
+            <a:off x="2604047" y="3028218"/>
             <a:ext cx="780575" cy="128795"/>
             <a:chOff x="2228310" y="3878470"/>
             <a:chExt cx="780575" cy="128795"/>
@@ -8956,7 +12644,7 @@
         </p:nvGrpSpPr>
         <p:grpSpPr>
           <a:xfrm>
-            <a:off x="2462457" y="3813992"/>
+            <a:off x="2571787" y="3961129"/>
             <a:ext cx="804877" cy="148437"/>
             <a:chOff x="2487657" y="3144310"/>
             <a:chExt cx="804877" cy="148437"/>
@@ -9194,7 +12882,7 @@
         </p:nvGrpSpPr>
         <p:grpSpPr>
           <a:xfrm>
-            <a:off x="2452425" y="4202681"/>
+            <a:off x="2561755" y="4349818"/>
             <a:ext cx="804879" cy="154315"/>
             <a:chOff x="2477625" y="3532999"/>
             <a:chExt cx="804879" cy="154315"/>
@@ -9432,7 +13120,7 @@
         </p:nvSpPr>
         <p:spPr>
           <a:xfrm>
-            <a:off x="1371667" y="2387193"/>
+            <a:off x="1480997" y="2534330"/>
             <a:ext cx="799578" cy="369332"/>
           </a:xfrm>
           <a:prstGeom prst="rect">
@@ -9467,7 +13155,7 @@
         </p:nvSpPr>
         <p:spPr>
           <a:xfrm>
-            <a:off x="1321332" y="3888210"/>
+            <a:off x="1430662" y="4035347"/>
             <a:ext cx="849913" cy="369332"/>
           </a:xfrm>
           <a:prstGeom prst="rect">
@@ -9502,7 +13190,7 @@
         </p:nvGrpSpPr>
         <p:grpSpPr>
           <a:xfrm>
-            <a:off x="2469041" y="3277046"/>
+            <a:off x="2578371" y="3424183"/>
             <a:ext cx="780575" cy="128795"/>
             <a:chOff x="2228310" y="3878470"/>
             <a:chExt cx="780575" cy="128795"/>
@@ -9900,7 +13588,7 @@
         </p:nvGrpSpPr>
         <p:grpSpPr>
           <a:xfrm>
-            <a:off x="4977361" y="3260319"/>
+            <a:off x="5086691" y="3407456"/>
             <a:ext cx="780575" cy="128795"/>
             <a:chOff x="2228310" y="3878470"/>
             <a:chExt cx="780575" cy="128795"/>
@@ -10298,7 +13986,7 @@
         </p:nvGrpSpPr>
         <p:grpSpPr>
           <a:xfrm>
-            <a:off x="4977361" y="3628395"/>
+            <a:off x="5086691" y="3775532"/>
             <a:ext cx="780575" cy="128795"/>
             <a:chOff x="2228310" y="3878470"/>
             <a:chExt cx="780575" cy="128795"/>
@@ -10696,7 +14384,7 @@
         </p:nvGrpSpPr>
         <p:grpSpPr>
           <a:xfrm>
-            <a:off x="4994603" y="3994675"/>
+            <a:off x="5103933" y="4141812"/>
             <a:ext cx="780575" cy="128795"/>
             <a:chOff x="2228310" y="3878470"/>
             <a:chExt cx="780575" cy="128795"/>
@@ -11080,10 +14768,2460 @@
           </p:style>
         </p:cxnSp>
       </p:grpSp>
+      <p:sp>
+        <p:nvSpPr>
+          <p:cNvPr id="4" name="Rectangle 3">
+            <a:extLst>
+              <a:ext uri="{FF2B5EF4-FFF2-40B4-BE49-F238E27FC236}">
+                <a16:creationId xmlns:a16="http://schemas.microsoft.com/office/drawing/2014/main" id="{9A1381BB-68D7-BB5F-ACFE-D06292F2994B}"/>
+              </a:ext>
+            </a:extLst>
+          </p:cNvPr>
+          <p:cNvSpPr/>
+          <p:nvPr/>
+        </p:nvSpPr>
+        <p:spPr>
+          <a:xfrm>
+            <a:off x="6646091" y="2807545"/>
+            <a:ext cx="1195884" cy="916274"/>
+          </a:xfrm>
+          <a:prstGeom prst="rect">
+            <a:avLst/>
+          </a:prstGeom>
+          <a:solidFill>
+            <a:schemeClr val="bg1"/>
+          </a:solidFill>
+        </p:spPr>
+        <p:style>
+          <a:lnRef idx="2">
+            <a:schemeClr val="accent1">
+              <a:shade val="50000"/>
+            </a:schemeClr>
+          </a:lnRef>
+          <a:fillRef idx="1">
+            <a:schemeClr val="accent1"/>
+          </a:fillRef>
+          <a:effectRef idx="0">
+            <a:schemeClr val="accent1"/>
+          </a:effectRef>
+          <a:fontRef idx="minor">
+            <a:schemeClr val="lt1"/>
+          </a:fontRef>
+        </p:style>
+        <p:txBody>
+          <a:bodyPr rtlCol="0" anchor="ctr"/>
+          <a:lstStyle/>
+          <a:p>
+            <a:pPr algn="ctr"/>
+            <a:r>
+              <a:rPr lang="en-US" sz="1600" b="1" dirty="0">
+                <a:solidFill>
+                  <a:schemeClr val="tx1"/>
+                </a:solidFill>
+              </a:rPr>
+              <a:t>Motor</a:t>
+            </a:r>
+          </a:p>
+          <a:p>
+            <a:pPr algn="ctr"/>
+            <a:r>
+              <a:rPr lang="en-US" sz="1600" b="1" dirty="0">
+                <a:solidFill>
+                  <a:schemeClr val="tx1"/>
+                </a:solidFill>
+              </a:rPr>
+              <a:t>Controller</a:t>
+            </a:r>
+          </a:p>
+        </p:txBody>
+      </p:sp>
+      <p:sp>
+        <p:nvSpPr>
+          <p:cNvPr id="70" name="Rectangle 69">
+            <a:extLst>
+              <a:ext uri="{FF2B5EF4-FFF2-40B4-BE49-F238E27FC236}">
+                <a16:creationId xmlns:a16="http://schemas.microsoft.com/office/drawing/2014/main" id="{A0EA3793-DFA9-F988-8DA2-C1A8679408C6}"/>
+              </a:ext>
+            </a:extLst>
+          </p:cNvPr>
+          <p:cNvSpPr/>
+          <p:nvPr/>
+        </p:nvSpPr>
+        <p:spPr>
+          <a:xfrm>
+            <a:off x="6646091" y="2182055"/>
+            <a:ext cx="1195884" cy="536941"/>
+          </a:xfrm>
+          <a:prstGeom prst="rect">
+            <a:avLst/>
+          </a:prstGeom>
+          <a:solidFill>
+            <a:schemeClr val="bg1"/>
+          </a:solidFill>
+        </p:spPr>
+        <p:style>
+          <a:lnRef idx="2">
+            <a:schemeClr val="accent1">
+              <a:shade val="50000"/>
+            </a:schemeClr>
+          </a:lnRef>
+          <a:fillRef idx="1">
+            <a:schemeClr val="accent1"/>
+          </a:fillRef>
+          <a:effectRef idx="0">
+            <a:schemeClr val="accent1"/>
+          </a:effectRef>
+          <a:fontRef idx="minor">
+            <a:schemeClr val="lt1"/>
+          </a:fontRef>
+        </p:style>
+        <p:txBody>
+          <a:bodyPr rtlCol="0" anchor="ctr"/>
+          <a:lstStyle/>
+          <a:p>
+            <a:pPr algn="ctr"/>
+            <a:r>
+              <a:rPr lang="en-US" sz="1600" b="1" dirty="0">
+                <a:solidFill>
+                  <a:schemeClr val="tx1"/>
+                </a:solidFill>
+              </a:rPr>
+              <a:t>LEDs</a:t>
+            </a:r>
+          </a:p>
+        </p:txBody>
+      </p:sp>
+      <p:sp>
+        <p:nvSpPr>
+          <p:cNvPr id="118" name="Rectangle 117">
+            <a:extLst>
+              <a:ext uri="{FF2B5EF4-FFF2-40B4-BE49-F238E27FC236}">
+                <a16:creationId xmlns:a16="http://schemas.microsoft.com/office/drawing/2014/main" id="{809BF881-C540-2D4E-6F0B-8A71F294D144}"/>
+              </a:ext>
+            </a:extLst>
+          </p:cNvPr>
+          <p:cNvSpPr/>
+          <p:nvPr/>
+        </p:nvSpPr>
+        <p:spPr>
+          <a:xfrm>
+            <a:off x="6646091" y="4452879"/>
+            <a:ext cx="1195884" cy="536941"/>
+          </a:xfrm>
+          <a:prstGeom prst="rect">
+            <a:avLst/>
+          </a:prstGeom>
+          <a:solidFill>
+            <a:schemeClr val="bg1"/>
+          </a:solidFill>
+        </p:spPr>
+        <p:style>
+          <a:lnRef idx="2">
+            <a:schemeClr val="accent1">
+              <a:shade val="50000"/>
+            </a:schemeClr>
+          </a:lnRef>
+          <a:fillRef idx="1">
+            <a:schemeClr val="accent1"/>
+          </a:fillRef>
+          <a:effectRef idx="0">
+            <a:schemeClr val="accent1"/>
+          </a:effectRef>
+          <a:fontRef idx="minor">
+            <a:schemeClr val="lt1"/>
+          </a:fontRef>
+        </p:style>
+        <p:txBody>
+          <a:bodyPr rtlCol="0" anchor="ctr"/>
+          <a:lstStyle/>
+          <a:p>
+            <a:pPr algn="ctr"/>
+            <a:r>
+              <a:rPr lang="en-US" sz="1600" b="1" dirty="0">
+                <a:solidFill>
+                  <a:schemeClr val="tx1"/>
+                </a:solidFill>
+              </a:rPr>
+              <a:t>Display</a:t>
+            </a:r>
+          </a:p>
+        </p:txBody>
+      </p:sp>
+      <p:sp>
+        <p:nvSpPr>
+          <p:cNvPr id="119" name="Rectangle 118">
+            <a:extLst>
+              <a:ext uri="{FF2B5EF4-FFF2-40B4-BE49-F238E27FC236}">
+                <a16:creationId xmlns:a16="http://schemas.microsoft.com/office/drawing/2014/main" id="{67881CBF-98AD-05CD-370A-318DCA03366C}"/>
+              </a:ext>
+            </a:extLst>
+          </p:cNvPr>
+          <p:cNvSpPr/>
+          <p:nvPr/>
+        </p:nvSpPr>
+        <p:spPr>
+          <a:xfrm>
+            <a:off x="6646091" y="3775532"/>
+            <a:ext cx="1195884" cy="536941"/>
+          </a:xfrm>
+          <a:prstGeom prst="rect">
+            <a:avLst/>
+          </a:prstGeom>
+          <a:solidFill>
+            <a:schemeClr val="bg1"/>
+          </a:solidFill>
+        </p:spPr>
+        <p:style>
+          <a:lnRef idx="2">
+            <a:schemeClr val="accent1">
+              <a:shade val="50000"/>
+            </a:schemeClr>
+          </a:lnRef>
+          <a:fillRef idx="1">
+            <a:schemeClr val="accent1"/>
+          </a:fillRef>
+          <a:effectRef idx="0">
+            <a:schemeClr val="accent1"/>
+          </a:effectRef>
+          <a:fontRef idx="minor">
+            <a:schemeClr val="lt1"/>
+          </a:fontRef>
+        </p:style>
+        <p:txBody>
+          <a:bodyPr rtlCol="0" anchor="ctr"/>
+          <a:lstStyle/>
+          <a:p>
+            <a:pPr algn="ctr"/>
+            <a:r>
+              <a:rPr lang="en-US" sz="1600" b="1" dirty="0">
+                <a:solidFill>
+                  <a:schemeClr val="tx1"/>
+                </a:solidFill>
+              </a:rPr>
+              <a:t>Speaker</a:t>
+            </a:r>
+          </a:p>
+        </p:txBody>
+      </p:sp>
+      <p:grpSp>
+        <p:nvGrpSpPr>
+          <p:cNvPr id="120" name="Group 119">
+            <a:extLst>
+              <a:ext uri="{FF2B5EF4-FFF2-40B4-BE49-F238E27FC236}">
+                <a16:creationId xmlns:a16="http://schemas.microsoft.com/office/drawing/2014/main" id="{89505040-5AAD-2D11-0826-E14031075E46}"/>
+              </a:ext>
+            </a:extLst>
+          </p:cNvPr>
+          <p:cNvGrpSpPr/>
+          <p:nvPr/>
+        </p:nvGrpSpPr>
+        <p:grpSpPr>
+          <a:xfrm>
+            <a:off x="5085945" y="4489960"/>
+            <a:ext cx="780575" cy="128795"/>
+            <a:chOff x="2228310" y="3878470"/>
+            <a:chExt cx="780575" cy="128795"/>
+          </a:xfrm>
+        </p:grpSpPr>
+        <p:cxnSp>
+          <p:nvCxnSpPr>
+            <p:cNvPr id="121" name="Straight Connector 120">
+              <a:extLst>
+                <a:ext uri="{FF2B5EF4-FFF2-40B4-BE49-F238E27FC236}">
+                  <a16:creationId xmlns:a16="http://schemas.microsoft.com/office/drawing/2014/main" id="{8F75EBD7-B712-CAA0-B10A-A9D9136E09A9}"/>
+                </a:ext>
+              </a:extLst>
+            </p:cNvPr>
+            <p:cNvCxnSpPr/>
+            <p:nvPr/>
+          </p:nvCxnSpPr>
+          <p:spPr>
+            <a:xfrm>
+              <a:off x="2228310" y="4005470"/>
+              <a:ext cx="156115" cy="0"/>
+            </a:xfrm>
+            <a:prstGeom prst="line">
+              <a:avLst/>
+            </a:prstGeom>
+            <a:ln w="12700">
+              <a:solidFill>
+                <a:schemeClr val="tx1"/>
+              </a:solidFill>
+            </a:ln>
+          </p:spPr>
+          <p:style>
+            <a:lnRef idx="1">
+              <a:schemeClr val="accent1"/>
+            </a:lnRef>
+            <a:fillRef idx="0">
+              <a:schemeClr val="accent1"/>
+            </a:fillRef>
+            <a:effectRef idx="0">
+              <a:schemeClr val="accent1"/>
+            </a:effectRef>
+            <a:fontRef idx="minor">
+              <a:schemeClr val="tx1"/>
+            </a:fontRef>
+          </p:style>
+        </p:cxnSp>
+        <p:cxnSp>
+          <p:nvCxnSpPr>
+            <p:cNvPr id="122" name="Straight Connector 121">
+              <a:extLst>
+                <a:ext uri="{FF2B5EF4-FFF2-40B4-BE49-F238E27FC236}">
+                  <a16:creationId xmlns:a16="http://schemas.microsoft.com/office/drawing/2014/main" id="{F494EF03-ADFA-04AC-EE4A-5DD975FFDFB6}"/>
+                </a:ext>
+              </a:extLst>
+            </p:cNvPr>
+            <p:cNvCxnSpPr/>
+            <p:nvPr/>
+          </p:nvCxnSpPr>
+          <p:spPr>
+            <a:xfrm>
+              <a:off x="2384425" y="3878470"/>
+              <a:ext cx="156115" cy="0"/>
+            </a:xfrm>
+            <a:prstGeom prst="line">
+              <a:avLst/>
+            </a:prstGeom>
+            <a:ln w="12700">
+              <a:solidFill>
+                <a:schemeClr val="tx1"/>
+              </a:solidFill>
+            </a:ln>
+          </p:spPr>
+          <p:style>
+            <a:lnRef idx="1">
+              <a:schemeClr val="accent1"/>
+            </a:lnRef>
+            <a:fillRef idx="0">
+              <a:schemeClr val="accent1"/>
+            </a:fillRef>
+            <a:effectRef idx="0">
+              <a:schemeClr val="accent1"/>
+            </a:effectRef>
+            <a:fontRef idx="minor">
+              <a:schemeClr val="tx1"/>
+            </a:fontRef>
+          </p:style>
+        </p:cxnSp>
+        <p:cxnSp>
+          <p:nvCxnSpPr>
+            <p:cNvPr id="123" name="Straight Connector 122">
+              <a:extLst>
+                <a:ext uri="{FF2B5EF4-FFF2-40B4-BE49-F238E27FC236}">
+                  <a16:creationId xmlns:a16="http://schemas.microsoft.com/office/drawing/2014/main" id="{774335BA-0B49-59A8-2092-E2A4B7ACC35C}"/>
+                </a:ext>
+              </a:extLst>
+            </p:cNvPr>
+            <p:cNvCxnSpPr/>
+            <p:nvPr/>
+          </p:nvCxnSpPr>
+          <p:spPr>
+            <a:xfrm>
+              <a:off x="2540540" y="4005470"/>
+              <a:ext cx="156115" cy="0"/>
+            </a:xfrm>
+            <a:prstGeom prst="line">
+              <a:avLst/>
+            </a:prstGeom>
+            <a:ln w="12700">
+              <a:solidFill>
+                <a:schemeClr val="tx1"/>
+              </a:solidFill>
+            </a:ln>
+          </p:spPr>
+          <p:style>
+            <a:lnRef idx="1">
+              <a:schemeClr val="accent1"/>
+            </a:lnRef>
+            <a:fillRef idx="0">
+              <a:schemeClr val="accent1"/>
+            </a:fillRef>
+            <a:effectRef idx="0">
+              <a:schemeClr val="accent1"/>
+            </a:effectRef>
+            <a:fontRef idx="minor">
+              <a:schemeClr val="tx1"/>
+            </a:fontRef>
+          </p:style>
+        </p:cxnSp>
+        <p:cxnSp>
+          <p:nvCxnSpPr>
+            <p:cNvPr id="124" name="Straight Connector 123">
+              <a:extLst>
+                <a:ext uri="{FF2B5EF4-FFF2-40B4-BE49-F238E27FC236}">
+                  <a16:creationId xmlns:a16="http://schemas.microsoft.com/office/drawing/2014/main" id="{3018C37C-5674-D434-1C22-B490FB01FCEF}"/>
+                </a:ext>
+              </a:extLst>
+            </p:cNvPr>
+            <p:cNvCxnSpPr/>
+            <p:nvPr/>
+          </p:nvCxnSpPr>
+          <p:spPr>
+            <a:xfrm>
+              <a:off x="2696655" y="3878470"/>
+              <a:ext cx="156115" cy="0"/>
+            </a:xfrm>
+            <a:prstGeom prst="line">
+              <a:avLst/>
+            </a:prstGeom>
+            <a:ln w="12700">
+              <a:solidFill>
+                <a:schemeClr val="tx1"/>
+              </a:solidFill>
+            </a:ln>
+          </p:spPr>
+          <p:style>
+            <a:lnRef idx="1">
+              <a:schemeClr val="accent1"/>
+            </a:lnRef>
+            <a:fillRef idx="0">
+              <a:schemeClr val="accent1"/>
+            </a:fillRef>
+            <a:effectRef idx="0">
+              <a:schemeClr val="accent1"/>
+            </a:effectRef>
+            <a:fontRef idx="minor">
+              <a:schemeClr val="tx1"/>
+            </a:fontRef>
+          </p:style>
+        </p:cxnSp>
+        <p:cxnSp>
+          <p:nvCxnSpPr>
+            <p:cNvPr id="125" name="Straight Connector 124">
+              <a:extLst>
+                <a:ext uri="{FF2B5EF4-FFF2-40B4-BE49-F238E27FC236}">
+                  <a16:creationId xmlns:a16="http://schemas.microsoft.com/office/drawing/2014/main" id="{B1EBE465-4007-C0CA-0CEE-6DC9E5B084F8}"/>
+                </a:ext>
+              </a:extLst>
+            </p:cNvPr>
+            <p:cNvCxnSpPr/>
+            <p:nvPr/>
+          </p:nvCxnSpPr>
+          <p:spPr>
+            <a:xfrm>
+              <a:off x="2852770" y="4007265"/>
+              <a:ext cx="156115" cy="0"/>
+            </a:xfrm>
+            <a:prstGeom prst="line">
+              <a:avLst/>
+            </a:prstGeom>
+            <a:ln w="12700">
+              <a:solidFill>
+                <a:schemeClr val="tx1"/>
+              </a:solidFill>
+            </a:ln>
+          </p:spPr>
+          <p:style>
+            <a:lnRef idx="1">
+              <a:schemeClr val="accent1"/>
+            </a:lnRef>
+            <a:fillRef idx="0">
+              <a:schemeClr val="accent1"/>
+            </a:fillRef>
+            <a:effectRef idx="0">
+              <a:schemeClr val="accent1"/>
+            </a:effectRef>
+            <a:fontRef idx="minor">
+              <a:schemeClr val="tx1"/>
+            </a:fontRef>
+          </p:style>
+        </p:cxnSp>
+        <p:cxnSp>
+          <p:nvCxnSpPr>
+            <p:cNvPr id="126" name="Straight Connector 125">
+              <a:extLst>
+                <a:ext uri="{FF2B5EF4-FFF2-40B4-BE49-F238E27FC236}">
+                  <a16:creationId xmlns:a16="http://schemas.microsoft.com/office/drawing/2014/main" id="{2A42A6FB-98CA-35ED-4A33-9109565031FD}"/>
+                </a:ext>
+              </a:extLst>
+            </p:cNvPr>
+            <p:cNvCxnSpPr>
+              <a:cxnSpLocks/>
+            </p:cNvCxnSpPr>
+            <p:nvPr/>
+          </p:nvCxnSpPr>
+          <p:spPr>
+            <a:xfrm flipV="1">
+              <a:off x="2384425" y="3878470"/>
+              <a:ext cx="0" cy="127000"/>
+            </a:xfrm>
+            <a:prstGeom prst="line">
+              <a:avLst/>
+            </a:prstGeom>
+            <a:ln w="12700">
+              <a:solidFill>
+                <a:schemeClr val="tx1"/>
+              </a:solidFill>
+            </a:ln>
+          </p:spPr>
+          <p:style>
+            <a:lnRef idx="1">
+              <a:schemeClr val="accent1"/>
+            </a:lnRef>
+            <a:fillRef idx="0">
+              <a:schemeClr val="accent1"/>
+            </a:fillRef>
+            <a:effectRef idx="0">
+              <a:schemeClr val="accent1"/>
+            </a:effectRef>
+            <a:fontRef idx="minor">
+              <a:schemeClr val="tx1"/>
+            </a:fontRef>
+          </p:style>
+        </p:cxnSp>
+        <p:cxnSp>
+          <p:nvCxnSpPr>
+            <p:cNvPr id="127" name="Straight Connector 126">
+              <a:extLst>
+                <a:ext uri="{FF2B5EF4-FFF2-40B4-BE49-F238E27FC236}">
+                  <a16:creationId xmlns:a16="http://schemas.microsoft.com/office/drawing/2014/main" id="{E907F1EE-B153-0309-5809-4FBE444767AF}"/>
+                </a:ext>
+              </a:extLst>
+            </p:cNvPr>
+            <p:cNvCxnSpPr>
+              <a:cxnSpLocks/>
+            </p:cNvCxnSpPr>
+            <p:nvPr/>
+          </p:nvCxnSpPr>
+          <p:spPr>
+            <a:xfrm flipV="1">
+              <a:off x="2540540" y="3878470"/>
+              <a:ext cx="0" cy="127000"/>
+            </a:xfrm>
+            <a:prstGeom prst="line">
+              <a:avLst/>
+            </a:prstGeom>
+            <a:ln w="12700">
+              <a:solidFill>
+                <a:schemeClr val="tx1"/>
+              </a:solidFill>
+            </a:ln>
+          </p:spPr>
+          <p:style>
+            <a:lnRef idx="1">
+              <a:schemeClr val="accent1"/>
+            </a:lnRef>
+            <a:fillRef idx="0">
+              <a:schemeClr val="accent1"/>
+            </a:fillRef>
+            <a:effectRef idx="0">
+              <a:schemeClr val="accent1"/>
+            </a:effectRef>
+            <a:fontRef idx="minor">
+              <a:schemeClr val="tx1"/>
+            </a:fontRef>
+          </p:style>
+        </p:cxnSp>
+        <p:cxnSp>
+          <p:nvCxnSpPr>
+            <p:cNvPr id="128" name="Straight Connector 127">
+              <a:extLst>
+                <a:ext uri="{FF2B5EF4-FFF2-40B4-BE49-F238E27FC236}">
+                  <a16:creationId xmlns:a16="http://schemas.microsoft.com/office/drawing/2014/main" id="{8F08410B-F137-DD43-5B61-AAB9DC246955}"/>
+                </a:ext>
+              </a:extLst>
+            </p:cNvPr>
+            <p:cNvCxnSpPr>
+              <a:cxnSpLocks/>
+            </p:cNvCxnSpPr>
+            <p:nvPr/>
+          </p:nvCxnSpPr>
+          <p:spPr>
+            <a:xfrm flipV="1">
+              <a:off x="2696655" y="3878470"/>
+              <a:ext cx="0" cy="127000"/>
+            </a:xfrm>
+            <a:prstGeom prst="line">
+              <a:avLst/>
+            </a:prstGeom>
+            <a:ln w="12700">
+              <a:solidFill>
+                <a:schemeClr val="tx1"/>
+              </a:solidFill>
+            </a:ln>
+          </p:spPr>
+          <p:style>
+            <a:lnRef idx="1">
+              <a:schemeClr val="accent1"/>
+            </a:lnRef>
+            <a:fillRef idx="0">
+              <a:schemeClr val="accent1"/>
+            </a:fillRef>
+            <a:effectRef idx="0">
+              <a:schemeClr val="accent1"/>
+            </a:effectRef>
+            <a:fontRef idx="minor">
+              <a:schemeClr val="tx1"/>
+            </a:fontRef>
+          </p:style>
+        </p:cxnSp>
+        <p:cxnSp>
+          <p:nvCxnSpPr>
+            <p:cNvPr id="129" name="Straight Connector 128">
+              <a:extLst>
+                <a:ext uri="{FF2B5EF4-FFF2-40B4-BE49-F238E27FC236}">
+                  <a16:creationId xmlns:a16="http://schemas.microsoft.com/office/drawing/2014/main" id="{BB53C5DE-C89C-5A26-63DC-92D6AB1DABAC}"/>
+                </a:ext>
+              </a:extLst>
+            </p:cNvPr>
+            <p:cNvCxnSpPr>
+              <a:cxnSpLocks/>
+            </p:cNvCxnSpPr>
+            <p:nvPr/>
+          </p:nvCxnSpPr>
+          <p:spPr>
+            <a:xfrm flipV="1">
+              <a:off x="2852770" y="3878470"/>
+              <a:ext cx="0" cy="127000"/>
+            </a:xfrm>
+            <a:prstGeom prst="line">
+              <a:avLst/>
+            </a:prstGeom>
+            <a:ln w="12700">
+              <a:solidFill>
+                <a:schemeClr val="tx1"/>
+              </a:solidFill>
+            </a:ln>
+          </p:spPr>
+          <p:style>
+            <a:lnRef idx="1">
+              <a:schemeClr val="accent1"/>
+            </a:lnRef>
+            <a:fillRef idx="0">
+              <a:schemeClr val="accent1"/>
+            </a:fillRef>
+            <a:effectRef idx="0">
+              <a:schemeClr val="accent1"/>
+            </a:effectRef>
+            <a:fontRef idx="minor">
+              <a:schemeClr val="tx1"/>
+            </a:fontRef>
+          </p:style>
+        </p:cxnSp>
+      </p:grpSp>
     </p:spTree>
     <p:extLst>
       <p:ext uri="{BB962C8B-B14F-4D97-AF65-F5344CB8AC3E}">
         <p14:creationId xmlns:p14="http://schemas.microsoft.com/office/powerpoint/2010/main" val="80050507"/>
+      </p:ext>
+    </p:extLst>
+  </p:cSld>
+  <p:clrMapOvr>
+    <a:masterClrMapping/>
+  </p:clrMapOvr>
+</p:sld>
+</file>
+
+<file path=ppt/slides/slide6.xml><?xml version="1.0" encoding="utf-8"?>
+<p:sld xmlns:a="http://schemas.openxmlformats.org/drawingml/2006/main" xmlns:r="http://schemas.openxmlformats.org/officeDocument/2006/relationships" xmlns:p="http://schemas.openxmlformats.org/presentationml/2006/main">
+  <p:cSld>
+    <p:spTree>
+      <p:nvGrpSpPr>
+        <p:cNvPr id="1" name=""/>
+        <p:cNvGrpSpPr/>
+        <p:nvPr/>
+      </p:nvGrpSpPr>
+      <p:grpSpPr>
+        <a:xfrm>
+          <a:off x="0" y="0"/>
+          <a:ext cx="0" cy="0"/>
+          <a:chOff x="0" y="0"/>
+          <a:chExt cx="0" cy="0"/>
+        </a:xfrm>
+      </p:grpSpPr>
+      <p:sp>
+        <p:nvSpPr>
+          <p:cNvPr id="2" name="Title 1">
+            <a:extLst>
+              <a:ext uri="{FF2B5EF4-FFF2-40B4-BE49-F238E27FC236}">
+                <a16:creationId xmlns:a16="http://schemas.microsoft.com/office/drawing/2014/main" id="{49FD19C2-25DE-2698-EDEC-CEB6CDAACEF1}"/>
+              </a:ext>
+            </a:extLst>
+          </p:cNvPr>
+          <p:cNvSpPr>
+            <a:spLocks noGrp="1"/>
+          </p:cNvSpPr>
+          <p:nvPr>
+            <p:ph type="title"/>
+          </p:nvPr>
+        </p:nvSpPr>
+        <p:spPr>
+          <a:xfrm>
+            <a:off x="288235" y="136524"/>
+            <a:ext cx="8227115" cy="790419"/>
+          </a:xfrm>
+        </p:spPr>
+        <p:txBody>
+          <a:bodyPr/>
+          <a:lstStyle/>
+          <a:p>
+            <a:r>
+              <a:rPr lang="en-US" dirty="0"/>
+              <a:t>Breadboard</a:t>
+            </a:r>
+          </a:p>
+        </p:txBody>
+      </p:sp>
+      <p:pic>
+        <p:nvPicPr>
+          <p:cNvPr id="3" name="Google Shape;356;p42">
+            <a:extLst>
+              <a:ext uri="{FF2B5EF4-FFF2-40B4-BE49-F238E27FC236}">
+                <a16:creationId xmlns:a16="http://schemas.microsoft.com/office/drawing/2014/main" id="{613BC859-7591-EC75-D32B-8C167FC55D5F}"/>
+              </a:ext>
+            </a:extLst>
+          </p:cNvPr>
+          <p:cNvPicPr preferRelativeResize="0"/>
+          <p:nvPr/>
+        </p:nvPicPr>
+        <p:blipFill>
+          <a:blip r:embed="rId2">
+            <a:alphaModFix/>
+          </a:blip>
+          <a:stretch>
+            <a:fillRect/>
+          </a:stretch>
+        </p:blipFill>
+        <p:spPr>
+          <a:xfrm>
+            <a:off x="3271803" y="2410767"/>
+            <a:ext cx="2895600" cy="2790825"/>
+          </a:xfrm>
+          <a:prstGeom prst="rect">
+            <a:avLst/>
+          </a:prstGeom>
+          <a:noFill/>
+          <a:ln>
+            <a:noFill/>
+          </a:ln>
+        </p:spPr>
+      </p:pic>
+      <p:sp>
+        <p:nvSpPr>
+          <p:cNvPr id="4" name="Google Shape;357;p42">
+            <a:extLst>
+              <a:ext uri="{FF2B5EF4-FFF2-40B4-BE49-F238E27FC236}">
+                <a16:creationId xmlns:a16="http://schemas.microsoft.com/office/drawing/2014/main" id="{13FD2B8B-446E-B39B-DBD6-AAA03ACE99FF}"/>
+              </a:ext>
+            </a:extLst>
+          </p:cNvPr>
+          <p:cNvSpPr txBox="1"/>
+          <p:nvPr/>
+        </p:nvSpPr>
+        <p:spPr>
+          <a:xfrm>
+            <a:off x="4042353" y="1514242"/>
+            <a:ext cx="1354500" cy="534900"/>
+          </a:xfrm>
+          <a:prstGeom prst="rect">
+            <a:avLst/>
+          </a:prstGeom>
+          <a:noFill/>
+          <a:ln>
+            <a:noFill/>
+          </a:ln>
+        </p:spPr>
+        <p:txBody>
+          <a:bodyPr spcFirstLastPara="1" wrap="square" lIns="91425" tIns="91425" rIns="91425" bIns="91425" anchor="t" anchorCtr="0">
+            <a:noAutofit/>
+          </a:bodyPr>
+          <a:lstStyle/>
+          <a:p>
+            <a:pPr marL="0" lvl="0" indent="0" algn="ctr" rtl="0">
+              <a:spcBef>
+                <a:spcPts val="0"/>
+              </a:spcBef>
+              <a:spcAft>
+                <a:spcPts val="0"/>
+              </a:spcAft>
+              <a:buNone/>
+            </a:pPr>
+            <a:r>
+              <a:rPr lang="en" dirty="0"/>
+              <a:t>Power Rail</a:t>
+            </a:r>
+            <a:endParaRPr dirty="0"/>
+          </a:p>
+          <a:p>
+            <a:pPr marL="0" lvl="0" indent="0" algn="ctr" rtl="0">
+              <a:spcBef>
+                <a:spcPts val="0"/>
+              </a:spcBef>
+              <a:spcAft>
+                <a:spcPts val="0"/>
+              </a:spcAft>
+              <a:buNone/>
+            </a:pPr>
+            <a:r>
+              <a:rPr lang="en" dirty="0"/>
+              <a:t>Columns</a:t>
+            </a:r>
+            <a:endParaRPr dirty="0"/>
+          </a:p>
+          <a:p>
+            <a:pPr marL="0" lvl="0" indent="0" algn="ctr" rtl="0">
+              <a:spcBef>
+                <a:spcPts val="0"/>
+              </a:spcBef>
+              <a:spcAft>
+                <a:spcPts val="0"/>
+              </a:spcAft>
+              <a:buNone/>
+            </a:pPr>
+            <a:r>
+              <a:rPr lang="en" dirty="0"/>
+              <a:t>(Bus Strips)</a:t>
+            </a:r>
+            <a:endParaRPr dirty="0"/>
+          </a:p>
+        </p:txBody>
+      </p:sp>
+      <p:cxnSp>
+        <p:nvCxnSpPr>
+          <p:cNvPr id="5" name="Google Shape;358;p42">
+            <a:extLst>
+              <a:ext uri="{FF2B5EF4-FFF2-40B4-BE49-F238E27FC236}">
+                <a16:creationId xmlns:a16="http://schemas.microsoft.com/office/drawing/2014/main" id="{1A02FBD7-DA78-D3F6-E5FC-0A542C3BB6D9}"/>
+              </a:ext>
+            </a:extLst>
+          </p:cNvPr>
+          <p:cNvCxnSpPr>
+            <a:stCxn id="4" idx="1"/>
+          </p:cNvCxnSpPr>
+          <p:nvPr/>
+        </p:nvCxnSpPr>
+        <p:spPr>
+          <a:xfrm flipH="1">
+            <a:off x="3522153" y="1781692"/>
+            <a:ext cx="520200" cy="750900"/>
+          </a:xfrm>
+          <a:prstGeom prst="straightConnector1">
+            <a:avLst/>
+          </a:prstGeom>
+          <a:noFill/>
+          <a:ln w="38100" cap="flat" cmpd="sng">
+            <a:solidFill>
+              <a:schemeClr val="bg1">
+                <a:lumMod val="50000"/>
+              </a:schemeClr>
+            </a:solidFill>
+            <a:prstDash val="solid"/>
+            <a:round/>
+            <a:headEnd type="none" w="med" len="med"/>
+            <a:tailEnd type="triangle" w="med" len="med"/>
+          </a:ln>
+        </p:spPr>
+      </p:cxnSp>
+      <p:cxnSp>
+        <p:nvCxnSpPr>
+          <p:cNvPr id="6" name="Google Shape;359;p42">
+            <a:extLst>
+              <a:ext uri="{FF2B5EF4-FFF2-40B4-BE49-F238E27FC236}">
+                <a16:creationId xmlns:a16="http://schemas.microsoft.com/office/drawing/2014/main" id="{88BA5473-D29C-0905-94DC-8B1D7D643DD6}"/>
+              </a:ext>
+            </a:extLst>
+          </p:cNvPr>
+          <p:cNvCxnSpPr>
+            <a:cxnSpLocks/>
+          </p:cNvCxnSpPr>
+          <p:nvPr/>
+        </p:nvCxnSpPr>
+        <p:spPr>
+          <a:xfrm>
+            <a:off x="5318015" y="1781692"/>
+            <a:ext cx="633600" cy="750900"/>
+          </a:xfrm>
+          <a:prstGeom prst="straightConnector1">
+            <a:avLst/>
+          </a:prstGeom>
+          <a:noFill/>
+          <a:ln w="38100" cap="flat" cmpd="sng">
+            <a:solidFill>
+              <a:schemeClr val="bg1">
+                <a:lumMod val="50000"/>
+              </a:schemeClr>
+            </a:solidFill>
+            <a:prstDash val="solid"/>
+            <a:round/>
+            <a:headEnd type="none" w="med" len="med"/>
+            <a:tailEnd type="triangle" w="med" len="med"/>
+          </a:ln>
+        </p:spPr>
+      </p:cxnSp>
+      <p:cxnSp>
+        <p:nvCxnSpPr>
+          <p:cNvPr id="7" name="Google Shape;360;p42">
+            <a:extLst>
+              <a:ext uri="{FF2B5EF4-FFF2-40B4-BE49-F238E27FC236}">
+                <a16:creationId xmlns:a16="http://schemas.microsoft.com/office/drawing/2014/main" id="{888DA041-7D5B-A1F8-D137-8C0374A9ECD6}"/>
+              </a:ext>
+            </a:extLst>
+          </p:cNvPr>
+          <p:cNvCxnSpPr/>
+          <p:nvPr/>
+        </p:nvCxnSpPr>
+        <p:spPr>
+          <a:xfrm rot="10800000">
+            <a:off x="4672728" y="4630896"/>
+            <a:ext cx="2002500" cy="716400"/>
+          </a:xfrm>
+          <a:prstGeom prst="straightConnector1">
+            <a:avLst/>
+          </a:prstGeom>
+          <a:noFill/>
+          <a:ln w="38100" cap="flat" cmpd="sng">
+            <a:solidFill>
+              <a:schemeClr val="bg1">
+                <a:lumMod val="50000"/>
+              </a:schemeClr>
+            </a:solidFill>
+            <a:prstDash val="solid"/>
+            <a:round/>
+            <a:headEnd type="none" w="med" len="med"/>
+            <a:tailEnd type="triangle" w="med" len="med"/>
+          </a:ln>
+        </p:spPr>
+      </p:cxnSp>
+      <p:sp>
+        <p:nvSpPr>
+          <p:cNvPr id="8" name="Google Shape;361;p42">
+            <a:extLst>
+              <a:ext uri="{FF2B5EF4-FFF2-40B4-BE49-F238E27FC236}">
+                <a16:creationId xmlns:a16="http://schemas.microsoft.com/office/drawing/2014/main" id="{2BA64C40-D43F-EC37-EB31-61525055433D}"/>
+              </a:ext>
+            </a:extLst>
+          </p:cNvPr>
+          <p:cNvSpPr txBox="1"/>
+          <p:nvPr/>
+        </p:nvSpPr>
+        <p:spPr>
+          <a:xfrm>
+            <a:off x="6714896" y="4937979"/>
+            <a:ext cx="2249485" cy="637625"/>
+          </a:xfrm>
+          <a:prstGeom prst="rect">
+            <a:avLst/>
+          </a:prstGeom>
+          <a:noFill/>
+          <a:ln>
+            <a:noFill/>
+          </a:ln>
+        </p:spPr>
+        <p:txBody>
+          <a:bodyPr spcFirstLastPara="1" wrap="square" lIns="91425" tIns="91425" rIns="91425" bIns="91425" anchor="t" anchorCtr="0">
+            <a:noAutofit/>
+          </a:bodyPr>
+          <a:lstStyle/>
+          <a:p>
+            <a:pPr marL="0" lvl="0" indent="0" algn="l" rtl="0">
+              <a:spcBef>
+                <a:spcPts val="0"/>
+              </a:spcBef>
+              <a:spcAft>
+                <a:spcPts val="0"/>
+              </a:spcAft>
+              <a:buNone/>
+            </a:pPr>
+            <a:r>
+              <a:rPr lang="en" dirty="0"/>
+              <a:t>component slot (center trough)</a:t>
+            </a:r>
+            <a:endParaRPr dirty="0"/>
+          </a:p>
+        </p:txBody>
+      </p:sp>
+      <p:cxnSp>
+        <p:nvCxnSpPr>
+          <p:cNvPr id="9" name="Google Shape;362;p42">
+            <a:extLst>
+              <a:ext uri="{FF2B5EF4-FFF2-40B4-BE49-F238E27FC236}">
+                <a16:creationId xmlns:a16="http://schemas.microsoft.com/office/drawing/2014/main" id="{BFF8D648-B12E-BF76-1350-58FCB3996E29}"/>
+              </a:ext>
+            </a:extLst>
+          </p:cNvPr>
+          <p:cNvCxnSpPr/>
+          <p:nvPr/>
+        </p:nvCxnSpPr>
+        <p:spPr>
+          <a:xfrm>
+            <a:off x="2585438" y="2451651"/>
+            <a:ext cx="793500" cy="274800"/>
+          </a:xfrm>
+          <a:prstGeom prst="straightConnector1">
+            <a:avLst/>
+          </a:prstGeom>
+          <a:noFill/>
+          <a:ln w="38100" cap="flat" cmpd="sng">
+            <a:solidFill>
+              <a:srgbClr val="FF0000"/>
+            </a:solidFill>
+            <a:prstDash val="solid"/>
+            <a:round/>
+            <a:headEnd type="none" w="med" len="med"/>
+            <a:tailEnd type="triangle" w="med" len="med"/>
+          </a:ln>
+        </p:spPr>
+      </p:cxnSp>
+      <p:sp>
+        <p:nvSpPr>
+          <p:cNvPr id="10" name="Google Shape;363;p42">
+            <a:extLst>
+              <a:ext uri="{FF2B5EF4-FFF2-40B4-BE49-F238E27FC236}">
+                <a16:creationId xmlns:a16="http://schemas.microsoft.com/office/drawing/2014/main" id="{A172D6AD-B073-9E7D-0C1A-41A6C3581275}"/>
+              </a:ext>
+            </a:extLst>
+          </p:cNvPr>
+          <p:cNvSpPr txBox="1"/>
+          <p:nvPr/>
+        </p:nvSpPr>
+        <p:spPr>
+          <a:xfrm>
+            <a:off x="1309776" y="2202701"/>
+            <a:ext cx="1414534" cy="361500"/>
+          </a:xfrm>
+          <a:prstGeom prst="rect">
+            <a:avLst/>
+          </a:prstGeom>
+          <a:noFill/>
+          <a:ln>
+            <a:noFill/>
+          </a:ln>
+        </p:spPr>
+        <p:txBody>
+          <a:bodyPr spcFirstLastPara="1" wrap="square" lIns="91425" tIns="91425" rIns="91425" bIns="91425" anchor="t" anchorCtr="0">
+            <a:noAutofit/>
+          </a:bodyPr>
+          <a:lstStyle/>
+          <a:p>
+            <a:pPr marL="0" lvl="0" indent="0" algn="l" rtl="0">
+              <a:spcBef>
+                <a:spcPts val="0"/>
+              </a:spcBef>
+              <a:spcAft>
+                <a:spcPts val="0"/>
+              </a:spcAft>
+              <a:buNone/>
+            </a:pPr>
+            <a:r>
+              <a:rPr lang="en" dirty="0"/>
+              <a:t>Red for +5 V</a:t>
+            </a:r>
+            <a:endParaRPr dirty="0"/>
+          </a:p>
+        </p:txBody>
+      </p:sp>
+      <p:sp>
+        <p:nvSpPr>
+          <p:cNvPr id="11" name="Google Shape;364;p42">
+            <a:extLst>
+              <a:ext uri="{FF2B5EF4-FFF2-40B4-BE49-F238E27FC236}">
+                <a16:creationId xmlns:a16="http://schemas.microsoft.com/office/drawing/2014/main" id="{BE414A70-AE67-9D8D-346A-18D37DBD2107}"/>
+              </a:ext>
+            </a:extLst>
+          </p:cNvPr>
+          <p:cNvSpPr txBox="1"/>
+          <p:nvPr/>
+        </p:nvSpPr>
+        <p:spPr>
+          <a:xfrm>
+            <a:off x="6567299" y="2121645"/>
+            <a:ext cx="2451289" cy="416700"/>
+          </a:xfrm>
+          <a:prstGeom prst="rect">
+            <a:avLst/>
+          </a:prstGeom>
+          <a:noFill/>
+          <a:ln>
+            <a:noFill/>
+          </a:ln>
+        </p:spPr>
+        <p:txBody>
+          <a:bodyPr spcFirstLastPara="1" wrap="square" lIns="91425" tIns="91425" rIns="91425" bIns="91425" anchor="t" anchorCtr="0">
+            <a:noAutofit/>
+          </a:bodyPr>
+          <a:lstStyle/>
+          <a:p>
+            <a:pPr marL="0" lvl="0" indent="0" algn="l" rtl="0">
+              <a:spcBef>
+                <a:spcPts val="0"/>
+              </a:spcBef>
+              <a:spcAft>
+                <a:spcPts val="0"/>
+              </a:spcAft>
+              <a:buNone/>
+            </a:pPr>
+            <a:r>
+              <a:rPr lang="en" dirty="0"/>
+              <a:t>Blue (Black) for GND</a:t>
+            </a:r>
+            <a:endParaRPr dirty="0"/>
+          </a:p>
+        </p:txBody>
+      </p:sp>
+      <p:cxnSp>
+        <p:nvCxnSpPr>
+          <p:cNvPr id="12" name="Google Shape;365;p42">
+            <a:extLst>
+              <a:ext uri="{FF2B5EF4-FFF2-40B4-BE49-F238E27FC236}">
+                <a16:creationId xmlns:a16="http://schemas.microsoft.com/office/drawing/2014/main" id="{A62DE33E-62B5-66B0-D368-9CC2F1FCF3CC}"/>
+              </a:ext>
+            </a:extLst>
+          </p:cNvPr>
+          <p:cNvCxnSpPr/>
+          <p:nvPr/>
+        </p:nvCxnSpPr>
+        <p:spPr>
+          <a:xfrm flipH="1">
+            <a:off x="6030453" y="2505566"/>
+            <a:ext cx="1152600" cy="416700"/>
+          </a:xfrm>
+          <a:prstGeom prst="straightConnector1">
+            <a:avLst/>
+          </a:prstGeom>
+          <a:noFill/>
+          <a:ln w="38100" cap="flat" cmpd="sng">
+            <a:solidFill>
+              <a:srgbClr val="0000FF"/>
+            </a:solidFill>
+            <a:prstDash val="solid"/>
+            <a:round/>
+            <a:headEnd type="none" w="med" len="med"/>
+            <a:tailEnd type="triangle" w="med" len="med"/>
+          </a:ln>
+        </p:spPr>
+      </p:cxnSp>
+      <p:cxnSp>
+        <p:nvCxnSpPr>
+          <p:cNvPr id="13" name="Google Shape;366;p42">
+            <a:extLst>
+              <a:ext uri="{FF2B5EF4-FFF2-40B4-BE49-F238E27FC236}">
+                <a16:creationId xmlns:a16="http://schemas.microsoft.com/office/drawing/2014/main" id="{D1DC4EDA-3831-D6BB-588C-EAA5C2D8F42A}"/>
+              </a:ext>
+            </a:extLst>
+          </p:cNvPr>
+          <p:cNvCxnSpPr/>
+          <p:nvPr/>
+        </p:nvCxnSpPr>
+        <p:spPr>
+          <a:xfrm rot="10800000" flipH="1">
+            <a:off x="3117903" y="4691258"/>
+            <a:ext cx="808500" cy="364200"/>
+          </a:xfrm>
+          <a:prstGeom prst="straightConnector1">
+            <a:avLst/>
+          </a:prstGeom>
+          <a:noFill/>
+          <a:ln w="38100" cap="flat" cmpd="sng">
+            <a:solidFill>
+              <a:schemeClr val="bg1">
+                <a:lumMod val="50000"/>
+              </a:schemeClr>
+            </a:solidFill>
+            <a:prstDash val="solid"/>
+            <a:round/>
+            <a:headEnd type="none" w="med" len="med"/>
+            <a:tailEnd type="triangle" w="med" len="med"/>
+          </a:ln>
+        </p:spPr>
+      </p:cxnSp>
+      <p:sp>
+        <p:nvSpPr>
+          <p:cNvPr id="14" name="Google Shape;367;p42">
+            <a:extLst>
+              <a:ext uri="{FF2B5EF4-FFF2-40B4-BE49-F238E27FC236}">
+                <a16:creationId xmlns:a16="http://schemas.microsoft.com/office/drawing/2014/main" id="{2D2A5ABB-4123-92E8-1683-C263DC33E708}"/>
+              </a:ext>
+            </a:extLst>
+          </p:cNvPr>
+          <p:cNvSpPr txBox="1"/>
+          <p:nvPr/>
+        </p:nvSpPr>
+        <p:spPr>
+          <a:xfrm>
+            <a:off x="391925" y="4847109"/>
+            <a:ext cx="2725977" cy="416700"/>
+          </a:xfrm>
+          <a:prstGeom prst="rect">
+            <a:avLst/>
+          </a:prstGeom>
+          <a:noFill/>
+          <a:ln>
+            <a:noFill/>
+          </a:ln>
+        </p:spPr>
+        <p:txBody>
+          <a:bodyPr spcFirstLastPara="1" wrap="square" lIns="91425" tIns="91425" rIns="91425" bIns="91425" anchor="t" anchorCtr="0">
+            <a:noAutofit/>
+          </a:bodyPr>
+          <a:lstStyle/>
+          <a:p>
+            <a:pPr marL="0" lvl="0" indent="0" algn="r" rtl="0">
+              <a:spcBef>
+                <a:spcPts val="0"/>
+              </a:spcBef>
+              <a:spcAft>
+                <a:spcPts val="0"/>
+              </a:spcAft>
+              <a:buNone/>
+            </a:pPr>
+            <a:r>
+              <a:rPr lang="en-US" dirty="0"/>
+              <a:t>I</a:t>
+            </a:r>
+            <a:r>
+              <a:rPr lang="en" dirty="0"/>
+              <a:t>internal row</a:t>
+            </a:r>
+            <a:r>
+              <a:rPr lang="en" b="1" dirty="0"/>
+              <a:t> connectors</a:t>
+            </a:r>
+            <a:endParaRPr b="1" dirty="0"/>
+          </a:p>
+        </p:txBody>
+      </p:sp>
+      <p:sp>
+        <p:nvSpPr>
+          <p:cNvPr id="15" name="Google Shape;363;p42">
+            <a:extLst>
+              <a:ext uri="{FF2B5EF4-FFF2-40B4-BE49-F238E27FC236}">
+                <a16:creationId xmlns:a16="http://schemas.microsoft.com/office/drawing/2014/main" id="{DFBF8683-92EF-1E43-357F-8558A0AF8A46}"/>
+              </a:ext>
+            </a:extLst>
+          </p:cNvPr>
+          <p:cNvSpPr txBox="1"/>
+          <p:nvPr/>
+        </p:nvSpPr>
+        <p:spPr>
+          <a:xfrm>
+            <a:off x="6513091" y="3218878"/>
+            <a:ext cx="2451290" cy="361500"/>
+          </a:xfrm>
+          <a:prstGeom prst="rect">
+            <a:avLst/>
+          </a:prstGeom>
+          <a:noFill/>
+          <a:ln>
+            <a:noFill/>
+          </a:ln>
+        </p:spPr>
+        <p:txBody>
+          <a:bodyPr spcFirstLastPara="1" wrap="square" lIns="91425" tIns="91425" rIns="91425" bIns="91425" anchor="t" anchorCtr="0">
+            <a:noAutofit/>
+          </a:bodyPr>
+          <a:lstStyle/>
+          <a:p>
+            <a:pPr marL="0" lvl="0" indent="0" algn="l" rtl="0">
+              <a:spcBef>
+                <a:spcPts val="0"/>
+              </a:spcBef>
+              <a:spcAft>
+                <a:spcPts val="0"/>
+              </a:spcAft>
+              <a:buNone/>
+            </a:pPr>
+            <a:r>
+              <a:rPr lang="en" dirty="0"/>
+              <a:t>Red column for 3.3 V</a:t>
+            </a:r>
+            <a:endParaRPr dirty="0"/>
+          </a:p>
+        </p:txBody>
+      </p:sp>
+      <p:cxnSp>
+        <p:nvCxnSpPr>
+          <p:cNvPr id="16" name="Google Shape;362;p42">
+            <a:extLst>
+              <a:ext uri="{FF2B5EF4-FFF2-40B4-BE49-F238E27FC236}">
+                <a16:creationId xmlns:a16="http://schemas.microsoft.com/office/drawing/2014/main" id="{8800BA19-5DB1-84EF-8F69-0D29A95977D4}"/>
+              </a:ext>
+            </a:extLst>
+          </p:cNvPr>
+          <p:cNvCxnSpPr>
+            <a:cxnSpLocks/>
+          </p:cNvCxnSpPr>
+          <p:nvPr/>
+        </p:nvCxnSpPr>
+        <p:spPr>
+          <a:xfrm flipH="1">
+            <a:off x="5834573" y="3554056"/>
+            <a:ext cx="1098111" cy="152400"/>
+          </a:xfrm>
+          <a:prstGeom prst="straightConnector1">
+            <a:avLst/>
+          </a:prstGeom>
+          <a:noFill/>
+          <a:ln w="38100" cap="flat" cmpd="sng">
+            <a:solidFill>
+              <a:srgbClr val="FF0000"/>
+            </a:solidFill>
+            <a:prstDash val="solid"/>
+            <a:round/>
+            <a:headEnd type="none" w="med" len="med"/>
+            <a:tailEnd type="triangle" w="med" len="med"/>
+          </a:ln>
+        </p:spPr>
+      </p:cxnSp>
+      <p:sp>
+        <p:nvSpPr>
+          <p:cNvPr id="17" name="TextBox 16">
+            <a:extLst>
+              <a:ext uri="{FF2B5EF4-FFF2-40B4-BE49-F238E27FC236}">
+                <a16:creationId xmlns:a16="http://schemas.microsoft.com/office/drawing/2014/main" id="{6C22F2D0-ABF6-FE91-B403-1380F5666B9E}"/>
+              </a:ext>
+            </a:extLst>
+          </p:cNvPr>
+          <p:cNvSpPr txBox="1"/>
+          <p:nvPr/>
+        </p:nvSpPr>
+        <p:spPr>
+          <a:xfrm>
+            <a:off x="125412" y="2850225"/>
+            <a:ext cx="3114443" cy="646331"/>
+          </a:xfrm>
+          <a:prstGeom prst="rect">
+            <a:avLst/>
+          </a:prstGeom>
+          <a:noFill/>
+        </p:spPr>
+        <p:txBody>
+          <a:bodyPr wrap="none" rtlCol="0">
+            <a:spAutoFit/>
+          </a:bodyPr>
+          <a:lstStyle/>
+          <a:p>
+            <a:pPr algn="ctr"/>
+            <a:r>
+              <a:rPr lang="en-US" dirty="0"/>
+              <a:t>numbered</a:t>
+            </a:r>
+            <a:r>
+              <a:rPr lang="en-US" b="1" dirty="0"/>
+              <a:t> rows</a:t>
+            </a:r>
+            <a:r>
+              <a:rPr lang="en-US" dirty="0"/>
+              <a:t> run across</a:t>
+            </a:r>
+          </a:p>
+          <a:p>
+            <a:pPr algn="ctr"/>
+            <a:r>
+              <a:rPr lang="en-US" dirty="0"/>
+              <a:t>(horizontal center connections)</a:t>
+            </a:r>
+          </a:p>
+        </p:txBody>
+      </p:sp>
+      <p:cxnSp>
+        <p:nvCxnSpPr>
+          <p:cNvPr id="18" name="Google Shape;366;p42">
+            <a:extLst>
+              <a:ext uri="{FF2B5EF4-FFF2-40B4-BE49-F238E27FC236}">
+                <a16:creationId xmlns:a16="http://schemas.microsoft.com/office/drawing/2014/main" id="{809600B9-3664-F43C-0530-532F8CB194F6}"/>
+              </a:ext>
+            </a:extLst>
+          </p:cNvPr>
+          <p:cNvCxnSpPr>
+            <a:cxnSpLocks/>
+          </p:cNvCxnSpPr>
+          <p:nvPr/>
+        </p:nvCxnSpPr>
+        <p:spPr>
+          <a:xfrm>
+            <a:off x="1162841" y="3510507"/>
+            <a:ext cx="909898" cy="1"/>
+          </a:xfrm>
+          <a:prstGeom prst="straightConnector1">
+            <a:avLst/>
+          </a:prstGeom>
+          <a:noFill/>
+          <a:ln w="38100" cap="flat" cmpd="sng">
+            <a:solidFill>
+              <a:schemeClr val="bg1">
+                <a:lumMod val="50000"/>
+              </a:schemeClr>
+            </a:solidFill>
+            <a:prstDash val="solid"/>
+            <a:round/>
+            <a:headEnd type="triangle" w="med" len="med"/>
+            <a:tailEnd type="triangle" w="med" len="med"/>
+          </a:ln>
+        </p:spPr>
+      </p:cxnSp>
+      <p:sp>
+        <p:nvSpPr>
+          <p:cNvPr id="19" name="TextBox 18">
+            <a:extLst>
+              <a:ext uri="{FF2B5EF4-FFF2-40B4-BE49-F238E27FC236}">
+                <a16:creationId xmlns:a16="http://schemas.microsoft.com/office/drawing/2014/main" id="{4E7EC932-6681-04C0-C0F1-27A5377042A4}"/>
+              </a:ext>
+            </a:extLst>
+          </p:cNvPr>
+          <p:cNvSpPr txBox="1"/>
+          <p:nvPr/>
+        </p:nvSpPr>
+        <p:spPr>
+          <a:xfrm>
+            <a:off x="203476" y="3793270"/>
+            <a:ext cx="2775705" cy="923330"/>
+          </a:xfrm>
+          <a:prstGeom prst="rect">
+            <a:avLst/>
+          </a:prstGeom>
+          <a:noFill/>
+        </p:spPr>
+        <p:txBody>
+          <a:bodyPr wrap="square" rtlCol="0">
+            <a:spAutoFit/>
+          </a:bodyPr>
+          <a:lstStyle/>
+          <a:p>
+            <a:pPr algn="ctr"/>
+            <a:r>
+              <a:rPr lang="en-US" dirty="0"/>
+              <a:t>side</a:t>
+            </a:r>
+            <a:r>
+              <a:rPr lang="en-US" b="1" dirty="0"/>
+              <a:t> columns</a:t>
+            </a:r>
+            <a:r>
+              <a:rPr lang="en-US" dirty="0"/>
+              <a:t> share ground</a:t>
+            </a:r>
+          </a:p>
+          <a:p>
+            <a:pPr algn="ctr"/>
+            <a:r>
+              <a:rPr lang="en-US" dirty="0"/>
+              <a:t>and power</a:t>
+            </a:r>
+          </a:p>
+          <a:p>
+            <a:pPr algn="ctr"/>
+            <a:r>
+              <a:rPr lang="en-US" dirty="0"/>
+              <a:t> (vertical edge connections)</a:t>
+            </a:r>
+          </a:p>
+        </p:txBody>
+      </p:sp>
+      <p:cxnSp>
+        <p:nvCxnSpPr>
+          <p:cNvPr id="20" name="Google Shape;366;p42">
+            <a:extLst>
+              <a:ext uri="{FF2B5EF4-FFF2-40B4-BE49-F238E27FC236}">
+                <a16:creationId xmlns:a16="http://schemas.microsoft.com/office/drawing/2014/main" id="{711659AD-6C11-4105-4F2C-E2C60681C528}"/>
+              </a:ext>
+            </a:extLst>
+          </p:cNvPr>
+          <p:cNvCxnSpPr>
+            <a:cxnSpLocks/>
+          </p:cNvCxnSpPr>
+          <p:nvPr/>
+        </p:nvCxnSpPr>
+        <p:spPr>
+          <a:xfrm flipV="1">
+            <a:off x="3021818" y="3946677"/>
+            <a:ext cx="9749" cy="676383"/>
+          </a:xfrm>
+          <a:prstGeom prst="straightConnector1">
+            <a:avLst/>
+          </a:prstGeom>
+          <a:noFill/>
+          <a:ln w="38100" cap="flat" cmpd="sng">
+            <a:solidFill>
+              <a:schemeClr val="bg1">
+                <a:lumMod val="50000"/>
+              </a:schemeClr>
+            </a:solidFill>
+            <a:prstDash val="solid"/>
+            <a:round/>
+            <a:headEnd type="triangle" w="med" len="med"/>
+            <a:tailEnd type="triangle" w="med" len="med"/>
+          </a:ln>
+        </p:spPr>
+      </p:cxnSp>
+    </p:spTree>
+    <p:extLst>
+      <p:ext uri="{BB962C8B-B14F-4D97-AF65-F5344CB8AC3E}">
+        <p14:creationId xmlns:p14="http://schemas.microsoft.com/office/powerpoint/2010/main" val="1437142477"/>
+      </p:ext>
+    </p:extLst>
+  </p:cSld>
+  <p:clrMapOvr>
+    <a:masterClrMapping/>
+  </p:clrMapOvr>
+</p:sld>
+</file>
+
+<file path=ppt/slides/slide7.xml><?xml version="1.0" encoding="utf-8"?>
+<p:sld xmlns:a="http://schemas.openxmlformats.org/drawingml/2006/main" xmlns:r="http://schemas.openxmlformats.org/officeDocument/2006/relationships" xmlns:p="http://schemas.openxmlformats.org/presentationml/2006/main">
+  <p:cSld>
+    <p:spTree>
+      <p:nvGrpSpPr>
+        <p:cNvPr id="1" name=""/>
+        <p:cNvGrpSpPr/>
+        <p:nvPr/>
+      </p:nvGrpSpPr>
+      <p:grpSpPr>
+        <a:xfrm>
+          <a:off x="0" y="0"/>
+          <a:ext cx="0" cy="0"/>
+          <a:chOff x="0" y="0"/>
+          <a:chExt cx="0" cy="0"/>
+        </a:xfrm>
+      </p:grpSpPr>
+      <p:sp>
+        <p:nvSpPr>
+          <p:cNvPr id="2" name="Title 1">
+            <a:extLst>
+              <a:ext uri="{FF2B5EF4-FFF2-40B4-BE49-F238E27FC236}">
+                <a16:creationId xmlns:a16="http://schemas.microsoft.com/office/drawing/2014/main" id="{AA1F1733-0861-76F6-287B-AABA4AB9B5E1}"/>
+              </a:ext>
+            </a:extLst>
+          </p:cNvPr>
+          <p:cNvSpPr>
+            <a:spLocks noGrp="1"/>
+          </p:cNvSpPr>
+          <p:nvPr>
+            <p:ph type="title"/>
+          </p:nvPr>
+        </p:nvSpPr>
+        <p:spPr/>
+        <p:txBody>
+          <a:bodyPr>
+            <a:normAutofit/>
+          </a:bodyPr>
+          <a:lstStyle/>
+          <a:p>
+            <a:r>
+              <a:rPr lang="en-US" dirty="0"/>
+              <a:t>Raspberry Pi Pico</a:t>
+            </a:r>
+          </a:p>
+        </p:txBody>
+      </p:sp>
+      <p:sp>
+        <p:nvSpPr>
+          <p:cNvPr id="5" name="Content Placeholder 4">
+            <a:extLst>
+              <a:ext uri="{FF2B5EF4-FFF2-40B4-BE49-F238E27FC236}">
+                <a16:creationId xmlns:a16="http://schemas.microsoft.com/office/drawing/2014/main" id="{26033F7F-DB07-F5B6-50A8-DEB194C26396}"/>
+              </a:ext>
+            </a:extLst>
+          </p:cNvPr>
+          <p:cNvSpPr>
+            <a:spLocks noGrp="1"/>
+          </p:cNvSpPr>
+          <p:nvPr>
+            <p:ph idx="1"/>
+          </p:nvPr>
+        </p:nvSpPr>
+        <p:spPr>
+          <a:xfrm>
+            <a:off x="3297960" y="1381539"/>
+            <a:ext cx="5093798" cy="4795424"/>
+          </a:xfrm>
+        </p:spPr>
+        <p:txBody>
+          <a:bodyPr>
+            <a:normAutofit fontScale="85000" lnSpcReduction="20000"/>
+          </a:bodyPr>
+          <a:lstStyle/>
+          <a:p>
+            <a:r>
+              <a:rPr lang="en-US" sz="2400" dirty="0"/>
+              <a:t>$4.00 at Microcenter in St. Louis Park</a:t>
+            </a:r>
+          </a:p>
+          <a:p>
+            <a:r>
+              <a:rPr lang="en-US" sz="2400" dirty="0"/>
+              <a:t>264K SRAM (100x Arduino Uno)</a:t>
+            </a:r>
+          </a:p>
+          <a:p>
+            <a:r>
+              <a:rPr lang="en-US" sz="2400" dirty="0"/>
+              <a:t>2MB flash memory</a:t>
+            </a:r>
+          </a:p>
+          <a:p>
+            <a:r>
+              <a:rPr lang="en-US" sz="2400" dirty="0"/>
+              <a:t>26 × multi-function digital input or output pins</a:t>
+            </a:r>
+          </a:p>
+          <a:p>
+            <a:r>
+              <a:rPr lang="en-US" sz="2400" dirty="0"/>
+              <a:t>3 12-bit analogue inputs</a:t>
+            </a:r>
+          </a:p>
+          <a:p>
+            <a:r>
+              <a:rPr lang="en-US" sz="2400" dirty="0"/>
+              <a:t>16 controllable PWM channels</a:t>
+            </a:r>
+          </a:p>
+          <a:p>
+            <a:r>
+              <a:rPr lang="en-US" sz="2400" dirty="0"/>
+              <a:t>2 SPI, 2 I2C, and 2 UART channels</a:t>
+            </a:r>
+          </a:p>
+          <a:p>
+            <a:r>
+              <a:rPr lang="en-US" sz="2400" dirty="0"/>
+              <a:t>Accurate clock and timer on-chip</a:t>
+            </a:r>
+          </a:p>
+          <a:p>
+            <a:r>
+              <a:rPr lang="en-US" sz="2400" dirty="0"/>
+              <a:t>8 Raspberry Pi Programmable I/O (PIO) state machines</a:t>
+            </a:r>
+          </a:p>
+          <a:p>
+            <a:r>
+              <a:rPr lang="en-US" sz="2400" dirty="0"/>
+              <a:t>Temperature sensor</a:t>
+            </a:r>
+          </a:p>
+          <a:p>
+            <a:r>
+              <a:rPr lang="en-US" sz="2400" dirty="0"/>
+              <a:t>Dual core ARM Cortex-M0+ RISC processors</a:t>
+            </a:r>
+          </a:p>
+          <a:p>
+            <a:r>
+              <a:rPr lang="en-US" sz="2400" dirty="0"/>
+              <a:t>8 × Programmable I/O (PIO) state machines</a:t>
+            </a:r>
+          </a:p>
+          <a:p>
+            <a:endParaRPr lang="en-US" sz="2400" dirty="0"/>
+          </a:p>
+        </p:txBody>
+      </p:sp>
+      <p:pic>
+        <p:nvPicPr>
+          <p:cNvPr id="3" name="Picture 2">
+            <a:extLst>
+              <a:ext uri="{FF2B5EF4-FFF2-40B4-BE49-F238E27FC236}">
+                <a16:creationId xmlns:a16="http://schemas.microsoft.com/office/drawing/2014/main" id="{45159C61-F94C-A236-913B-7714BED0BB1B}"/>
+              </a:ext>
+            </a:extLst>
+          </p:cNvPr>
+          <p:cNvPicPr>
+            <a:picLocks noChangeAspect="1"/>
+          </p:cNvPicPr>
+          <p:nvPr/>
+        </p:nvPicPr>
+        <p:blipFill>
+          <a:blip r:embed="rId2"/>
+          <a:stretch>
+            <a:fillRect/>
+          </a:stretch>
+        </p:blipFill>
+        <p:spPr>
+          <a:xfrm>
+            <a:off x="925146" y="1958007"/>
+            <a:ext cx="1529818" cy="3837083"/>
+          </a:xfrm>
+          <a:prstGeom prst="rect">
+            <a:avLst/>
+          </a:prstGeom>
+        </p:spPr>
+      </p:pic>
+      <p:sp>
+        <p:nvSpPr>
+          <p:cNvPr id="4" name="TextBox 3">
+            <a:extLst>
+              <a:ext uri="{FF2B5EF4-FFF2-40B4-BE49-F238E27FC236}">
+                <a16:creationId xmlns:a16="http://schemas.microsoft.com/office/drawing/2014/main" id="{EF560A67-B675-D7B3-971F-3C205D52CD64}"/>
+              </a:ext>
+            </a:extLst>
+          </p:cNvPr>
+          <p:cNvSpPr txBox="1"/>
+          <p:nvPr/>
+        </p:nvSpPr>
+        <p:spPr>
+          <a:xfrm>
+            <a:off x="593216" y="1196873"/>
+            <a:ext cx="2193677" cy="369332"/>
+          </a:xfrm>
+          <a:prstGeom prst="rect">
+            <a:avLst/>
+          </a:prstGeom>
+          <a:noFill/>
+        </p:spPr>
+        <p:txBody>
+          <a:bodyPr wrap="none" rtlCol="0">
+            <a:spAutoFit/>
+          </a:bodyPr>
+          <a:lstStyle/>
+          <a:p>
+            <a:r>
+              <a:rPr lang="en-US" dirty="0"/>
+              <a:t>Micro USB Connector</a:t>
+            </a:r>
+          </a:p>
+        </p:txBody>
+      </p:sp>
+      <p:cxnSp>
+        <p:nvCxnSpPr>
+          <p:cNvPr id="7" name="Straight Arrow Connector 6">
+            <a:extLst>
+              <a:ext uri="{FF2B5EF4-FFF2-40B4-BE49-F238E27FC236}">
+                <a16:creationId xmlns:a16="http://schemas.microsoft.com/office/drawing/2014/main" id="{95020D30-FC41-D3B6-4649-47EF4081D419}"/>
+              </a:ext>
+            </a:extLst>
+          </p:cNvPr>
+          <p:cNvCxnSpPr>
+            <a:stCxn id="4" idx="2"/>
+            <a:endCxn id="3" idx="0"/>
+          </p:cNvCxnSpPr>
+          <p:nvPr/>
+        </p:nvCxnSpPr>
+        <p:spPr>
+          <a:xfrm>
+            <a:off x="1690055" y="1566205"/>
+            <a:ext cx="0" cy="391802"/>
+          </a:xfrm>
+          <a:prstGeom prst="straightConnector1">
+            <a:avLst/>
+          </a:prstGeom>
+          <a:ln w="38100">
+            <a:solidFill>
+              <a:schemeClr val="tx1"/>
+            </a:solidFill>
+            <a:tailEnd type="triangle"/>
+          </a:ln>
+        </p:spPr>
+        <p:style>
+          <a:lnRef idx="1">
+            <a:schemeClr val="accent1"/>
+          </a:lnRef>
+          <a:fillRef idx="0">
+            <a:schemeClr val="accent1"/>
+          </a:fillRef>
+          <a:effectRef idx="0">
+            <a:schemeClr val="accent1"/>
+          </a:effectRef>
+          <a:fontRef idx="minor">
+            <a:schemeClr val="tx1"/>
+          </a:fontRef>
+        </p:style>
+      </p:cxnSp>
+    </p:spTree>
+    <p:extLst>
+      <p:ext uri="{BB962C8B-B14F-4D97-AF65-F5344CB8AC3E}">
+        <p14:creationId xmlns:p14="http://schemas.microsoft.com/office/powerpoint/2010/main" val="4239794347"/>
+      </p:ext>
+    </p:extLst>
+  </p:cSld>
+  <p:clrMapOvr>
+    <a:masterClrMapping/>
+  </p:clrMapOvr>
+</p:sld>
+</file>
+
+<file path=ppt/slides/slide8.xml><?xml version="1.0" encoding="utf-8"?>
+<p:sld xmlns:a="http://schemas.openxmlformats.org/drawingml/2006/main" xmlns:r="http://schemas.openxmlformats.org/officeDocument/2006/relationships" xmlns:p="http://schemas.openxmlformats.org/presentationml/2006/main">
+  <p:cSld>
+    <p:spTree>
+      <p:nvGrpSpPr>
+        <p:cNvPr id="1" name=""/>
+        <p:cNvGrpSpPr/>
+        <p:nvPr/>
+      </p:nvGrpSpPr>
+      <p:grpSpPr>
+        <a:xfrm>
+          <a:off x="0" y="0"/>
+          <a:ext cx="0" cy="0"/>
+          <a:chOff x="0" y="0"/>
+          <a:chExt cx="0" cy="0"/>
+        </a:xfrm>
+      </p:grpSpPr>
+      <p:sp>
+        <p:nvSpPr>
+          <p:cNvPr id="2" name="Title 1">
+            <a:extLst>
+              <a:ext uri="{FF2B5EF4-FFF2-40B4-BE49-F238E27FC236}">
+                <a16:creationId xmlns:a16="http://schemas.microsoft.com/office/drawing/2014/main" id="{AA1F1733-0861-76F6-287B-AABA4AB9B5E1}"/>
+              </a:ext>
+            </a:extLst>
+          </p:cNvPr>
+          <p:cNvSpPr>
+            <a:spLocks noGrp="1"/>
+          </p:cNvSpPr>
+          <p:nvPr>
+            <p:ph type="title"/>
+          </p:nvPr>
+        </p:nvSpPr>
+        <p:spPr/>
+        <p:txBody>
+          <a:bodyPr>
+            <a:normAutofit/>
+          </a:bodyPr>
+          <a:lstStyle/>
+          <a:p>
+            <a:r>
+              <a:rPr lang="en-US" dirty="0"/>
+              <a:t>Raspberry Pi Pico W (wireless)</a:t>
+            </a:r>
+          </a:p>
+        </p:txBody>
+      </p:sp>
+      <p:sp>
+        <p:nvSpPr>
+          <p:cNvPr id="5" name="Content Placeholder 4">
+            <a:extLst>
+              <a:ext uri="{FF2B5EF4-FFF2-40B4-BE49-F238E27FC236}">
+                <a16:creationId xmlns:a16="http://schemas.microsoft.com/office/drawing/2014/main" id="{26033F7F-DB07-F5B6-50A8-DEB194C26396}"/>
+              </a:ext>
+            </a:extLst>
+          </p:cNvPr>
+          <p:cNvSpPr>
+            <a:spLocks noGrp="1"/>
+          </p:cNvSpPr>
+          <p:nvPr>
+            <p:ph idx="1"/>
+          </p:nvPr>
+        </p:nvSpPr>
+        <p:spPr>
+          <a:xfrm>
+            <a:off x="3456986" y="1381539"/>
+            <a:ext cx="5093798" cy="3786809"/>
+          </a:xfrm>
+        </p:spPr>
+        <p:txBody>
+          <a:bodyPr>
+            <a:normAutofit/>
+          </a:bodyPr>
+          <a:lstStyle/>
+          <a:p>
+            <a:r>
+              <a:rPr lang="en-US" sz="2400" dirty="0"/>
+              <a:t>$6.00 at Microcenter in St. Louis Park</a:t>
+            </a:r>
+          </a:p>
+          <a:p>
+            <a:r>
+              <a:rPr lang="en-US" sz="2400" dirty="0"/>
+              <a:t>All the same features as the Pico plus:</a:t>
+            </a:r>
+          </a:p>
+          <a:p>
+            <a:r>
+              <a:rPr lang="en-US" sz="2400" dirty="0"/>
+              <a:t> 2.4GHz 802.11n wireless LA</a:t>
+            </a:r>
+          </a:p>
+          <a:p>
+            <a:r>
+              <a:rPr lang="en-US" sz="2400" dirty="0"/>
+              <a:t>Bluetooth will eventually also be supported (libraries missing)</a:t>
+            </a:r>
+          </a:p>
+          <a:p>
+            <a:endParaRPr lang="en-US" sz="2400" dirty="0"/>
+          </a:p>
+        </p:txBody>
+      </p:sp>
+      <p:sp>
+        <p:nvSpPr>
+          <p:cNvPr id="4" name="TextBox 3">
+            <a:extLst>
+              <a:ext uri="{FF2B5EF4-FFF2-40B4-BE49-F238E27FC236}">
+                <a16:creationId xmlns:a16="http://schemas.microsoft.com/office/drawing/2014/main" id="{EF560A67-B675-D7B3-971F-3C205D52CD64}"/>
+              </a:ext>
+            </a:extLst>
+          </p:cNvPr>
+          <p:cNvSpPr txBox="1"/>
+          <p:nvPr/>
+        </p:nvSpPr>
+        <p:spPr>
+          <a:xfrm>
+            <a:off x="593216" y="1196873"/>
+            <a:ext cx="2193677" cy="369332"/>
+          </a:xfrm>
+          <a:prstGeom prst="rect">
+            <a:avLst/>
+          </a:prstGeom>
+          <a:noFill/>
+        </p:spPr>
+        <p:txBody>
+          <a:bodyPr wrap="none" rtlCol="0">
+            <a:spAutoFit/>
+          </a:bodyPr>
+          <a:lstStyle/>
+          <a:p>
+            <a:r>
+              <a:rPr lang="en-US" dirty="0"/>
+              <a:t>Micro USB Connector</a:t>
+            </a:r>
+          </a:p>
+        </p:txBody>
+      </p:sp>
+      <p:cxnSp>
+        <p:nvCxnSpPr>
+          <p:cNvPr id="7" name="Straight Arrow Connector 6">
+            <a:extLst>
+              <a:ext uri="{FF2B5EF4-FFF2-40B4-BE49-F238E27FC236}">
+                <a16:creationId xmlns:a16="http://schemas.microsoft.com/office/drawing/2014/main" id="{95020D30-FC41-D3B6-4649-47EF4081D419}"/>
+              </a:ext>
+            </a:extLst>
+          </p:cNvPr>
+          <p:cNvCxnSpPr>
+            <a:cxnSpLocks/>
+            <a:stCxn id="4" idx="2"/>
+          </p:cNvCxnSpPr>
+          <p:nvPr/>
+        </p:nvCxnSpPr>
+        <p:spPr>
+          <a:xfrm>
+            <a:off x="1690055" y="1566205"/>
+            <a:ext cx="0" cy="391802"/>
+          </a:xfrm>
+          <a:prstGeom prst="straightConnector1">
+            <a:avLst/>
+          </a:prstGeom>
+          <a:ln w="38100">
+            <a:solidFill>
+              <a:schemeClr val="tx1"/>
+            </a:solidFill>
+            <a:tailEnd type="triangle"/>
+          </a:ln>
+        </p:spPr>
+        <p:style>
+          <a:lnRef idx="1">
+            <a:schemeClr val="accent1"/>
+          </a:lnRef>
+          <a:fillRef idx="0">
+            <a:schemeClr val="accent1"/>
+          </a:fillRef>
+          <a:effectRef idx="0">
+            <a:schemeClr val="accent1"/>
+          </a:effectRef>
+          <a:fontRef idx="minor">
+            <a:schemeClr val="tx1"/>
+          </a:fontRef>
+        </p:style>
+      </p:cxnSp>
+      <p:pic>
+        <p:nvPicPr>
+          <p:cNvPr id="6" name="Picture 5">
+            <a:extLst>
+              <a:ext uri="{FF2B5EF4-FFF2-40B4-BE49-F238E27FC236}">
+                <a16:creationId xmlns:a16="http://schemas.microsoft.com/office/drawing/2014/main" id="{62FC0101-EEB3-8F62-AF87-E5F9F666D503}"/>
+              </a:ext>
+            </a:extLst>
+          </p:cNvPr>
+          <p:cNvPicPr>
+            <a:picLocks noChangeAspect="1"/>
+          </p:cNvPicPr>
+          <p:nvPr/>
+        </p:nvPicPr>
+        <p:blipFill>
+          <a:blip r:embed="rId2"/>
+          <a:stretch>
+            <a:fillRect/>
+          </a:stretch>
+        </p:blipFill>
+        <p:spPr>
+          <a:xfrm>
+            <a:off x="764184" y="1958007"/>
+            <a:ext cx="1809337" cy="4267476"/>
+          </a:xfrm>
+          <a:prstGeom prst="rect">
+            <a:avLst/>
+          </a:prstGeom>
+        </p:spPr>
+      </p:pic>
+      <p:sp>
+        <p:nvSpPr>
+          <p:cNvPr id="8" name="Rectangle 7">
+            <a:extLst>
+              <a:ext uri="{FF2B5EF4-FFF2-40B4-BE49-F238E27FC236}">
+                <a16:creationId xmlns:a16="http://schemas.microsoft.com/office/drawing/2014/main" id="{34592C75-5AFE-2A91-F64E-731D70923A4E}"/>
+              </a:ext>
+            </a:extLst>
+          </p:cNvPr>
+          <p:cNvSpPr/>
+          <p:nvPr/>
+        </p:nvSpPr>
+        <p:spPr>
+          <a:xfrm>
+            <a:off x="1232452" y="4691270"/>
+            <a:ext cx="993913" cy="864704"/>
+          </a:xfrm>
+          <a:prstGeom prst="rect">
+            <a:avLst/>
+          </a:prstGeom>
+          <a:noFill/>
+          <a:ln w="38100">
+            <a:solidFill>
+              <a:srgbClr val="FF0000"/>
+            </a:solidFill>
+          </a:ln>
+        </p:spPr>
+        <p:style>
+          <a:lnRef idx="2">
+            <a:schemeClr val="accent1">
+              <a:shade val="50000"/>
+            </a:schemeClr>
+          </a:lnRef>
+          <a:fillRef idx="1">
+            <a:schemeClr val="accent1"/>
+          </a:fillRef>
+          <a:effectRef idx="0">
+            <a:schemeClr val="accent1"/>
+          </a:effectRef>
+          <a:fontRef idx="minor">
+            <a:schemeClr val="lt1"/>
+          </a:fontRef>
+        </p:style>
+        <p:txBody>
+          <a:bodyPr rtlCol="0" anchor="ctr"/>
+          <a:lstStyle/>
+          <a:p>
+            <a:pPr algn="ctr"/>
+            <a:endParaRPr lang="en-US"/>
+          </a:p>
+        </p:txBody>
+      </p:sp>
+      <p:cxnSp>
+        <p:nvCxnSpPr>
+          <p:cNvPr id="9" name="Straight Arrow Connector 8">
+            <a:extLst>
+              <a:ext uri="{FF2B5EF4-FFF2-40B4-BE49-F238E27FC236}">
+                <a16:creationId xmlns:a16="http://schemas.microsoft.com/office/drawing/2014/main" id="{988BBB5A-1AE7-683C-5B3C-6250B258F075}"/>
+              </a:ext>
+            </a:extLst>
+          </p:cNvPr>
+          <p:cNvCxnSpPr>
+            <a:cxnSpLocks/>
+            <a:stCxn id="12" idx="1"/>
+          </p:cNvCxnSpPr>
+          <p:nvPr/>
+        </p:nvCxnSpPr>
+        <p:spPr>
+          <a:xfrm flipH="1" flipV="1">
+            <a:off x="2226365" y="5168348"/>
+            <a:ext cx="805070" cy="872469"/>
+          </a:xfrm>
+          <a:prstGeom prst="straightConnector1">
+            <a:avLst/>
+          </a:prstGeom>
+          <a:ln w="38100">
+            <a:solidFill>
+              <a:srgbClr val="FF0000"/>
+            </a:solidFill>
+            <a:tailEnd type="triangle"/>
+          </a:ln>
+        </p:spPr>
+        <p:style>
+          <a:lnRef idx="1">
+            <a:schemeClr val="accent1"/>
+          </a:lnRef>
+          <a:fillRef idx="0">
+            <a:schemeClr val="accent1"/>
+          </a:fillRef>
+          <a:effectRef idx="0">
+            <a:schemeClr val="accent1"/>
+          </a:effectRef>
+          <a:fontRef idx="minor">
+            <a:schemeClr val="tx1"/>
+          </a:fontRef>
+        </p:style>
+      </p:cxnSp>
+      <p:sp>
+        <p:nvSpPr>
+          <p:cNvPr id="12" name="TextBox 11">
+            <a:extLst>
+              <a:ext uri="{FF2B5EF4-FFF2-40B4-BE49-F238E27FC236}">
+                <a16:creationId xmlns:a16="http://schemas.microsoft.com/office/drawing/2014/main" id="{0CA52A32-AE3D-63A8-F374-7410614CC8A4}"/>
+              </a:ext>
+            </a:extLst>
+          </p:cNvPr>
+          <p:cNvSpPr txBox="1"/>
+          <p:nvPr/>
+        </p:nvSpPr>
+        <p:spPr>
+          <a:xfrm>
+            <a:off x="3031435" y="5856151"/>
+            <a:ext cx="1456040" cy="369332"/>
+          </a:xfrm>
+          <a:prstGeom prst="rect">
+            <a:avLst/>
+          </a:prstGeom>
+          <a:noFill/>
+        </p:spPr>
+        <p:txBody>
+          <a:bodyPr wrap="none" rtlCol="0">
+            <a:spAutoFit/>
+          </a:bodyPr>
+          <a:lstStyle/>
+          <a:p>
+            <a:r>
+              <a:rPr lang="en-US" dirty="0"/>
+              <a:t>Wireless Chip</a:t>
+            </a:r>
+          </a:p>
+        </p:txBody>
+      </p:sp>
+    </p:spTree>
+    <p:extLst>
+      <p:ext uri="{BB962C8B-B14F-4D97-AF65-F5344CB8AC3E}">
+        <p14:creationId xmlns:p14="http://schemas.microsoft.com/office/powerpoint/2010/main" val="1611884710"/>
+      </p:ext>
+    </p:extLst>
+  </p:cSld>
+  <p:clrMapOvr>
+    <a:masterClrMapping/>
+  </p:clrMapOvr>
+</p:sld>
+</file>
+
+<file path=ppt/slides/slide9.xml><?xml version="1.0" encoding="utf-8"?>
+<p:sld xmlns:a="http://schemas.openxmlformats.org/drawingml/2006/main" xmlns:r="http://schemas.openxmlformats.org/officeDocument/2006/relationships" xmlns:p="http://schemas.openxmlformats.org/presentationml/2006/main">
+  <p:cSld>
+    <p:spTree>
+      <p:nvGrpSpPr>
+        <p:cNvPr id="1" name=""/>
+        <p:cNvGrpSpPr/>
+        <p:nvPr/>
+      </p:nvGrpSpPr>
+      <p:grpSpPr>
+        <a:xfrm>
+          <a:off x="0" y="0"/>
+          <a:ext cx="0" cy="0"/>
+          <a:chOff x="0" y="0"/>
+          <a:chExt cx="0" cy="0"/>
+        </a:xfrm>
+      </p:grpSpPr>
+      <p:sp>
+        <p:nvSpPr>
+          <p:cNvPr id="2" name="Title 1">
+            <a:extLst>
+              <a:ext uri="{FF2B5EF4-FFF2-40B4-BE49-F238E27FC236}">
+                <a16:creationId xmlns:a16="http://schemas.microsoft.com/office/drawing/2014/main" id="{5D31F614-ABF6-F138-4466-C88B7374D2B4}"/>
+              </a:ext>
+            </a:extLst>
+          </p:cNvPr>
+          <p:cNvSpPr>
+            <a:spLocks noGrp="1"/>
+          </p:cNvSpPr>
+          <p:nvPr>
+            <p:ph type="title"/>
+          </p:nvPr>
+        </p:nvSpPr>
+        <p:spPr/>
+        <p:txBody>
+          <a:bodyPr>
+            <a:noAutofit/>
+          </a:bodyPr>
+          <a:lstStyle/>
+          <a:p>
+            <a:r>
+              <a:rPr lang="en-US" sz="3600" dirty="0"/>
+              <a:t>Ultrasonic “Ping” Distance Sensor</a:t>
+            </a:r>
+          </a:p>
+        </p:txBody>
+      </p:sp>
+      <p:sp>
+        <p:nvSpPr>
+          <p:cNvPr id="6" name="TextBox 4">
+            <a:extLst>
+              <a:ext uri="{FF2B5EF4-FFF2-40B4-BE49-F238E27FC236}">
+                <a16:creationId xmlns:a16="http://schemas.microsoft.com/office/drawing/2014/main" id="{02EE102F-8CBC-C1F0-3AEE-D39DC0A7AD63}"/>
+              </a:ext>
+            </a:extLst>
+          </p:cNvPr>
+          <p:cNvSpPr txBox="1">
+            <a:spLocks noGrp="1"/>
+          </p:cNvSpPr>
+          <p:nvPr>
+            <p:ph idx="1"/>
+          </p:nvPr>
+        </p:nvSpPr>
+        <p:spPr>
+          <a:xfrm>
+            <a:off x="4760654" y="4207985"/>
+            <a:ext cx="3588215" cy="1716367"/>
+          </a:xfrm>
+          <a:prstGeom prst="rect">
+            <a:avLst/>
+          </a:prstGeom>
+          <a:noFill/>
+        </p:spPr>
+        <p:txBody>
+          <a:bodyPr wrap="square">
+            <a:spAutoFit/>
+          </a:bodyPr>
+          <a:lstStyle>
+            <a:defPPr>
+              <a:defRPr lang="en-US"/>
+            </a:defPPr>
+            <a:lvl1pPr marL="0" algn="l" defTabSz="457200" rtl="0" eaLnBrk="1" latinLnBrk="0" hangingPunct="1">
+              <a:defRPr sz="1800" kern="1200">
+                <a:solidFill>
+                  <a:schemeClr val="tx1"/>
+                </a:solidFill>
+                <a:latin typeface="+mn-lt"/>
+                <a:ea typeface="+mn-ea"/>
+                <a:cs typeface="+mn-cs"/>
+              </a:defRPr>
+            </a:lvl1pPr>
+            <a:lvl2pPr marL="457200" algn="l" defTabSz="457200" rtl="0" eaLnBrk="1" latinLnBrk="0" hangingPunct="1">
+              <a:defRPr sz="1800" kern="1200">
+                <a:solidFill>
+                  <a:schemeClr val="tx1"/>
+                </a:solidFill>
+                <a:latin typeface="+mn-lt"/>
+                <a:ea typeface="+mn-ea"/>
+                <a:cs typeface="+mn-cs"/>
+              </a:defRPr>
+            </a:lvl2pPr>
+            <a:lvl3pPr marL="914400" algn="l" defTabSz="457200" rtl="0" eaLnBrk="1" latinLnBrk="0" hangingPunct="1">
+              <a:defRPr sz="1800" kern="1200">
+                <a:solidFill>
+                  <a:schemeClr val="tx1"/>
+                </a:solidFill>
+                <a:latin typeface="+mn-lt"/>
+                <a:ea typeface="+mn-ea"/>
+                <a:cs typeface="+mn-cs"/>
+              </a:defRPr>
+            </a:lvl3pPr>
+            <a:lvl4pPr marL="1371600" algn="l" defTabSz="457200" rtl="0" eaLnBrk="1" latinLnBrk="0" hangingPunct="1">
+              <a:defRPr sz="1800" kern="1200">
+                <a:solidFill>
+                  <a:schemeClr val="tx1"/>
+                </a:solidFill>
+                <a:latin typeface="+mn-lt"/>
+                <a:ea typeface="+mn-ea"/>
+                <a:cs typeface="+mn-cs"/>
+              </a:defRPr>
+            </a:lvl4pPr>
+            <a:lvl5pPr marL="1828800" algn="l" defTabSz="457200" rtl="0" eaLnBrk="1" latinLnBrk="0" hangingPunct="1">
+              <a:defRPr sz="1800" kern="1200">
+                <a:solidFill>
+                  <a:schemeClr val="tx1"/>
+                </a:solidFill>
+                <a:latin typeface="+mn-lt"/>
+                <a:ea typeface="+mn-ea"/>
+                <a:cs typeface="+mn-cs"/>
+              </a:defRPr>
+            </a:lvl5pPr>
+            <a:lvl6pPr marL="2286000" algn="l" defTabSz="457200" rtl="0" eaLnBrk="1" latinLnBrk="0" hangingPunct="1">
+              <a:defRPr sz="1800" kern="1200">
+                <a:solidFill>
+                  <a:schemeClr val="tx1"/>
+                </a:solidFill>
+                <a:latin typeface="+mn-lt"/>
+                <a:ea typeface="+mn-ea"/>
+                <a:cs typeface="+mn-cs"/>
+              </a:defRPr>
+            </a:lvl6pPr>
+            <a:lvl7pPr marL="2743200" algn="l" defTabSz="457200" rtl="0" eaLnBrk="1" latinLnBrk="0" hangingPunct="1">
+              <a:defRPr sz="1800" kern="1200">
+                <a:solidFill>
+                  <a:schemeClr val="tx1"/>
+                </a:solidFill>
+                <a:latin typeface="+mn-lt"/>
+                <a:ea typeface="+mn-ea"/>
+                <a:cs typeface="+mn-cs"/>
+              </a:defRPr>
+            </a:lvl7pPr>
+            <a:lvl8pPr marL="3200400" algn="l" defTabSz="457200" rtl="0" eaLnBrk="1" latinLnBrk="0" hangingPunct="1">
+              <a:defRPr sz="1800" kern="1200">
+                <a:solidFill>
+                  <a:schemeClr val="tx1"/>
+                </a:solidFill>
+                <a:latin typeface="+mn-lt"/>
+                <a:ea typeface="+mn-ea"/>
+                <a:cs typeface="+mn-cs"/>
+              </a:defRPr>
+            </a:lvl8pPr>
+            <a:lvl9pPr marL="3657600" algn="l" defTabSz="457200" rtl="0" eaLnBrk="1" latinLnBrk="0" hangingPunct="1">
+              <a:defRPr sz="1800" kern="1200">
+                <a:solidFill>
+                  <a:schemeClr val="tx1"/>
+                </a:solidFill>
+                <a:latin typeface="+mn-lt"/>
+                <a:ea typeface="+mn-ea"/>
+                <a:cs typeface="+mn-cs"/>
+              </a:defRPr>
+            </a:lvl9pPr>
+          </a:lstStyle>
+          <a:p>
+            <a:pPr algn="l"/>
+            <a:r>
+              <a:rPr lang="en-US" i="0" dirty="0">
+                <a:effectLst/>
+                <a:latin typeface="YouTube Sans"/>
+              </a:rPr>
+              <a:t>HC-SR04 is a low-</a:t>
+            </a:r>
+            <a:r>
+              <a:rPr lang="en-US" dirty="0">
+                <a:latin typeface="YouTube Sans"/>
+              </a:rPr>
+              <a:t>cost </a:t>
+            </a:r>
+            <a:r>
+              <a:rPr lang="en-US" i="0" dirty="0">
+                <a:effectLst/>
+                <a:latin typeface="YouTube Sans"/>
+              </a:rPr>
+              <a:t>ultrasonic </a:t>
+            </a:r>
+            <a:r>
+              <a:rPr lang="en-US" dirty="0">
+                <a:latin typeface="YouTube Sans"/>
+              </a:rPr>
+              <a:t>d</a:t>
+            </a:r>
+            <a:r>
+              <a:rPr lang="en-US" i="0" dirty="0">
+                <a:effectLst/>
+                <a:latin typeface="YouTube Sans"/>
+              </a:rPr>
+              <a:t>istance </a:t>
+            </a:r>
+            <a:r>
+              <a:rPr lang="en-US" dirty="0">
+                <a:latin typeface="YouTube Sans"/>
+              </a:rPr>
+              <a:t>s</a:t>
+            </a:r>
+            <a:r>
+              <a:rPr lang="en-US" i="0" dirty="0">
+                <a:effectLst/>
+                <a:latin typeface="YouTube Sans"/>
+              </a:rPr>
+              <a:t>ensor that you can find for about $3.00</a:t>
+            </a:r>
+          </a:p>
+          <a:p>
+            <a:pPr algn="l"/>
+            <a:r>
+              <a:rPr lang="en-US" dirty="0">
+                <a:latin typeface="YouTube Sans"/>
+              </a:rPr>
+              <a:t>Uses “echolocation” to measure the time that a sound pulse takes to bounce off an object</a:t>
+            </a:r>
+            <a:endParaRPr lang="en-US" i="0" dirty="0">
+              <a:effectLst/>
+              <a:latin typeface="YouTube Sans"/>
+            </a:endParaRPr>
+          </a:p>
+        </p:txBody>
+      </p:sp>
+      <p:pic>
+        <p:nvPicPr>
+          <p:cNvPr id="2050" name="Picture 2" descr="Introduction to HC-SR04 (Ultrasonic Sensor) - The Engineering Projects">
+            <a:extLst>
+              <a:ext uri="{FF2B5EF4-FFF2-40B4-BE49-F238E27FC236}">
+                <a16:creationId xmlns:a16="http://schemas.microsoft.com/office/drawing/2014/main" id="{EFCFCA54-5A73-BF75-EF7D-419206C9F11A}"/>
+              </a:ext>
+            </a:extLst>
+          </p:cNvPr>
+          <p:cNvPicPr>
+            <a:picLocks noChangeAspect="1" noChangeArrowheads="1"/>
+          </p:cNvPicPr>
+          <p:nvPr/>
+        </p:nvPicPr>
+        <p:blipFill rotWithShape="1">
+          <a:blip r:embed="rId2">
+            <a:extLst>
+              <a:ext uri="{28A0092B-C50C-407E-A947-70E740481C1C}">
+                <a14:useLocalDpi xmlns:a14="http://schemas.microsoft.com/office/drawing/2010/main" val="0"/>
+              </a:ext>
+            </a:extLst>
+          </a:blip>
+          <a:srcRect l="922" t="2302" r="1301" b="2589"/>
+          <a:stretch/>
+        </p:blipFill>
+        <p:spPr bwMode="auto">
+          <a:xfrm>
+            <a:off x="1702990" y="933648"/>
+            <a:ext cx="6115329" cy="2935001"/>
+          </a:xfrm>
+          <a:prstGeom prst="rect">
+            <a:avLst/>
+          </a:prstGeom>
+          <a:noFill/>
+          <a:extLst>
+            <a:ext uri="{909E8E84-426E-40DD-AFC4-6F175D3DCCD1}">
+              <a14:hiddenFill xmlns:a14="http://schemas.microsoft.com/office/drawing/2010/main">
+                <a:solidFill>
+                  <a:srgbClr val="FFFFFF"/>
+                </a:solidFill>
+              </a14:hiddenFill>
+            </a:ext>
+          </a:extLst>
+        </p:spPr>
+      </p:pic>
+      <p:pic>
+        <p:nvPicPr>
+          <p:cNvPr id="2052" name="Picture 4" descr="HC-SR04 | Mbed">
+            <a:extLst>
+              <a:ext uri="{FF2B5EF4-FFF2-40B4-BE49-F238E27FC236}">
+                <a16:creationId xmlns:a16="http://schemas.microsoft.com/office/drawing/2014/main" id="{B26AFF90-9D5E-383C-E9F6-FA13A50878DD}"/>
+              </a:ext>
+            </a:extLst>
+          </p:cNvPr>
+          <p:cNvPicPr>
+            <a:picLocks noChangeAspect="1" noChangeArrowheads="1"/>
+          </p:cNvPicPr>
+          <p:nvPr/>
+        </p:nvPicPr>
+        <p:blipFill>
+          <a:blip r:embed="rId3">
+            <a:extLst>
+              <a:ext uri="{28A0092B-C50C-407E-A947-70E740481C1C}">
+                <a14:useLocalDpi xmlns:a14="http://schemas.microsoft.com/office/drawing/2010/main" val="0"/>
+              </a:ext>
+            </a:extLst>
+          </a:blip>
+          <a:srcRect/>
+          <a:stretch>
+            <a:fillRect/>
+          </a:stretch>
+        </p:blipFill>
+        <p:spPr bwMode="auto">
+          <a:xfrm>
+            <a:off x="466924" y="4065104"/>
+            <a:ext cx="3916422" cy="2477681"/>
+          </a:xfrm>
+          <a:prstGeom prst="rect">
+            <a:avLst/>
+          </a:prstGeom>
+          <a:noFill/>
+          <a:extLst>
+            <a:ext uri="{909E8E84-426E-40DD-AFC4-6F175D3DCCD1}">
+              <a14:hiddenFill xmlns:a14="http://schemas.microsoft.com/office/drawing/2010/main">
+                <a:solidFill>
+                  <a:srgbClr val="FFFFFF"/>
+                </a:solidFill>
+              </a14:hiddenFill>
+            </a:ext>
+          </a:extLst>
+        </p:spPr>
+      </p:pic>
+    </p:spTree>
+    <p:extLst>
+      <p:ext uri="{BB962C8B-B14F-4D97-AF65-F5344CB8AC3E}">
+        <p14:creationId xmlns:p14="http://schemas.microsoft.com/office/powerpoint/2010/main" val="2637297856"/>
       </p:ext>
     </p:extLst>
   </p:cSld>
